--- a/Präsentation.pptx
+++ b/Präsentation.pptx
@@ -5,7 +5,7 @@
     <p:sldMasterId id="2147483660" r:id="rId1"/>
   </p:sldMasterIdLst>
   <p:notesMasterIdLst>
-    <p:notesMasterId r:id="rId14"/>
+    <p:notesMasterId r:id="rId16"/>
   </p:notesMasterIdLst>
   <p:sldIdLst>
     <p:sldId id="258" r:id="rId2"/>
@@ -14,12 +14,14 @@
     <p:sldId id="261" r:id="rId5"/>
     <p:sldId id="265" r:id="rId6"/>
     <p:sldId id="263" r:id="rId7"/>
-    <p:sldId id="266" r:id="rId8"/>
-    <p:sldId id="262" r:id="rId9"/>
-    <p:sldId id="267" r:id="rId10"/>
-    <p:sldId id="268" r:id="rId11"/>
-    <p:sldId id="269" r:id="rId12"/>
-    <p:sldId id="264" r:id="rId13"/>
+    <p:sldId id="271" r:id="rId8"/>
+    <p:sldId id="270" r:id="rId9"/>
+    <p:sldId id="266" r:id="rId10"/>
+    <p:sldId id="262" r:id="rId11"/>
+    <p:sldId id="267" r:id="rId12"/>
+    <p:sldId id="268" r:id="rId13"/>
+    <p:sldId id="269" r:id="rId14"/>
+    <p:sldId id="264" r:id="rId15"/>
   </p:sldIdLst>
   <p:sldSz cx="9144000" cy="6858000" type="screen4x3"/>
   <p:notesSz cx="6858000" cy="9144000"/>
@@ -208,7 +210,7 @@
           <a:p>
             <a:fld id="{962A221D-1D23-4852-B6DA-6576BCEA7270}" type="datetimeFigureOut">
               <a:rPr lang="de-DE" smtClean="0"/>
-              <a:t>03.01.2020</a:t>
+              <a:t>04.01.2020</a:t>
             </a:fld>
             <a:endParaRPr lang="de-DE"/>
           </a:p>
@@ -608,7 +610,7 @@
           <a:p>
             <a:fld id="{9BECA252-2314-4772-A566-2CE806BA6105}" type="datetime1">
               <a:rPr lang="de-DE" smtClean="0"/>
-              <a:t>03.01.2020</a:t>
+              <a:t>04.01.2020</a:t>
             </a:fld>
             <a:endParaRPr lang="de-DE"/>
           </a:p>
@@ -781,7 +783,7 @@
           <a:p>
             <a:fld id="{86A15C32-5277-4D18-9237-2D9EFEE70859}" type="datetime1">
               <a:rPr lang="de-DE" smtClean="0"/>
-              <a:t>03.01.2020</a:t>
+              <a:t>04.01.2020</a:t>
             </a:fld>
             <a:endParaRPr lang="de-DE"/>
           </a:p>
@@ -964,7 +966,7 @@
           <a:p>
             <a:fld id="{E1B1F427-F0A3-4414-B85B-51AB93964579}" type="datetime1">
               <a:rPr lang="de-DE" smtClean="0"/>
-              <a:t>03.01.2020</a:t>
+              <a:t>04.01.2020</a:t>
             </a:fld>
             <a:endParaRPr lang="de-DE"/>
           </a:p>
@@ -1137,7 +1139,7 @@
           <a:p>
             <a:fld id="{1A5288E6-B411-4413-831A-87EED82A659E}" type="datetime1">
               <a:rPr lang="de-DE" smtClean="0"/>
-              <a:t>03.01.2020</a:t>
+              <a:t>04.01.2020</a:t>
             </a:fld>
             <a:endParaRPr lang="de-DE"/>
           </a:p>
@@ -1384,7 +1386,7 @@
           <a:p>
             <a:fld id="{3FD1223F-F55A-4595-9200-43B0DD10A323}" type="datetime1">
               <a:rPr lang="de-DE" smtClean="0"/>
-              <a:t>03.01.2020</a:t>
+              <a:t>04.01.2020</a:t>
             </a:fld>
             <a:endParaRPr lang="de-DE"/>
           </a:p>
@@ -1619,7 +1621,7 @@
           <a:p>
             <a:fld id="{94C448B9-CABA-4FF4-8ACD-34E4AC23D18B}" type="datetime1">
               <a:rPr lang="de-DE" smtClean="0"/>
-              <a:t>03.01.2020</a:t>
+              <a:t>04.01.2020</a:t>
             </a:fld>
             <a:endParaRPr lang="de-DE"/>
           </a:p>
@@ -1989,7 +1991,7 @@
           <a:p>
             <a:fld id="{41C800FC-13D0-4C1D-85D2-CC25D183B7A0}" type="datetime1">
               <a:rPr lang="de-DE" smtClean="0"/>
-              <a:t>03.01.2020</a:t>
+              <a:t>04.01.2020</a:t>
             </a:fld>
             <a:endParaRPr lang="de-DE"/>
           </a:p>
@@ -2110,7 +2112,7 @@
           <a:p>
             <a:fld id="{814DA42B-8F93-438C-B6DF-B557C5B2FA2C}" type="datetime1">
               <a:rPr lang="de-DE" smtClean="0"/>
-              <a:t>03.01.2020</a:t>
+              <a:t>04.01.2020</a:t>
             </a:fld>
             <a:endParaRPr lang="de-DE"/>
           </a:p>
@@ -2208,7 +2210,7 @@
           <a:p>
             <a:fld id="{4A709243-FDF7-420A-BCC0-43CD5A0DD4E7}" type="datetime1">
               <a:rPr lang="de-DE" smtClean="0"/>
-              <a:t>03.01.2020</a:t>
+              <a:t>04.01.2020</a:t>
             </a:fld>
             <a:endParaRPr lang="de-DE"/>
           </a:p>
@@ -2488,7 +2490,7 @@
           <a:p>
             <a:fld id="{ECAEB390-A885-48C8-A4C4-9AB18CB5E27A}" type="datetime1">
               <a:rPr lang="de-DE" smtClean="0"/>
-              <a:t>03.01.2020</a:t>
+              <a:t>04.01.2020</a:t>
             </a:fld>
             <a:endParaRPr lang="de-DE"/>
           </a:p>
@@ -2748,7 +2750,7 @@
           <a:p>
             <a:fld id="{E67FDF4C-C9F5-47FB-B71A-7476FBE97986}" type="datetime1">
               <a:rPr lang="de-DE" smtClean="0"/>
-              <a:t>03.01.2020</a:t>
+              <a:t>04.01.2020</a:t>
             </a:fld>
             <a:endParaRPr lang="de-DE"/>
           </a:p>
@@ -2964,7 +2966,7 @@
           <a:p>
             <a:fld id="{102C861F-47DF-4B94-9718-9495387A8ADE}" type="datetime1">
               <a:rPr lang="de-DE" smtClean="0"/>
-              <a:t>03.01.2020</a:t>
+              <a:t>04.01.2020</a:t>
             </a:fld>
             <a:endParaRPr lang="de-DE"/>
           </a:p>
@@ -3577,7 +3579,7 @@
           <a:p>
             <a:fld id="{1A5288E6-B411-4413-831A-87EED82A659E}" type="datetime1">
               <a:rPr lang="de-DE" smtClean="0"/>
-              <a:t>03.01.2020</a:t>
+              <a:t>04.01.2020</a:t>
             </a:fld>
             <a:endParaRPr lang="de-DE"/>
           </a:p>
@@ -3635,6 +3637,925 @@
             <a:fld id="{EC0A2310-4CBE-4B3B-8C88-D717286D0414}" type="slidenum">
               <a:rPr lang="de-DE" smtClean="0"/>
               <a:t>10</a:t>
+            </a:fld>
+            <a:endParaRPr lang="de-DE"/>
+          </a:p>
+        </p:txBody>
+      </p:sp>
+      <p:sp>
+        <p:nvSpPr>
+          <p:cNvPr id="7" name="Rechteck 6">
+            <a:extLst>
+              <a:ext uri="{FF2B5EF4-FFF2-40B4-BE49-F238E27FC236}">
+                <a16:creationId xmlns:a16="http://schemas.microsoft.com/office/drawing/2014/main" id="{656ED9E5-7816-4893-863C-082E6B28BB96}"/>
+              </a:ext>
+            </a:extLst>
+          </p:cNvPr>
+          <p:cNvSpPr/>
+          <p:nvPr/>
+        </p:nvSpPr>
+        <p:spPr>
+          <a:xfrm>
+            <a:off x="628650" y="2354438"/>
+            <a:ext cx="7886700" cy="707886"/>
+          </a:xfrm>
+          <a:prstGeom prst="rect">
+            <a:avLst/>
+          </a:prstGeom>
+          <a:solidFill>
+            <a:schemeClr val="bg1">
+              <a:lumMod val="95000"/>
+            </a:schemeClr>
+          </a:solidFill>
+        </p:spPr>
+        <p:txBody>
+          <a:bodyPr wrap="square">
+            <a:spAutoFit/>
+          </a:bodyPr>
+          <a:lstStyle/>
+          <a:p>
+            <a:r>
+              <a:rPr lang="de-DE" sz="2000" i="1" dirty="0">
+                <a:solidFill>
+                  <a:schemeClr val="accent3">
+                    <a:lumMod val="75000"/>
+                  </a:schemeClr>
+                </a:solidFill>
+              </a:rPr>
+              <a:t># pick a </a:t>
+            </a:r>
+            <a:r>
+              <a:rPr lang="de-DE" sz="2000" i="1" dirty="0" err="1">
+                <a:solidFill>
+                  <a:schemeClr val="accent3">
+                    <a:lumMod val="75000"/>
+                  </a:schemeClr>
+                </a:solidFill>
+              </a:rPr>
+              <a:t>qubit</a:t>
+            </a:r>
+            <a:endParaRPr lang="de-DE" sz="2000" i="1" dirty="0">
+              <a:solidFill>
+                <a:schemeClr val="accent3">
+                  <a:lumMod val="75000"/>
+                </a:schemeClr>
+              </a:solidFill>
+            </a:endParaRPr>
+          </a:p>
+          <a:p>
+            <a:r>
+              <a:rPr lang="de-DE" sz="2000" dirty="0" err="1"/>
+              <a:t>qubit</a:t>
+            </a:r>
+            <a:r>
+              <a:rPr lang="de-DE" sz="2000" dirty="0"/>
+              <a:t> </a:t>
+            </a:r>
+            <a:r>
+              <a:rPr lang="de-DE" sz="2000" b="1" dirty="0">
+                <a:solidFill>
+                  <a:srgbClr val="7030A0"/>
+                </a:solidFill>
+              </a:rPr>
+              <a:t>=</a:t>
+            </a:r>
+            <a:r>
+              <a:rPr lang="de-DE" sz="2000" dirty="0"/>
+              <a:t> </a:t>
+            </a:r>
+            <a:r>
+              <a:rPr lang="de-DE" sz="2000" dirty="0" err="1"/>
+              <a:t>cirq.</a:t>
+            </a:r>
+            <a:r>
+              <a:rPr lang="de-DE" sz="2000" dirty="0" err="1">
+                <a:solidFill>
+                  <a:schemeClr val="accent6">
+                    <a:lumMod val="75000"/>
+                  </a:schemeClr>
+                </a:solidFill>
+              </a:rPr>
+              <a:t>LineQubit</a:t>
+            </a:r>
+            <a:r>
+              <a:rPr lang="de-DE" sz="2000" dirty="0"/>
+              <a:t>(</a:t>
+            </a:r>
+            <a:r>
+              <a:rPr lang="de-DE" sz="2000" dirty="0">
+                <a:solidFill>
+                  <a:schemeClr val="accent3">
+                    <a:lumMod val="75000"/>
+                  </a:schemeClr>
+                </a:solidFill>
+              </a:rPr>
+              <a:t>0</a:t>
+            </a:r>
+            <a:r>
+              <a:rPr lang="de-DE" sz="2000" dirty="0"/>
+              <a:t>)    </a:t>
+            </a:r>
+            <a:r>
+              <a:rPr lang="de-DE" sz="2000" i="1" dirty="0">
+                <a:solidFill>
+                  <a:schemeClr val="accent3">
+                    <a:lumMod val="75000"/>
+                  </a:schemeClr>
+                </a:solidFill>
+              </a:rPr>
+              <a:t># </a:t>
+            </a:r>
+            <a:r>
+              <a:rPr lang="de-DE" sz="2000" i="1" dirty="0" err="1">
+                <a:solidFill>
+                  <a:schemeClr val="accent3">
+                    <a:lumMod val="75000"/>
+                  </a:schemeClr>
+                </a:solidFill>
+              </a:rPr>
+              <a:t>position</a:t>
+            </a:r>
+            <a:r>
+              <a:rPr lang="de-DE" sz="2000" i="1" dirty="0">
+                <a:solidFill>
+                  <a:schemeClr val="accent3">
+                    <a:lumMod val="75000"/>
+                  </a:schemeClr>
+                </a:solidFill>
+              </a:rPr>
+              <a:t> 0</a:t>
+            </a:r>
+          </a:p>
+        </p:txBody>
+      </p:sp>
+      <p:sp>
+        <p:nvSpPr>
+          <p:cNvPr id="8" name="Rechteck 7">
+            <a:extLst>
+              <a:ext uri="{FF2B5EF4-FFF2-40B4-BE49-F238E27FC236}">
+                <a16:creationId xmlns:a16="http://schemas.microsoft.com/office/drawing/2014/main" id="{CBDC0C4A-02CE-4AAF-819C-02CB87BFA3EB}"/>
+              </a:ext>
+            </a:extLst>
+          </p:cNvPr>
+          <p:cNvSpPr/>
+          <p:nvPr/>
+        </p:nvSpPr>
+        <p:spPr>
+          <a:xfrm>
+            <a:off x="628649" y="3153849"/>
+            <a:ext cx="7886700" cy="1631216"/>
+          </a:xfrm>
+          <a:prstGeom prst="rect">
+            <a:avLst/>
+          </a:prstGeom>
+          <a:solidFill>
+            <a:schemeClr val="bg1">
+              <a:lumMod val="95000"/>
+            </a:schemeClr>
+          </a:solidFill>
+        </p:spPr>
+        <p:txBody>
+          <a:bodyPr wrap="square">
+            <a:spAutoFit/>
+          </a:bodyPr>
+          <a:lstStyle/>
+          <a:p>
+            <a:r>
+              <a:rPr lang="de-DE" sz="2000" i="1" dirty="0">
+                <a:solidFill>
+                  <a:schemeClr val="accent3">
+                    <a:lumMod val="75000"/>
+                  </a:schemeClr>
+                </a:solidFill>
+              </a:rPr>
+              <a:t># </a:t>
+            </a:r>
+            <a:r>
+              <a:rPr lang="de-DE" sz="2000" i="1" dirty="0" err="1">
+                <a:solidFill>
+                  <a:schemeClr val="accent3">
+                    <a:lumMod val="75000"/>
+                  </a:schemeClr>
+                </a:solidFill>
+              </a:rPr>
+              <a:t>create</a:t>
+            </a:r>
+            <a:r>
+              <a:rPr lang="de-DE" sz="2000" i="1" dirty="0">
+                <a:solidFill>
+                  <a:schemeClr val="accent3">
+                    <a:lumMod val="75000"/>
+                  </a:schemeClr>
+                </a:solidFill>
+              </a:rPr>
+              <a:t> a </a:t>
+            </a:r>
+            <a:r>
+              <a:rPr lang="de-DE" sz="2000" i="1" dirty="0" err="1">
+                <a:solidFill>
+                  <a:schemeClr val="accent3">
+                    <a:lumMod val="75000"/>
+                  </a:schemeClr>
+                </a:solidFill>
+              </a:rPr>
+              <a:t>circuit</a:t>
+            </a:r>
+            <a:endParaRPr lang="de-DE" sz="2000" i="1" dirty="0">
+              <a:solidFill>
+                <a:schemeClr val="accent3">
+                  <a:lumMod val="75000"/>
+                </a:schemeClr>
+              </a:solidFill>
+            </a:endParaRPr>
+          </a:p>
+          <a:p>
+            <a:r>
+              <a:rPr lang="de-DE" sz="2000" dirty="0" err="1"/>
+              <a:t>circuit</a:t>
+            </a:r>
+            <a:r>
+              <a:rPr lang="de-DE" sz="2000" dirty="0"/>
+              <a:t> </a:t>
+            </a:r>
+            <a:r>
+              <a:rPr lang="de-DE" sz="2000" b="1" dirty="0">
+                <a:solidFill>
+                  <a:srgbClr val="7030A0"/>
+                </a:solidFill>
+              </a:rPr>
+              <a:t>=</a:t>
+            </a:r>
+            <a:r>
+              <a:rPr lang="de-DE" sz="2000" dirty="0"/>
+              <a:t> </a:t>
+            </a:r>
+            <a:r>
+              <a:rPr lang="de-DE" sz="2000" dirty="0" err="1"/>
+              <a:t>cirq.</a:t>
+            </a:r>
+            <a:r>
+              <a:rPr lang="de-DE" sz="2000" dirty="0" err="1">
+                <a:solidFill>
+                  <a:schemeClr val="accent6">
+                    <a:lumMod val="75000"/>
+                  </a:schemeClr>
+                </a:solidFill>
+              </a:rPr>
+              <a:t>Circuit</a:t>
+            </a:r>
+            <a:r>
+              <a:rPr lang="de-DE" sz="2000" dirty="0"/>
+              <a:t>(</a:t>
+            </a:r>
+          </a:p>
+          <a:p>
+            <a:r>
+              <a:rPr lang="de-DE" sz="2000" dirty="0"/>
+              <a:t>    </a:t>
+            </a:r>
+            <a:r>
+              <a:rPr lang="de-DE" sz="2000" dirty="0" err="1"/>
+              <a:t>cirq.</a:t>
+            </a:r>
+            <a:r>
+              <a:rPr lang="de-DE" sz="2000" dirty="0" err="1">
+                <a:solidFill>
+                  <a:schemeClr val="accent6">
+                    <a:lumMod val="75000"/>
+                  </a:schemeClr>
+                </a:solidFill>
+              </a:rPr>
+              <a:t>H</a:t>
+            </a:r>
+            <a:r>
+              <a:rPr lang="de-DE" sz="2000" dirty="0"/>
+              <a:t>(</a:t>
+            </a:r>
+            <a:r>
+              <a:rPr lang="de-DE" sz="2000" dirty="0" err="1"/>
+              <a:t>qubit</a:t>
+            </a:r>
+            <a:r>
+              <a:rPr lang="de-DE" sz="2000" dirty="0"/>
+              <a:t>),</a:t>
+            </a:r>
+          </a:p>
+          <a:p>
+            <a:r>
+              <a:rPr lang="de-DE" sz="2000" dirty="0"/>
+              <a:t>    </a:t>
+            </a:r>
+            <a:r>
+              <a:rPr lang="de-DE" sz="2000" dirty="0" err="1"/>
+              <a:t>cirq.</a:t>
+            </a:r>
+            <a:r>
+              <a:rPr lang="de-DE" sz="2000" dirty="0" err="1">
+                <a:solidFill>
+                  <a:schemeClr val="accent6">
+                    <a:lumMod val="75000"/>
+                  </a:schemeClr>
+                </a:solidFill>
+              </a:rPr>
+              <a:t>measure</a:t>
+            </a:r>
+            <a:r>
+              <a:rPr lang="de-DE" sz="2000" dirty="0"/>
+              <a:t>(</a:t>
+            </a:r>
+            <a:r>
+              <a:rPr lang="de-DE" sz="2000" dirty="0" err="1"/>
+              <a:t>qubit</a:t>
+            </a:r>
+            <a:r>
+              <a:rPr lang="de-DE" sz="2000" dirty="0"/>
+              <a:t>)</a:t>
+            </a:r>
+          </a:p>
+          <a:p>
+            <a:r>
+              <a:rPr lang="de-DE" sz="2000" dirty="0"/>
+              <a:t>)</a:t>
+            </a:r>
+          </a:p>
+        </p:txBody>
+      </p:sp>
+      <p:sp>
+        <p:nvSpPr>
+          <p:cNvPr id="9" name="Rechteck 8">
+            <a:extLst>
+              <a:ext uri="{FF2B5EF4-FFF2-40B4-BE49-F238E27FC236}">
+                <a16:creationId xmlns:a16="http://schemas.microsoft.com/office/drawing/2014/main" id="{5CB7C02F-E3C1-40FD-9E5E-3EC917D7CF45}"/>
+              </a:ext>
+            </a:extLst>
+          </p:cNvPr>
+          <p:cNvSpPr/>
+          <p:nvPr/>
+        </p:nvSpPr>
+        <p:spPr>
+          <a:xfrm>
+            <a:off x="628649" y="4876590"/>
+            <a:ext cx="7886699" cy="707886"/>
+          </a:xfrm>
+          <a:prstGeom prst="rect">
+            <a:avLst/>
+          </a:prstGeom>
+          <a:solidFill>
+            <a:schemeClr val="bg1">
+              <a:lumMod val="95000"/>
+            </a:schemeClr>
+          </a:solidFill>
+        </p:spPr>
+        <p:txBody>
+          <a:bodyPr wrap="square">
+            <a:spAutoFit/>
+          </a:bodyPr>
+          <a:lstStyle/>
+          <a:p>
+            <a:r>
+              <a:rPr lang="de-DE" sz="2000" dirty="0" err="1">
+                <a:solidFill>
+                  <a:schemeClr val="accent3">
+                    <a:lumMod val="75000"/>
+                  </a:schemeClr>
+                </a:solidFill>
+              </a:rPr>
+              <a:t>print</a:t>
+            </a:r>
+            <a:r>
+              <a:rPr lang="de-DE" sz="2000" dirty="0"/>
+              <a:t>(</a:t>
+            </a:r>
+            <a:r>
+              <a:rPr lang="de-DE" sz="2000" dirty="0">
+                <a:solidFill>
+                  <a:srgbClr val="C00000"/>
+                </a:solidFill>
+              </a:rPr>
+              <a:t>"Circuit"</a:t>
+            </a:r>
+            <a:r>
+              <a:rPr lang="de-DE" sz="2000" dirty="0"/>
+              <a:t>)</a:t>
+            </a:r>
+          </a:p>
+          <a:p>
+            <a:r>
+              <a:rPr lang="de-DE" sz="2000" dirty="0" err="1">
+                <a:solidFill>
+                  <a:schemeClr val="accent3">
+                    <a:lumMod val="75000"/>
+                  </a:schemeClr>
+                </a:solidFill>
+              </a:rPr>
+              <a:t>print</a:t>
+            </a:r>
+            <a:r>
+              <a:rPr lang="de-DE" sz="2000" dirty="0"/>
+              <a:t>(</a:t>
+            </a:r>
+            <a:r>
+              <a:rPr lang="de-DE" sz="2000" dirty="0" err="1"/>
+              <a:t>circuit</a:t>
+            </a:r>
+            <a:r>
+              <a:rPr lang="de-DE" sz="2000" dirty="0"/>
+              <a:t>)</a:t>
+            </a:r>
+          </a:p>
+        </p:txBody>
+      </p:sp>
+    </p:spTree>
+    <p:extLst>
+      <p:ext uri="{BB962C8B-B14F-4D97-AF65-F5344CB8AC3E}">
+        <p14:creationId xmlns:p14="http://schemas.microsoft.com/office/powerpoint/2010/main" val="1849521877"/>
+      </p:ext>
+    </p:extLst>
+  </p:cSld>
+  <p:clrMapOvr>
+    <a:masterClrMapping/>
+  </p:clrMapOvr>
+  <p:timing>
+    <p:tnLst>
+      <p:par>
+        <p:cTn id="1" dur="indefinite" restart="never" nodeType="tmRoot">
+          <p:childTnLst>
+            <p:seq concurrent="1" nextAc="seek">
+              <p:cTn id="2" dur="indefinite" nodeType="mainSeq">
+                <p:childTnLst>
+                  <p:par>
+                    <p:cTn id="3" fill="hold">
+                      <p:stCondLst>
+                        <p:cond delay="indefinite"/>
+                      </p:stCondLst>
+                      <p:childTnLst>
+                        <p:par>
+                          <p:cTn id="4" fill="hold">
+                            <p:stCondLst>
+                              <p:cond delay="0"/>
+                            </p:stCondLst>
+                            <p:childTnLst>
+                              <p:par>
+                                <p:cTn id="5" presetID="1" presetClass="entr" presetSubtype="0" fill="hold" grpId="0" nodeType="clickEffect">
+                                  <p:stCondLst>
+                                    <p:cond delay="0"/>
+                                  </p:stCondLst>
+                                  <p:childTnLst>
+                                    <p:set>
+                                      <p:cBhvr>
+                                        <p:cTn id="6" dur="1" fill="hold">
+                                          <p:stCondLst>
+                                            <p:cond delay="0"/>
+                                          </p:stCondLst>
+                                        </p:cTn>
+                                        <p:tgtEl>
+                                          <p:spTgt spid="7"/>
+                                        </p:tgtEl>
+                                        <p:attrNameLst>
+                                          <p:attrName>style.visibility</p:attrName>
+                                        </p:attrNameLst>
+                                      </p:cBhvr>
+                                      <p:to>
+                                        <p:strVal val="visible"/>
+                                      </p:to>
+                                    </p:set>
+                                  </p:childTnLst>
+                                </p:cTn>
+                              </p:par>
+                            </p:childTnLst>
+                          </p:cTn>
+                        </p:par>
+                      </p:childTnLst>
+                    </p:cTn>
+                  </p:par>
+                  <p:par>
+                    <p:cTn id="7" fill="hold">
+                      <p:stCondLst>
+                        <p:cond delay="indefinite"/>
+                      </p:stCondLst>
+                      <p:childTnLst>
+                        <p:par>
+                          <p:cTn id="8" fill="hold">
+                            <p:stCondLst>
+                              <p:cond delay="0"/>
+                            </p:stCondLst>
+                            <p:childTnLst>
+                              <p:par>
+                                <p:cTn id="9" presetID="1" presetClass="entr" presetSubtype="0" fill="hold" grpId="0" nodeType="clickEffect">
+                                  <p:stCondLst>
+                                    <p:cond delay="0"/>
+                                  </p:stCondLst>
+                                  <p:childTnLst>
+                                    <p:set>
+                                      <p:cBhvr>
+                                        <p:cTn id="10" dur="1" fill="hold">
+                                          <p:stCondLst>
+                                            <p:cond delay="0"/>
+                                          </p:stCondLst>
+                                        </p:cTn>
+                                        <p:tgtEl>
+                                          <p:spTgt spid="8"/>
+                                        </p:tgtEl>
+                                        <p:attrNameLst>
+                                          <p:attrName>style.visibility</p:attrName>
+                                        </p:attrNameLst>
+                                      </p:cBhvr>
+                                      <p:to>
+                                        <p:strVal val="visible"/>
+                                      </p:to>
+                                    </p:set>
+                                  </p:childTnLst>
+                                </p:cTn>
+                              </p:par>
+                            </p:childTnLst>
+                          </p:cTn>
+                        </p:par>
+                      </p:childTnLst>
+                    </p:cTn>
+                  </p:par>
+                  <p:par>
+                    <p:cTn id="11" fill="hold">
+                      <p:stCondLst>
+                        <p:cond delay="indefinite"/>
+                      </p:stCondLst>
+                      <p:childTnLst>
+                        <p:par>
+                          <p:cTn id="12" fill="hold">
+                            <p:stCondLst>
+                              <p:cond delay="0"/>
+                            </p:stCondLst>
+                            <p:childTnLst>
+                              <p:par>
+                                <p:cTn id="13" presetID="1" presetClass="entr" presetSubtype="0" fill="hold" grpId="0" nodeType="clickEffect">
+                                  <p:stCondLst>
+                                    <p:cond delay="0"/>
+                                  </p:stCondLst>
+                                  <p:childTnLst>
+                                    <p:set>
+                                      <p:cBhvr>
+                                        <p:cTn id="14" dur="1" fill="hold">
+                                          <p:stCondLst>
+                                            <p:cond delay="0"/>
+                                          </p:stCondLst>
+                                        </p:cTn>
+                                        <p:tgtEl>
+                                          <p:spTgt spid="9"/>
+                                        </p:tgtEl>
+                                        <p:attrNameLst>
+                                          <p:attrName>style.visibility</p:attrName>
+                                        </p:attrNameLst>
+                                      </p:cBhvr>
+                                      <p:to>
+                                        <p:strVal val="visible"/>
+                                      </p:to>
+                                    </p:set>
+                                  </p:childTnLst>
+                                </p:cTn>
+                              </p:par>
+                            </p:childTnLst>
+                          </p:cTn>
+                        </p:par>
+                      </p:childTnLst>
+                    </p:cTn>
+                  </p:par>
+                </p:childTnLst>
+              </p:cTn>
+              <p:prevCondLst>
+                <p:cond evt="onPrev" delay="0">
+                  <p:tgtEl>
+                    <p:sldTgt/>
+                  </p:tgtEl>
+                </p:cond>
+              </p:prevCondLst>
+              <p:nextCondLst>
+                <p:cond evt="onNext" delay="0">
+                  <p:tgtEl>
+                    <p:sldTgt/>
+                  </p:tgtEl>
+                </p:cond>
+              </p:nextCondLst>
+            </p:seq>
+          </p:childTnLst>
+        </p:cTn>
+      </p:par>
+    </p:tnLst>
+    <p:bldLst>
+      <p:bldP spid="7" grpId="0" animBg="1"/>
+      <p:bldP spid="8" grpId="0" animBg="1"/>
+      <p:bldP spid="9" grpId="0" animBg="1"/>
+    </p:bldLst>
+  </p:timing>
+</p:sld>
+</file>
+
+<file path=ppt/slides/slide11.xml><?xml version="1.0" encoding="utf-8"?>
+<p:sld xmlns:a="http://schemas.openxmlformats.org/drawingml/2006/main" xmlns:r="http://schemas.openxmlformats.org/officeDocument/2006/relationships" xmlns:p="http://schemas.openxmlformats.org/presentationml/2006/main">
+  <p:cSld>
+    <p:spTree>
+      <p:nvGrpSpPr>
+        <p:cNvPr id="1" name=""/>
+        <p:cNvGrpSpPr/>
+        <p:nvPr/>
+      </p:nvGrpSpPr>
+      <p:grpSpPr>
+        <a:xfrm>
+          <a:off x="0" y="0"/>
+          <a:ext cx="0" cy="0"/>
+          <a:chOff x="0" y="0"/>
+          <a:chExt cx="0" cy="0"/>
+        </a:xfrm>
+      </p:grpSpPr>
+      <p:sp>
+        <p:nvSpPr>
+          <p:cNvPr id="2" name="Titel 1">
+            <a:extLst>
+              <a:ext uri="{FF2B5EF4-FFF2-40B4-BE49-F238E27FC236}">
+                <a16:creationId xmlns:a16="http://schemas.microsoft.com/office/drawing/2014/main" id="{AA5B1063-F17A-46BD-9ED6-72F47046AA10}"/>
+              </a:ext>
+            </a:extLst>
+          </p:cNvPr>
+          <p:cNvSpPr>
+            <a:spLocks noGrp="1"/>
+          </p:cNvSpPr>
+          <p:nvPr>
+            <p:ph type="title"/>
+          </p:nvPr>
+        </p:nvSpPr>
+        <p:spPr/>
+        <p:txBody>
+          <a:bodyPr/>
+          <a:lstStyle/>
+          <a:p>
+            <a:r>
+              <a:rPr lang="de-DE" dirty="0" err="1"/>
+              <a:t>Hadamard</a:t>
+            </a:r>
+            <a:endParaRPr lang="de-DE" dirty="0"/>
+          </a:p>
+        </p:txBody>
+      </p:sp>
+      <p:sp>
+        <p:nvSpPr>
+          <p:cNvPr id="4" name="Datumsplatzhalter 3">
+            <a:extLst>
+              <a:ext uri="{FF2B5EF4-FFF2-40B4-BE49-F238E27FC236}">
+                <a16:creationId xmlns:a16="http://schemas.microsoft.com/office/drawing/2014/main" id="{65922633-E468-4FF6-A50C-A8E16FF781A4}"/>
+              </a:ext>
+            </a:extLst>
+          </p:cNvPr>
+          <p:cNvSpPr>
+            <a:spLocks noGrp="1"/>
+          </p:cNvSpPr>
+          <p:nvPr>
+            <p:ph type="dt" sz="half" idx="10"/>
+          </p:nvPr>
+        </p:nvSpPr>
+        <p:spPr/>
+        <p:txBody>
+          <a:bodyPr/>
+          <a:lstStyle/>
+          <a:p>
+            <a:fld id="{1A5288E6-B411-4413-831A-87EED82A659E}" type="datetime1">
+              <a:rPr lang="de-DE" smtClean="0"/>
+              <a:t>04.01.2020</a:t>
+            </a:fld>
+            <a:endParaRPr lang="de-DE"/>
+          </a:p>
+        </p:txBody>
+      </p:sp>
+      <p:sp>
+        <p:nvSpPr>
+          <p:cNvPr id="5" name="Fußzeilenplatzhalter 4">
+            <a:extLst>
+              <a:ext uri="{FF2B5EF4-FFF2-40B4-BE49-F238E27FC236}">
+                <a16:creationId xmlns:a16="http://schemas.microsoft.com/office/drawing/2014/main" id="{BC4F37D9-9605-4CDF-B340-01F9110754D7}"/>
+              </a:ext>
+            </a:extLst>
+          </p:cNvPr>
+          <p:cNvSpPr>
+            <a:spLocks noGrp="1"/>
+          </p:cNvSpPr>
+          <p:nvPr>
+            <p:ph type="ftr" sz="quarter" idx="11"/>
+          </p:nvPr>
+        </p:nvSpPr>
+        <p:spPr/>
+        <p:txBody>
+          <a:bodyPr/>
+          <a:lstStyle/>
+          <a:p>
+            <a:r>
+              <a:rPr lang="de-DE"/>
+              <a:t>Eric Brunk - Quantum Computing</a:t>
+            </a:r>
+          </a:p>
+        </p:txBody>
+      </p:sp>
+      <p:sp>
+        <p:nvSpPr>
+          <p:cNvPr id="6" name="Foliennummernplatzhalter 5">
+            <a:extLst>
+              <a:ext uri="{FF2B5EF4-FFF2-40B4-BE49-F238E27FC236}">
+                <a16:creationId xmlns:a16="http://schemas.microsoft.com/office/drawing/2014/main" id="{4EB7531D-03A9-4770-BA1F-A6792D5278EE}"/>
+              </a:ext>
+            </a:extLst>
+          </p:cNvPr>
+          <p:cNvSpPr>
+            <a:spLocks noGrp="1"/>
+          </p:cNvSpPr>
+          <p:nvPr>
+            <p:ph type="sldNum" sz="quarter" idx="12"/>
+          </p:nvPr>
+        </p:nvSpPr>
+        <p:spPr/>
+        <p:txBody>
+          <a:bodyPr/>
+          <a:lstStyle/>
+          <a:p>
+            <a:fld id="{EC0A2310-4CBE-4B3B-8C88-D717286D0414}" type="slidenum">
+              <a:rPr lang="de-DE" smtClean="0"/>
+              <a:t>11</a:t>
+            </a:fld>
+            <a:endParaRPr lang="de-DE"/>
+          </a:p>
+        </p:txBody>
+      </p:sp>
+      <p:pic>
+        <p:nvPicPr>
+          <p:cNvPr id="10" name="Grafik 9">
+            <a:extLst>
+              <a:ext uri="{FF2B5EF4-FFF2-40B4-BE49-F238E27FC236}">
+                <a16:creationId xmlns:a16="http://schemas.microsoft.com/office/drawing/2014/main" id="{228BAF41-115F-4FD5-BBBB-B8E449C82296}"/>
+              </a:ext>
+            </a:extLst>
+          </p:cNvPr>
+          <p:cNvPicPr>
+            <a:picLocks noChangeAspect="1"/>
+          </p:cNvPicPr>
+          <p:nvPr/>
+        </p:nvPicPr>
+        <p:blipFill>
+          <a:blip r:embed="rId2">
+            <a:extLst>
+              <a:ext uri="{28A0092B-C50C-407E-A947-70E740481C1C}">
+                <a14:useLocalDpi xmlns:a14="http://schemas.microsoft.com/office/drawing/2010/main" val="0"/>
+              </a:ext>
+            </a:extLst>
+          </a:blip>
+          <a:stretch>
+            <a:fillRect/>
+          </a:stretch>
+        </p:blipFill>
+        <p:spPr>
+          <a:xfrm>
+            <a:off x="628650" y="2745704"/>
+            <a:ext cx="3858613" cy="1366592"/>
+          </a:xfrm>
+          <a:prstGeom prst="rect">
+            <a:avLst/>
+          </a:prstGeom>
+        </p:spPr>
+      </p:pic>
+    </p:spTree>
+    <p:extLst>
+      <p:ext uri="{BB962C8B-B14F-4D97-AF65-F5344CB8AC3E}">
+        <p14:creationId xmlns:p14="http://schemas.microsoft.com/office/powerpoint/2010/main" val="1922194890"/>
+      </p:ext>
+    </p:extLst>
+  </p:cSld>
+  <p:clrMapOvr>
+    <a:masterClrMapping/>
+  </p:clrMapOvr>
+</p:sld>
+</file>
+
+<file path=ppt/slides/slide12.xml><?xml version="1.0" encoding="utf-8"?>
+<p:sld xmlns:a="http://schemas.openxmlformats.org/drawingml/2006/main" xmlns:r="http://schemas.openxmlformats.org/officeDocument/2006/relationships" xmlns:p="http://schemas.openxmlformats.org/presentationml/2006/main">
+  <p:cSld>
+    <p:spTree>
+      <p:nvGrpSpPr>
+        <p:cNvPr id="1" name=""/>
+        <p:cNvGrpSpPr/>
+        <p:nvPr/>
+      </p:nvGrpSpPr>
+      <p:grpSpPr>
+        <a:xfrm>
+          <a:off x="0" y="0"/>
+          <a:ext cx="0" cy="0"/>
+          <a:chOff x="0" y="0"/>
+          <a:chExt cx="0" cy="0"/>
+        </a:xfrm>
+      </p:grpSpPr>
+      <p:sp>
+        <p:nvSpPr>
+          <p:cNvPr id="2" name="Titel 1">
+            <a:extLst>
+              <a:ext uri="{FF2B5EF4-FFF2-40B4-BE49-F238E27FC236}">
+                <a16:creationId xmlns:a16="http://schemas.microsoft.com/office/drawing/2014/main" id="{AA5B1063-F17A-46BD-9ED6-72F47046AA10}"/>
+              </a:ext>
+            </a:extLst>
+          </p:cNvPr>
+          <p:cNvSpPr>
+            <a:spLocks noGrp="1"/>
+          </p:cNvSpPr>
+          <p:nvPr>
+            <p:ph type="title"/>
+          </p:nvPr>
+        </p:nvSpPr>
+        <p:spPr/>
+        <p:txBody>
+          <a:bodyPr/>
+          <a:lstStyle/>
+          <a:p>
+            <a:r>
+              <a:rPr lang="de-DE" dirty="0" err="1"/>
+              <a:t>Hadamard</a:t>
+            </a:r>
+            <a:endParaRPr lang="de-DE" dirty="0"/>
+          </a:p>
+        </p:txBody>
+      </p:sp>
+      <p:sp>
+        <p:nvSpPr>
+          <p:cNvPr id="4" name="Datumsplatzhalter 3">
+            <a:extLst>
+              <a:ext uri="{FF2B5EF4-FFF2-40B4-BE49-F238E27FC236}">
+                <a16:creationId xmlns:a16="http://schemas.microsoft.com/office/drawing/2014/main" id="{65922633-E468-4FF6-A50C-A8E16FF781A4}"/>
+              </a:ext>
+            </a:extLst>
+          </p:cNvPr>
+          <p:cNvSpPr>
+            <a:spLocks noGrp="1"/>
+          </p:cNvSpPr>
+          <p:nvPr>
+            <p:ph type="dt" sz="half" idx="10"/>
+          </p:nvPr>
+        </p:nvSpPr>
+        <p:spPr/>
+        <p:txBody>
+          <a:bodyPr/>
+          <a:lstStyle/>
+          <a:p>
+            <a:fld id="{1A5288E6-B411-4413-831A-87EED82A659E}" type="datetime1">
+              <a:rPr lang="de-DE" smtClean="0"/>
+              <a:t>04.01.2020</a:t>
+            </a:fld>
+            <a:endParaRPr lang="de-DE"/>
+          </a:p>
+        </p:txBody>
+      </p:sp>
+      <p:sp>
+        <p:nvSpPr>
+          <p:cNvPr id="5" name="Fußzeilenplatzhalter 4">
+            <a:extLst>
+              <a:ext uri="{FF2B5EF4-FFF2-40B4-BE49-F238E27FC236}">
+                <a16:creationId xmlns:a16="http://schemas.microsoft.com/office/drawing/2014/main" id="{BC4F37D9-9605-4CDF-B340-01F9110754D7}"/>
+              </a:ext>
+            </a:extLst>
+          </p:cNvPr>
+          <p:cNvSpPr>
+            <a:spLocks noGrp="1"/>
+          </p:cNvSpPr>
+          <p:nvPr>
+            <p:ph type="ftr" sz="quarter" idx="11"/>
+          </p:nvPr>
+        </p:nvSpPr>
+        <p:spPr/>
+        <p:txBody>
+          <a:bodyPr/>
+          <a:lstStyle/>
+          <a:p>
+            <a:r>
+              <a:rPr lang="de-DE"/>
+              <a:t>Eric Brunk - Quantum Computing</a:t>
+            </a:r>
+          </a:p>
+        </p:txBody>
+      </p:sp>
+      <p:sp>
+        <p:nvSpPr>
+          <p:cNvPr id="6" name="Foliennummernplatzhalter 5">
+            <a:extLst>
+              <a:ext uri="{FF2B5EF4-FFF2-40B4-BE49-F238E27FC236}">
+                <a16:creationId xmlns:a16="http://schemas.microsoft.com/office/drawing/2014/main" id="{4EB7531D-03A9-4770-BA1F-A6792D5278EE}"/>
+              </a:ext>
+            </a:extLst>
+          </p:cNvPr>
+          <p:cNvSpPr>
+            <a:spLocks noGrp="1"/>
+          </p:cNvSpPr>
+          <p:nvPr>
+            <p:ph type="sldNum" sz="quarter" idx="12"/>
+          </p:nvPr>
+        </p:nvSpPr>
+        <p:spPr/>
+        <p:txBody>
+          <a:bodyPr/>
+          <a:lstStyle/>
+          <a:p>
+            <a:fld id="{EC0A2310-4CBE-4B3B-8C88-D717286D0414}" type="slidenum">
+              <a:rPr lang="de-DE" smtClean="0"/>
+              <a:t>12</a:t>
             </a:fld>
             <a:endParaRPr lang="de-DE"/>
           </a:p>
@@ -4097,7 +5018,7 @@
 </p:sld>
 </file>
 
-<file path=ppt/slides/slide11.xml><?xml version="1.0" encoding="utf-8"?>
+<file path=ppt/slides/slide13.xml><?xml version="1.0" encoding="utf-8"?>
 <p:sld xmlns:a="http://schemas.openxmlformats.org/drawingml/2006/main" xmlns:r="http://schemas.openxmlformats.org/officeDocument/2006/relationships" xmlns:p="http://schemas.openxmlformats.org/presentationml/2006/main">
   <p:cSld>
     <p:spTree>
@@ -4166,7 +5087,7 @@
           <a:p>
             <a:fld id="{1A5288E6-B411-4413-831A-87EED82A659E}" type="datetime1">
               <a:rPr lang="de-DE" smtClean="0"/>
-              <a:t>03.01.2020</a:t>
+              <a:t>04.01.2020</a:t>
             </a:fld>
             <a:endParaRPr lang="de-DE"/>
           </a:p>
@@ -4223,7 +5144,7 @@
           <a:p>
             <a:fld id="{EC0A2310-4CBE-4B3B-8C88-D717286D0414}" type="slidenum">
               <a:rPr lang="de-DE" smtClean="0"/>
-              <a:t>11</a:t>
+              <a:t>13</a:t>
             </a:fld>
             <a:endParaRPr lang="de-DE"/>
           </a:p>
@@ -4467,7 +5388,7 @@
 </p:sld>
 </file>
 
-<file path=ppt/slides/slide12.xml><?xml version="1.0" encoding="utf-8"?>
+<file path=ppt/slides/slide14.xml><?xml version="1.0" encoding="utf-8"?>
 <p:sld xmlns:a="http://schemas.openxmlformats.org/drawingml/2006/main" xmlns:r="http://schemas.openxmlformats.org/officeDocument/2006/relationships" xmlns:p="http://schemas.openxmlformats.org/presentationml/2006/main">
   <p:cSld>
     <p:spTree>
@@ -4506,38 +5427,9 @@
           <a:lstStyle/>
           <a:p>
             <a:r>
-              <a:rPr lang="de-DE" dirty="0" err="1"/>
-              <a:t>Shor</a:t>
-            </a:r>
-            <a:r>
               <a:rPr lang="de-DE" dirty="0"/>
-              <a:t>-Algorithmus</a:t>
-            </a:r>
-          </a:p>
-        </p:txBody>
-      </p:sp>
-      <p:sp>
-        <p:nvSpPr>
-          <p:cNvPr id="3" name="Inhaltsplatzhalter 2">
-            <a:extLst>
-              <a:ext uri="{FF2B5EF4-FFF2-40B4-BE49-F238E27FC236}">
-                <a16:creationId xmlns:a16="http://schemas.microsoft.com/office/drawing/2014/main" id="{08C55A0B-2CAD-45E5-BF67-4E75405855BF}"/>
-              </a:ext>
-            </a:extLst>
-          </p:cNvPr>
-          <p:cNvSpPr>
-            <a:spLocks noGrp="1"/>
-          </p:cNvSpPr>
-          <p:nvPr>
-            <p:ph idx="1"/>
-          </p:nvPr>
-        </p:nvSpPr>
-        <p:spPr/>
-        <p:txBody>
-          <a:bodyPr/>
-          <a:lstStyle/>
-          <a:p>
-            <a:endParaRPr lang="de-DE"/>
+              <a:t>Algorithmus</a:t>
+            </a:r>
           </a:p>
         </p:txBody>
       </p:sp>
@@ -4564,7 +5456,7 @@
           <a:p>
             <a:fld id="{1A5288E6-B411-4413-831A-87EED82A659E}" type="datetime1">
               <a:rPr lang="de-DE" smtClean="0"/>
-              <a:t>03.01.2020</a:t>
+              <a:t>04.01.2020</a:t>
             </a:fld>
             <a:endParaRPr lang="de-DE"/>
           </a:p>
@@ -4621,7 +5513,7 @@
           <a:p>
             <a:fld id="{EC0A2310-4CBE-4B3B-8C88-D717286D0414}" type="slidenum">
               <a:rPr lang="de-DE" smtClean="0"/>
-              <a:t>12</a:t>
+              <a:t>14</a:t>
             </a:fld>
             <a:endParaRPr lang="de-DE"/>
           </a:p>
@@ -4733,7 +5625,7 @@
           <a:p>
             <a:fld id="{1A5288E6-B411-4413-831A-87EED82A659E}" type="datetime1">
               <a:rPr lang="de-DE" smtClean="0"/>
-              <a:t>03.01.2020</a:t>
+              <a:t>04.01.2020</a:t>
             </a:fld>
             <a:endParaRPr lang="de-DE"/>
           </a:p>
@@ -4882,7 +5774,7 @@
           <a:p>
             <a:fld id="{1A5288E6-B411-4413-831A-87EED82A659E}" type="datetime1">
               <a:rPr lang="de-DE" smtClean="0"/>
-              <a:t>03.01.2020</a:t>
+              <a:t>04.01.2020</a:t>
             </a:fld>
             <a:endParaRPr lang="de-DE"/>
           </a:p>
@@ -5364,7 +6256,7 @@
           <a:p>
             <a:fld id="{1A5288E6-B411-4413-831A-87EED82A659E}" type="datetime1">
               <a:rPr lang="de-DE" smtClean="0"/>
-              <a:t>03.01.2020</a:t>
+              <a:t>04.01.2020</a:t>
             </a:fld>
             <a:endParaRPr lang="de-DE"/>
           </a:p>
@@ -5588,7 +6480,7 @@
         <p:spPr>
           <a:xfrm>
             <a:off x="628649" y="3153849"/>
-            <a:ext cx="7886700" cy="1323439"/>
+            <a:ext cx="7886700" cy="1015663"/>
           </a:xfrm>
           <a:prstGeom prst="rect">
             <a:avLst/>
@@ -5660,19 +6552,7 @@
             </a:r>
             <a:r>
               <a:rPr lang="de-DE" sz="2000" dirty="0"/>
-              <a:t> </a:t>
-            </a:r>
-            <a:r>
-              <a:rPr lang="de-DE" sz="2000" b="1" dirty="0">
-                <a:solidFill>
-                  <a:srgbClr val="7030A0"/>
-                </a:solidFill>
-              </a:rPr>
-              <a:t>=</a:t>
-            </a:r>
-            <a:r>
-              <a:rPr lang="de-DE" sz="2000" dirty="0"/>
-              <a:t> </a:t>
+              <a:t> = </a:t>
             </a:r>
             <a:r>
               <a:rPr lang="de-DE" sz="2000" dirty="0" err="1"/>
@@ -5690,13 +6570,27 @@
             </a:r>
             <a:r>
               <a:rPr lang="de-DE" sz="2000" dirty="0"/>
+              <a:t>()</a:t>
+            </a:r>
+          </a:p>
+          <a:p>
+            <a:r>
+              <a:rPr lang="de-DE" sz="2000" dirty="0" err="1"/>
+              <a:t>circuit.</a:t>
+            </a:r>
+            <a:r>
+              <a:rPr lang="de-DE" sz="2000" dirty="0" err="1">
+                <a:solidFill>
+                  <a:schemeClr val="accent6">
+                    <a:lumMod val="75000"/>
+                  </a:schemeClr>
+                </a:solidFill>
+              </a:rPr>
+              <a:t>append</a:t>
+            </a:r>
+            <a:r>
+              <a:rPr lang="de-DE" sz="2000" dirty="0"/>
               <a:t>(</a:t>
-            </a:r>
-          </a:p>
-          <a:p>
-            <a:r>
-              <a:rPr lang="de-DE" sz="2000" dirty="0"/>
-              <a:t>    </a:t>
             </a:r>
             <a:r>
               <a:rPr lang="de-DE" sz="2000" dirty="0" err="1"/>
@@ -5722,13 +6616,7 @@
             </a:r>
             <a:r>
               <a:rPr lang="de-DE" sz="2000" dirty="0"/>
-              <a:t>)</a:t>
-            </a:r>
-          </a:p>
-          <a:p>
-            <a:r>
-              <a:rPr lang="de-DE" sz="2000" dirty="0"/>
-              <a:t>)</a:t>
+              <a:t>))</a:t>
             </a:r>
           </a:p>
         </p:txBody>
@@ -5747,7 +6635,7 @@
         </p:nvSpPr>
         <p:spPr>
           <a:xfrm>
-            <a:off x="628649" y="4568813"/>
+            <a:off x="628649" y="4261037"/>
             <a:ext cx="7886699" cy="707886"/>
           </a:xfrm>
           <a:prstGeom prst="rect">
@@ -6069,7 +6957,7 @@
           <a:p>
             <a:fld id="{1A5288E6-B411-4413-831A-87EED82A659E}" type="datetime1">
               <a:rPr lang="de-DE" smtClean="0"/>
-              <a:t>03.01.2020</a:t>
+              <a:t>04.01.2020</a:t>
             </a:fld>
             <a:endParaRPr lang="de-DE"/>
           </a:p>
@@ -6221,7 +7109,7 @@
           <a:p>
             <a:r>
               <a:rPr lang="de-DE" dirty="0"/>
-              <a:t>CNOT</a:t>
+              <a:t>NOT</a:t>
             </a:r>
           </a:p>
         </p:txBody>
@@ -6249,7 +7137,7 @@
           <a:p>
             <a:fld id="{1A5288E6-B411-4413-831A-87EED82A659E}" type="datetime1">
               <a:rPr lang="de-DE" smtClean="0"/>
-              <a:t>03.01.2020</a:t>
+              <a:t>04.01.2020</a:t>
             </a:fld>
             <a:endParaRPr lang="de-DE"/>
           </a:p>
@@ -6327,7 +7215,7 @@
         <p:spPr>
           <a:xfrm>
             <a:off x="628650" y="2213491"/>
-            <a:ext cx="7886700" cy="1015663"/>
+            <a:ext cx="7886700" cy="707886"/>
           </a:xfrm>
           <a:prstGeom prst="rect">
             <a:avLst/>
@@ -6372,7 +7260,7 @@
                   </a:schemeClr>
                 </a:solidFill>
               </a:rPr>
-              <a:t> </a:t>
+              <a:t> a </a:t>
             </a:r>
             <a:r>
               <a:rPr lang="de-DE" sz="2000" i="1" dirty="0" err="1">
@@ -6382,7 +7270,7 @@
                   </a:schemeClr>
                 </a:solidFill>
               </a:rPr>
-              <a:t>qubits</a:t>
+              <a:t>qubit</a:t>
             </a:r>
             <a:endParaRPr lang="de-DE" sz="2000" i="1" dirty="0">
               <a:solidFill>
@@ -6394,22 +7282,26 @@
           </a:p>
           <a:p>
             <a:r>
-              <a:rPr lang="de-DE" sz="2000" dirty="0"/>
-              <a:t>qubit0 </a:t>
-            </a:r>
-            <a:r>
-              <a:rPr lang="de-DE" sz="2000" b="1" dirty="0">
-                <a:solidFill>
-                  <a:srgbClr val="7030A0"/>
-                </a:solidFill>
-              </a:rPr>
-              <a:t>=</a:t>
+              <a:rPr lang="de-DE" sz="2000" dirty="0" err="1"/>
+              <a:t>qubit</a:t>
             </a:r>
             <a:r>
               <a:rPr lang="de-DE" sz="2000" dirty="0"/>
               <a:t> </a:t>
             </a:r>
             <a:r>
+              <a:rPr lang="de-DE" sz="2000" b="1" dirty="0">
+                <a:solidFill>
+                  <a:srgbClr val="7030A0"/>
+                </a:solidFill>
+              </a:rPr>
+              <a:t>=</a:t>
+            </a:r>
+            <a:r>
+              <a:rPr lang="de-DE" sz="2000" dirty="0"/>
+              <a:t> </a:t>
+            </a:r>
+            <a:r>
               <a:rPr lang="de-DE" sz="2000" dirty="0" err="1"/>
               <a:t>cirq.</a:t>
             </a:r>
@@ -6470,86 +7362,6 @@
                 </a:solidFill>
               </a:rPr>
               <a:t> 0</a:t>
-            </a:r>
-          </a:p>
-          <a:p>
-            <a:r>
-              <a:rPr lang="de-DE" sz="2000" dirty="0"/>
-              <a:t>qubit1 </a:t>
-            </a:r>
-            <a:r>
-              <a:rPr lang="de-DE" sz="2000" b="1" dirty="0">
-                <a:solidFill>
-                  <a:srgbClr val="7030A0"/>
-                </a:solidFill>
-              </a:rPr>
-              <a:t>=</a:t>
-            </a:r>
-            <a:r>
-              <a:rPr lang="de-DE" sz="2000" dirty="0"/>
-              <a:t> </a:t>
-            </a:r>
-            <a:r>
-              <a:rPr lang="de-DE" sz="2000" dirty="0" err="1"/>
-              <a:t>cirq.</a:t>
-            </a:r>
-            <a:r>
-              <a:rPr lang="de-DE" sz="2000" dirty="0" err="1">
-                <a:solidFill>
-                  <a:schemeClr val="accent6">
-                    <a:lumMod val="75000"/>
-                  </a:schemeClr>
-                </a:solidFill>
-              </a:rPr>
-              <a:t>LineQubit</a:t>
-            </a:r>
-            <a:r>
-              <a:rPr lang="de-DE" sz="2000" dirty="0"/>
-              <a:t>(</a:t>
-            </a:r>
-            <a:r>
-              <a:rPr lang="de-DE" sz="2000" dirty="0">
-                <a:solidFill>
-                  <a:schemeClr val="accent3">
-                    <a:lumMod val="75000"/>
-                  </a:schemeClr>
-                </a:solidFill>
-              </a:rPr>
-              <a:t>1</a:t>
-            </a:r>
-            <a:r>
-              <a:rPr lang="de-DE" sz="2000" dirty="0"/>
-              <a:t>)    </a:t>
-            </a:r>
-            <a:r>
-              <a:rPr lang="de-DE" sz="2000" i="1" dirty="0">
-                <a:solidFill>
-                  <a:schemeClr val="accent3">
-                    <a:lumMod val="75000"/>
-                  </a:schemeClr>
-                </a:solidFill>
-              </a:rPr>
-              <a:t># </a:t>
-            </a:r>
-            <a:r>
-              <a:rPr lang="de-DE" sz="2000" i="1" dirty="0" err="1">
-                <a:solidFill>
-                  <a:schemeClr val="accent3">
-                    <a:lumMod val="75000"/>
-                  </a:schemeClr>
-                </a:solidFill>
-              </a:rPr>
-              <a:t>position</a:t>
-            </a:r>
-            <a:r>
-              <a:rPr lang="de-DE" sz="2000" i="1" dirty="0">
-                <a:solidFill>
-                  <a:schemeClr val="accent3">
-                    <a:lumMod val="75000"/>
-                  </a:schemeClr>
-                </a:solidFill>
-              </a:rPr>
-              <a:t> 1</a:t>
             </a:r>
           </a:p>
         </p:txBody>
@@ -6568,8 +7380,8 @@
         </p:nvSpPr>
         <p:spPr>
           <a:xfrm>
-            <a:off x="628650" y="3333843"/>
-            <a:ext cx="7886700" cy="1631216"/>
+            <a:off x="628649" y="3038439"/>
+            <a:ext cx="7886700" cy="1323439"/>
           </a:xfrm>
           <a:prstGeom prst="rect">
             <a:avLst/>
@@ -6671,13 +7483,27 @@
             </a:r>
             <a:r>
               <a:rPr lang="de-DE" sz="2000" dirty="0"/>
+              <a:t>()</a:t>
+            </a:r>
+          </a:p>
+          <a:p>
+            <a:r>
+              <a:rPr lang="de-DE" sz="2000" dirty="0" err="1"/>
+              <a:t>circuit.</a:t>
+            </a:r>
+            <a:r>
+              <a:rPr lang="de-DE" sz="2000" dirty="0" err="1">
+                <a:solidFill>
+                  <a:schemeClr val="accent6">
+                    <a:lumMod val="75000"/>
+                  </a:schemeClr>
+                </a:solidFill>
+              </a:rPr>
+              <a:t>append</a:t>
+            </a:r>
+            <a:r>
+              <a:rPr lang="de-DE" sz="2000" dirty="0"/>
               <a:t>(</a:t>
-            </a:r>
-          </a:p>
-          <a:p>
-            <a:r>
-              <a:rPr lang="de-DE" sz="2000" dirty="0"/>
-              <a:t>    </a:t>
             </a:r>
             <a:r>
               <a:rPr lang="de-DE" sz="2000" dirty="0" err="1"/>
@@ -6691,7 +7517,7 @@
                   </a:schemeClr>
                 </a:solidFill>
               </a:rPr>
-              <a:t>CNOT</a:t>
+              <a:t>X</a:t>
             </a:r>
             <a:r>
               <a:rPr lang="de-DE" sz="2000" dirty="0"/>
@@ -6699,41 +7525,31 @@
             </a:r>
             <a:r>
               <a:rPr lang="de-DE" sz="2000" dirty="0" err="1"/>
-              <a:t>control</a:t>
-            </a:r>
-            <a:r>
-              <a:rPr lang="de-DE" sz="2000" b="1" dirty="0">
-                <a:solidFill>
-                  <a:srgbClr val="7030A0"/>
-                </a:solidFill>
-              </a:rPr>
-              <a:t>=</a:t>
+              <a:t>qubit</a:t>
             </a:r>
             <a:r>
               <a:rPr lang="de-DE" sz="2000" dirty="0"/>
-              <a:t>qubit0, </a:t>
-            </a:r>
+              <a:t>)),</a:t>
+            </a:r>
+          </a:p>
+          <a:p>
             <a:r>
               <a:rPr lang="de-DE" sz="2000" dirty="0" err="1"/>
-              <a:t>target</a:t>
-            </a:r>
-            <a:r>
-              <a:rPr lang="de-DE" sz="2000" b="1" dirty="0">
-                <a:solidFill>
-                  <a:srgbClr val="7030A0"/>
-                </a:solidFill>
-              </a:rPr>
-              <a:t>=</a:t>
+              <a:t>circuit.</a:t>
+            </a:r>
+            <a:r>
+              <a:rPr lang="de-DE" sz="2000" dirty="0" err="1">
+                <a:solidFill>
+                  <a:schemeClr val="accent6">
+                    <a:lumMod val="75000"/>
+                  </a:schemeClr>
+                </a:solidFill>
+              </a:rPr>
+              <a:t>append</a:t>
             </a:r>
             <a:r>
               <a:rPr lang="de-DE" sz="2000" dirty="0"/>
-              <a:t>qubit1),</a:t>
-            </a:r>
-          </a:p>
-          <a:p>
-            <a:r>
-              <a:rPr lang="de-DE" sz="2000" dirty="0"/>
-              <a:t>    </a:t>
+              <a:t>(</a:t>
             </a:r>
             <a:r>
               <a:rPr lang="de-DE" sz="2000" dirty="0" err="1"/>
@@ -6751,13 +7567,15 @@
             </a:r>
             <a:r>
               <a:rPr lang="de-DE" sz="2000" dirty="0"/>
-              <a:t>(qubit1)</a:t>
-            </a:r>
-          </a:p>
-          <a:p>
+              <a:t>(</a:t>
+            </a:r>
+            <a:r>
+              <a:rPr lang="de-DE" sz="2000" dirty="0" err="1"/>
+              <a:t>qubit</a:t>
+            </a:r>
             <a:r>
               <a:rPr lang="de-DE" sz="2000" dirty="0"/>
-              <a:t>)</a:t>
+              <a:t>))</a:t>
             </a:r>
           </a:p>
         </p:txBody>
@@ -6776,7 +7594,7 @@
         </p:nvSpPr>
         <p:spPr>
           <a:xfrm>
-            <a:off x="628650" y="5068228"/>
+            <a:off x="628649" y="4478940"/>
             <a:ext cx="7886699" cy="707886"/>
           </a:xfrm>
           <a:prstGeom prst="rect">
@@ -7070,7 +7888,7 @@
           <a:p>
             <a:r>
               <a:rPr lang="de-DE" dirty="0"/>
-              <a:t>CNOT</a:t>
+              <a:t>Hello World</a:t>
             </a:r>
           </a:p>
         </p:txBody>
@@ -7098,7 +7916,7 @@
           <a:p>
             <a:fld id="{1A5288E6-B411-4413-831A-87EED82A659E}" type="datetime1">
               <a:rPr lang="de-DE" smtClean="0"/>
-              <a:t>03.01.2020</a:t>
+              <a:t>04.01.2020</a:t>
             </a:fld>
             <a:endParaRPr lang="de-DE"/>
           </a:p>
@@ -7163,10 +7981,10 @@
       </p:sp>
       <p:pic>
         <p:nvPicPr>
-          <p:cNvPr id="13" name="Grafik 12">
+          <p:cNvPr id="7" name="Grafik 6">
             <a:extLst>
               <a:ext uri="{FF2B5EF4-FFF2-40B4-BE49-F238E27FC236}">
-                <a16:creationId xmlns:a16="http://schemas.microsoft.com/office/drawing/2014/main" id="{0986F299-DC84-450C-82E9-FE232546A175}"/>
+                <a16:creationId xmlns:a16="http://schemas.microsoft.com/office/drawing/2014/main" id="{8CDCE09F-A584-43CF-8DD4-B5AC6E4DB684}"/>
               </a:ext>
             </a:extLst>
           </p:cNvPr>
@@ -7189,8 +8007,8 @@
         </p:blipFill>
         <p:spPr>
           <a:xfrm>
-            <a:off x="628650" y="2407520"/>
-            <a:ext cx="3217260" cy="2042960"/>
+            <a:off x="628650" y="2770632"/>
+            <a:ext cx="3334588" cy="1316735"/>
           </a:xfrm>
           <a:prstGeom prst="rect">
             <a:avLst/>
@@ -7200,7 +8018,7 @@
     </p:spTree>
     <p:extLst>
       <p:ext uri="{BB962C8B-B14F-4D97-AF65-F5344CB8AC3E}">
-        <p14:creationId xmlns:p14="http://schemas.microsoft.com/office/powerpoint/2010/main" val="2588357352"/>
+        <p14:creationId xmlns:p14="http://schemas.microsoft.com/office/powerpoint/2010/main" val="3860460097"/>
       </p:ext>
     </p:extLst>
   </p:cSld>
@@ -7249,10 +8067,9 @@
           <a:lstStyle/>
           <a:p>
             <a:r>
-              <a:rPr lang="de-DE" dirty="0" err="1"/>
-              <a:t>Hadamard</a:t>
-            </a:r>
-            <a:endParaRPr lang="de-DE" dirty="0"/>
+              <a:rPr lang="de-DE" dirty="0"/>
+              <a:t>CNOT</a:t>
+            </a:r>
           </a:p>
         </p:txBody>
       </p:sp>
@@ -7279,7 +8096,7 @@
           <a:p>
             <a:fld id="{1A5288E6-B411-4413-831A-87EED82A659E}" type="datetime1">
               <a:rPr lang="de-DE" smtClean="0"/>
-              <a:t>03.01.2020</a:t>
+              <a:t>04.01.2020</a:t>
             </a:fld>
             <a:endParaRPr lang="de-DE"/>
           </a:p>
@@ -7347,7 +8164,7 @@
           <p:cNvPr id="7" name="Rechteck 6">
             <a:extLst>
               <a:ext uri="{FF2B5EF4-FFF2-40B4-BE49-F238E27FC236}">
-                <a16:creationId xmlns:a16="http://schemas.microsoft.com/office/drawing/2014/main" id="{656ED9E5-7816-4893-863C-082E6B28BB96}"/>
+                <a16:creationId xmlns:a16="http://schemas.microsoft.com/office/drawing/2014/main" id="{FDD3A818-6D6F-43A0-BF27-A1D5660012CF}"/>
               </a:ext>
             </a:extLst>
           </p:cNvPr>
@@ -7356,8 +8173,8 @@
         </p:nvSpPr>
         <p:spPr>
           <a:xfrm>
-            <a:off x="628650" y="2354438"/>
-            <a:ext cx="7886700" cy="707886"/>
+            <a:off x="628650" y="2213491"/>
+            <a:ext cx="7886700" cy="1015663"/>
           </a:xfrm>
           <a:prstGeom prst="rect">
             <a:avLst/>
@@ -7382,7 +8199,7 @@
                   </a:schemeClr>
                 </a:solidFill>
               </a:rPr>
-              <a:t># pick a </a:t>
+              <a:t># pick </a:t>
             </a:r>
             <a:r>
               <a:rPr lang="de-DE" sz="2000" i="1" dirty="0" err="1">
@@ -7392,7 +8209,27 @@
                   </a:schemeClr>
                 </a:solidFill>
               </a:rPr>
-              <a:t>qubit</a:t>
+              <a:t>up</a:t>
+            </a:r>
+            <a:r>
+              <a:rPr lang="de-DE" sz="2000" i="1" dirty="0">
+                <a:solidFill>
+                  <a:schemeClr val="accent3">
+                    <a:lumMod val="75000"/>
+                  </a:schemeClr>
+                </a:solidFill>
+              </a:rPr>
+              <a:t> </a:t>
+            </a:r>
+            <a:r>
+              <a:rPr lang="de-DE" sz="2000" i="1" dirty="0" err="1">
+                <a:solidFill>
+                  <a:schemeClr val="accent3">
+                    <a:lumMod val="75000"/>
+                  </a:schemeClr>
+                </a:solidFill>
+              </a:rPr>
+              <a:t>qubits</a:t>
             </a:r>
             <a:endParaRPr lang="de-DE" sz="2000" i="1" dirty="0">
               <a:solidFill>
@@ -7404,14 +8241,90 @@
           </a:p>
           <a:p>
             <a:r>
-              <a:rPr lang="de-DE" sz="2000" dirty="0" err="1"/>
-              <a:t>qubit</a:t>
+              <a:rPr lang="de-DE" sz="2000" dirty="0"/>
+              <a:t>qubit0 </a:t>
+            </a:r>
+            <a:r>
+              <a:rPr lang="de-DE" sz="2000" b="1" dirty="0">
+                <a:solidFill>
+                  <a:srgbClr val="7030A0"/>
+                </a:solidFill>
+              </a:rPr>
+              <a:t>=</a:t>
             </a:r>
             <a:r>
               <a:rPr lang="de-DE" sz="2000" dirty="0"/>
               <a:t> </a:t>
             </a:r>
             <a:r>
+              <a:rPr lang="de-DE" sz="2000" dirty="0" err="1"/>
+              <a:t>cirq.</a:t>
+            </a:r>
+            <a:r>
+              <a:rPr lang="de-DE" sz="2000" dirty="0" err="1">
+                <a:solidFill>
+                  <a:schemeClr val="accent6">
+                    <a:lumMod val="75000"/>
+                  </a:schemeClr>
+                </a:solidFill>
+              </a:rPr>
+              <a:t>LineQubit</a:t>
+            </a:r>
+            <a:r>
+              <a:rPr lang="de-DE" sz="2000" dirty="0"/>
+              <a:t>(</a:t>
+            </a:r>
+            <a:r>
+              <a:rPr lang="de-DE" sz="2000" dirty="0">
+                <a:solidFill>
+                  <a:schemeClr val="accent3">
+                    <a:lumMod val="75000"/>
+                  </a:schemeClr>
+                </a:solidFill>
+              </a:rPr>
+              <a:t>0</a:t>
+            </a:r>
+            <a:r>
+              <a:rPr lang="de-DE" sz="2000" dirty="0"/>
+              <a:t>)    </a:t>
+            </a:r>
+            <a:r>
+              <a:rPr lang="de-DE" sz="2000" i="1" dirty="0">
+                <a:solidFill>
+                  <a:schemeClr val="accent3">
+                    <a:lumMod val="75000"/>
+                  </a:schemeClr>
+                </a:solidFill>
+              </a:rPr>
+              <a:t># </a:t>
+            </a:r>
+            <a:r>
+              <a:rPr lang="de-DE" sz="2000" i="1" dirty="0" err="1">
+                <a:solidFill>
+                  <a:schemeClr val="accent3">
+                    <a:lumMod val="75000"/>
+                  </a:schemeClr>
+                </a:solidFill>
+              </a:rPr>
+              <a:t>position</a:t>
+            </a:r>
+            <a:r>
+              <a:rPr lang="de-DE" sz="2000" i="1" dirty="0">
+                <a:solidFill>
+                  <a:schemeClr val="accent3">
+                    <a:lumMod val="75000"/>
+                  </a:schemeClr>
+                </a:solidFill>
+              </a:rPr>
+              <a:t> 0</a:t>
+            </a:r>
+          </a:p>
+          <a:p>
+            <a:r>
+              <a:rPr lang="de-DE" sz="2000" dirty="0"/>
+              <a:t>qubit1 </a:t>
+            </a:r>
+            <a:r>
               <a:rPr lang="de-DE" sz="2000" b="1" dirty="0">
                 <a:solidFill>
                   <a:srgbClr val="7030A0"/>
@@ -7449,7 +8362,7 @@
                   </a:schemeClr>
                 </a:solidFill>
               </a:rPr>
-              <a:t>0</a:t>
+              <a:t>1</a:t>
             </a:r>
             <a:r>
               <a:rPr lang="de-DE" sz="2000" dirty="0"/>
@@ -7483,17 +8396,17 @@
                   </a:schemeClr>
                 </a:solidFill>
               </a:rPr>
-              <a:t> 0</a:t>
-            </a:r>
-          </a:p>
-        </p:txBody>
-      </p:sp>
-      <p:sp>
-        <p:nvSpPr>
-          <p:cNvPr id="8" name="Rechteck 7">
+              <a:t> 1</a:t>
+            </a:r>
+          </a:p>
+        </p:txBody>
+      </p:sp>
+      <p:sp>
+        <p:nvSpPr>
+          <p:cNvPr id="9" name="Rechteck 8">
             <a:extLst>
               <a:ext uri="{FF2B5EF4-FFF2-40B4-BE49-F238E27FC236}">
-                <a16:creationId xmlns:a16="http://schemas.microsoft.com/office/drawing/2014/main" id="{CBDC0C4A-02CE-4AAF-819C-02CB87BFA3EB}"/>
+                <a16:creationId xmlns:a16="http://schemas.microsoft.com/office/drawing/2014/main" id="{B23E8698-E228-4737-BC9B-B07ECDE57549}"/>
               </a:ext>
             </a:extLst>
           </p:cNvPr>
@@ -7502,8 +8415,8 @@
         </p:nvSpPr>
         <p:spPr>
           <a:xfrm>
-            <a:off x="628649" y="3153849"/>
-            <a:ext cx="7886700" cy="1631216"/>
+            <a:off x="628650" y="3333843"/>
+            <a:ext cx="7886700" cy="1323439"/>
           </a:xfrm>
           <a:prstGeom prst="rect">
             <a:avLst/>
@@ -7605,13 +8518,27 @@
             </a:r>
             <a:r>
               <a:rPr lang="de-DE" sz="2000" dirty="0"/>
+              <a:t>()</a:t>
+            </a:r>
+          </a:p>
+          <a:p>
+            <a:r>
+              <a:rPr lang="de-DE" sz="2000" dirty="0" err="1"/>
+              <a:t>circuit.</a:t>
+            </a:r>
+            <a:r>
+              <a:rPr lang="de-DE" sz="2000" dirty="0" err="1">
+                <a:solidFill>
+                  <a:schemeClr val="accent6">
+                    <a:lumMod val="75000"/>
+                  </a:schemeClr>
+                </a:solidFill>
+              </a:rPr>
+              <a:t>append</a:t>
+            </a:r>
+            <a:r>
+              <a:rPr lang="de-DE" sz="2000" dirty="0"/>
               <a:t>(</a:t>
-            </a:r>
-          </a:p>
-          <a:p>
-            <a:r>
-              <a:rPr lang="de-DE" sz="2000" dirty="0"/>
-              <a:t>    </a:t>
             </a:r>
             <a:r>
               <a:rPr lang="de-DE" sz="2000" dirty="0" err="1"/>
@@ -7625,7 +8552,7 @@
                   </a:schemeClr>
                 </a:solidFill>
               </a:rPr>
-              <a:t>H</a:t>
+              <a:t>CNOT</a:t>
             </a:r>
             <a:r>
               <a:rPr lang="de-DE" sz="2000" dirty="0"/>
@@ -7633,17 +8560,55 @@
             </a:r>
             <a:r>
               <a:rPr lang="de-DE" sz="2000" dirty="0" err="1"/>
-              <a:t>qubit</a:t>
+              <a:t>control</a:t>
+            </a:r>
+            <a:r>
+              <a:rPr lang="de-DE" sz="2000" b="1" dirty="0">
+                <a:solidFill>
+                  <a:srgbClr val="7030A0"/>
+                </a:solidFill>
+              </a:rPr>
+              <a:t>=</a:t>
             </a:r>
             <a:r>
               <a:rPr lang="de-DE" sz="2000" dirty="0"/>
-              <a:t>),</a:t>
-            </a:r>
-          </a:p>
-          <a:p>
+              <a:t>qubit0, </a:t>
+            </a:r>
+            <a:r>
+              <a:rPr lang="de-DE" sz="2000" dirty="0" err="1"/>
+              <a:t>target</a:t>
+            </a:r>
+            <a:r>
+              <a:rPr lang="de-DE" sz="2000" b="1" dirty="0">
+                <a:solidFill>
+                  <a:srgbClr val="7030A0"/>
+                </a:solidFill>
+              </a:rPr>
+              <a:t>=</a:t>
+            </a:r>
             <a:r>
               <a:rPr lang="de-DE" sz="2000" dirty="0"/>
-              <a:t>    </a:t>
+              <a:t>qubit1)),</a:t>
+            </a:r>
+          </a:p>
+          <a:p>
+            <a:r>
+              <a:rPr lang="de-DE" sz="2000" dirty="0" err="1"/>
+              <a:t>circuit.</a:t>
+            </a:r>
+            <a:r>
+              <a:rPr lang="de-DE" sz="2000" dirty="0" err="1">
+                <a:solidFill>
+                  <a:schemeClr val="accent6">
+                    <a:lumMod val="75000"/>
+                  </a:schemeClr>
+                </a:solidFill>
+              </a:rPr>
+              <a:t>append</a:t>
+            </a:r>
+            <a:r>
+              <a:rPr lang="de-DE" sz="2000" dirty="0"/>
+              <a:t>(</a:t>
             </a:r>
             <a:r>
               <a:rPr lang="de-DE" sz="2000" dirty="0" err="1"/>
@@ -7661,31 +8626,17 @@
             </a:r>
             <a:r>
               <a:rPr lang="de-DE" sz="2000" dirty="0"/>
-              <a:t>(</a:t>
-            </a:r>
-            <a:r>
-              <a:rPr lang="de-DE" sz="2000" dirty="0" err="1"/>
-              <a:t>qubit</a:t>
-            </a:r>
-            <a:r>
-              <a:rPr lang="de-DE" sz="2000" dirty="0"/>
-              <a:t>)</a:t>
-            </a:r>
-          </a:p>
-          <a:p>
-            <a:r>
-              <a:rPr lang="de-DE" sz="2000" dirty="0"/>
-              <a:t>)</a:t>
-            </a:r>
-          </a:p>
-        </p:txBody>
-      </p:sp>
-      <p:sp>
-        <p:nvSpPr>
-          <p:cNvPr id="9" name="Rechteck 8">
+              <a:t>(qubit1))</a:t>
+            </a:r>
+          </a:p>
+        </p:txBody>
+      </p:sp>
+      <p:sp>
+        <p:nvSpPr>
+          <p:cNvPr id="10" name="Rechteck 9">
             <a:extLst>
               <a:ext uri="{FF2B5EF4-FFF2-40B4-BE49-F238E27FC236}">
-                <a16:creationId xmlns:a16="http://schemas.microsoft.com/office/drawing/2014/main" id="{5CB7C02F-E3C1-40FD-9E5E-3EC917D7CF45}"/>
+                <a16:creationId xmlns:a16="http://schemas.microsoft.com/office/drawing/2014/main" id="{2FD215E3-F127-4218-A2F1-A88124BC4723}"/>
               </a:ext>
             </a:extLst>
           </p:cNvPr>
@@ -7694,7 +8645,7 @@
         </p:nvSpPr>
         <p:spPr>
           <a:xfrm>
-            <a:off x="628649" y="4876590"/>
+            <a:off x="628650" y="4761971"/>
             <a:ext cx="7886699" cy="707886"/>
           </a:xfrm>
           <a:prstGeom prst="rect">
@@ -7768,7 +8719,7 @@
     </p:spTree>
     <p:extLst>
       <p:ext uri="{BB962C8B-B14F-4D97-AF65-F5344CB8AC3E}">
-        <p14:creationId xmlns:p14="http://schemas.microsoft.com/office/powerpoint/2010/main" val="1849521877"/>
+        <p14:creationId xmlns:p14="http://schemas.microsoft.com/office/powerpoint/2010/main" val="3046722302"/>
       </p:ext>
     </p:extLst>
   </p:cSld>
@@ -7854,7 +8805,7 @@
                                           </p:stCondLst>
                                         </p:cTn>
                                         <p:tgtEl>
-                                          <p:spTgt spid="8"/>
+                                          <p:spTgt spid="9"/>
                                         </p:tgtEl>
                                         <p:attrNameLst>
                                           <p:attrName>style.visibility</p:attrName>
@@ -7899,7 +8850,7 @@
                                           </p:stCondLst>
                                         </p:cTn>
                                         <p:tgtEl>
-                                          <p:spTgt spid="9"/>
+                                          <p:spTgt spid="10"/>
                                         </p:tgtEl>
                                         <p:attrNameLst>
                                           <p:attrName>style.visibility</p:attrName>
@@ -7941,8 +8892,8 @@
     </p:tnLst>
     <p:bldLst>
       <p:bldP spid="7" grpId="0" animBg="1"/>
-      <p:bldP spid="8" grpId="0" animBg="1"/>
       <p:bldP spid="9" grpId="0" animBg="1"/>
+      <p:bldP spid="10" grpId="0" animBg="1"/>
     </p:bldLst>
   </p:timing>
 </p:sld>
@@ -7987,10 +8938,9 @@
           <a:lstStyle/>
           <a:p>
             <a:r>
-              <a:rPr lang="de-DE" dirty="0" err="1"/>
-              <a:t>Hadamard</a:t>
-            </a:r>
-            <a:endParaRPr lang="de-DE" dirty="0"/>
+              <a:rPr lang="de-DE" dirty="0"/>
+              <a:t>CNOT</a:t>
+            </a:r>
           </a:p>
         </p:txBody>
       </p:sp>
@@ -8017,7 +8967,7 @@
           <a:p>
             <a:fld id="{1A5288E6-B411-4413-831A-87EED82A659E}" type="datetime1">
               <a:rPr lang="de-DE" smtClean="0"/>
-              <a:t>03.01.2020</a:t>
+              <a:t>04.01.2020</a:t>
             </a:fld>
             <a:endParaRPr lang="de-DE"/>
           </a:p>
@@ -8082,10 +9032,10 @@
       </p:sp>
       <p:pic>
         <p:nvPicPr>
-          <p:cNvPr id="10" name="Grafik 9">
+          <p:cNvPr id="13" name="Grafik 12">
             <a:extLst>
               <a:ext uri="{FF2B5EF4-FFF2-40B4-BE49-F238E27FC236}">
-                <a16:creationId xmlns:a16="http://schemas.microsoft.com/office/drawing/2014/main" id="{228BAF41-115F-4FD5-BBBB-B8E449C82296}"/>
+                <a16:creationId xmlns:a16="http://schemas.microsoft.com/office/drawing/2014/main" id="{0986F299-DC84-450C-82E9-FE232546A175}"/>
               </a:ext>
             </a:extLst>
           </p:cNvPr>
@@ -8108,8 +9058,8 @@
         </p:blipFill>
         <p:spPr>
           <a:xfrm>
-            <a:off x="628650" y="2745704"/>
-            <a:ext cx="3858613" cy="1366592"/>
+            <a:off x="628650" y="2407520"/>
+            <a:ext cx="3217260" cy="2042960"/>
           </a:xfrm>
           <a:prstGeom prst="rect">
             <a:avLst/>
@@ -8119,7 +9069,7 @@
     </p:spTree>
     <p:extLst>
       <p:ext uri="{BB962C8B-B14F-4D97-AF65-F5344CB8AC3E}">
-        <p14:creationId xmlns:p14="http://schemas.microsoft.com/office/powerpoint/2010/main" val="1922194890"/>
+        <p14:creationId xmlns:p14="http://schemas.microsoft.com/office/powerpoint/2010/main" val="2588357352"/>
       </p:ext>
     </p:extLst>
   </p:cSld>

--- a/Präsentation.pptx
+++ b/Präsentation.pptx
@@ -5,7 +5,7 @@
     <p:sldMasterId id="2147483660" r:id="rId1"/>
   </p:sldMasterIdLst>
   <p:notesMasterIdLst>
-    <p:notesMasterId r:id="rId40"/>
+    <p:notesMasterId r:id="rId42"/>
   </p:notesMasterIdLst>
   <p:sldIdLst>
     <p:sldId id="258" r:id="rId2"/>
@@ -44,8 +44,10 @@
     <p:sldId id="298" r:id="rId35"/>
     <p:sldId id="300" r:id="rId36"/>
     <p:sldId id="301" r:id="rId37"/>
-    <p:sldId id="303" r:id="rId38"/>
-    <p:sldId id="302" r:id="rId39"/>
+    <p:sldId id="304" r:id="rId38"/>
+    <p:sldId id="303" r:id="rId39"/>
+    <p:sldId id="305" r:id="rId40"/>
+    <p:sldId id="302" r:id="rId41"/>
   </p:sldIdLst>
   <p:sldSz cx="9144000" cy="6858000" type="screen4x3"/>
   <p:notesSz cx="6858000" cy="9144000"/>
@@ -148,6 +150,9 @@
     <p:ext uri="{EFAFB233-063F-42B5-8137-9DF3F51BA10A}">
       <p15:sldGuideLst xmlns:p15="http://schemas.microsoft.com/office/powerpoint/2012/main"/>
     </p:ext>
+    <p:ext uri="{2D200454-40CA-4A62-9FC3-DE9A4176ACB9}">
+      <p15:notesGuideLst xmlns:p15="http://schemas.microsoft.com/office/powerpoint/2012/main"/>
+    </p:ext>
   </p:extLst>
 </p:presentation>
 </file>
@@ -234,7 +239,7 @@
           <a:p>
             <a:fld id="{962A221D-1D23-4852-B6DA-6576BCEA7270}" type="datetimeFigureOut">
               <a:rPr lang="de-DE" smtClean="0"/>
-              <a:t>15.01.2020</a:t>
+              <a:t>16.01.2020</a:t>
             </a:fld>
             <a:endParaRPr lang="de-DE"/>
           </a:p>
@@ -501,6 +506,4328 @@
 </p:notesMaster>
 </file>
 
+<file path=ppt/notesSlides/notesSlide1.xml><?xml version="1.0" encoding="utf-8"?>
+<p:notes xmlns:a="http://schemas.openxmlformats.org/drawingml/2006/main" xmlns:r="http://schemas.openxmlformats.org/officeDocument/2006/relationships" xmlns:p="http://schemas.openxmlformats.org/presentationml/2006/main">
+  <p:cSld>
+    <p:spTree>
+      <p:nvGrpSpPr>
+        <p:cNvPr id="1" name=""/>
+        <p:cNvGrpSpPr/>
+        <p:nvPr/>
+      </p:nvGrpSpPr>
+      <p:grpSpPr>
+        <a:xfrm>
+          <a:off x="0" y="0"/>
+          <a:ext cx="0" cy="0"/>
+          <a:chOff x="0" y="0"/>
+          <a:chExt cx="0" cy="0"/>
+        </a:xfrm>
+      </p:grpSpPr>
+      <p:sp>
+        <p:nvSpPr>
+          <p:cNvPr id="2" name="Folienbildplatzhalter 1"/>
+          <p:cNvSpPr>
+            <a:spLocks noGrp="1" noRot="1" noChangeAspect="1"/>
+          </p:cNvSpPr>
+          <p:nvPr>
+            <p:ph type="sldImg"/>
+          </p:nvPr>
+        </p:nvSpPr>
+        <p:spPr/>
+      </p:sp>
+      <p:sp>
+        <p:nvSpPr>
+          <p:cNvPr id="3" name="Notizenplatzhalter 2"/>
+          <p:cNvSpPr>
+            <a:spLocks noGrp="1"/>
+          </p:cNvSpPr>
+          <p:nvPr>
+            <p:ph type="body" idx="1"/>
+          </p:nvPr>
+        </p:nvSpPr>
+        <p:spPr/>
+        <p:txBody>
+          <a:bodyPr/>
+          <a:lstStyle/>
+          <a:p>
+            <a:r>
+              <a:rPr lang="de-DE" dirty="0" err="1"/>
+              <a:t>Cirq</a:t>
+            </a:r>
+            <a:r>
+              <a:rPr lang="de-DE" dirty="0"/>
+              <a:t> ist eine Python Bibliothek von Google die es uns erlaubt Schaltkreise für den Quantencomputer zu erstellen, zu manipulieren und zu optimieren.</a:t>
+            </a:r>
+          </a:p>
+          <a:p>
+            <a:r>
+              <a:rPr lang="de-DE" dirty="0"/>
+              <a:t>Die Schaltkreise können auf einem Quantencomputer oder im Simulator ausgeführt werden.</a:t>
+            </a:r>
+          </a:p>
+        </p:txBody>
+      </p:sp>
+      <p:sp>
+        <p:nvSpPr>
+          <p:cNvPr id="4" name="Foliennummernplatzhalter 3"/>
+          <p:cNvSpPr>
+            <a:spLocks noGrp="1"/>
+          </p:cNvSpPr>
+          <p:nvPr>
+            <p:ph type="sldNum" sz="quarter" idx="5"/>
+          </p:nvPr>
+        </p:nvSpPr>
+        <p:spPr/>
+        <p:txBody>
+          <a:bodyPr/>
+          <a:lstStyle/>
+          <a:p>
+            <a:fld id="{85BE2706-9A15-4246-83E1-02ACE4745362}" type="slidenum">
+              <a:rPr lang="de-DE" smtClean="0"/>
+              <a:t>3</a:t>
+            </a:fld>
+            <a:endParaRPr lang="de-DE"/>
+          </a:p>
+        </p:txBody>
+      </p:sp>
+    </p:spTree>
+    <p:extLst>
+      <p:ext uri="{BB962C8B-B14F-4D97-AF65-F5344CB8AC3E}">
+        <p14:creationId xmlns:p14="http://schemas.microsoft.com/office/powerpoint/2010/main" val="2655786003"/>
+      </p:ext>
+    </p:extLst>
+  </p:cSld>
+  <p:clrMapOvr>
+    <a:masterClrMapping/>
+  </p:clrMapOvr>
+</p:notes>
+</file>
+
+<file path=ppt/notesSlides/notesSlide10.xml><?xml version="1.0" encoding="utf-8"?>
+<p:notes xmlns:a="http://schemas.openxmlformats.org/drawingml/2006/main" xmlns:r="http://schemas.openxmlformats.org/officeDocument/2006/relationships" xmlns:p="http://schemas.openxmlformats.org/presentationml/2006/main">
+  <p:cSld>
+    <p:spTree>
+      <p:nvGrpSpPr>
+        <p:cNvPr id="1" name=""/>
+        <p:cNvGrpSpPr/>
+        <p:nvPr/>
+      </p:nvGrpSpPr>
+      <p:grpSpPr>
+        <a:xfrm>
+          <a:off x="0" y="0"/>
+          <a:ext cx="0" cy="0"/>
+          <a:chOff x="0" y="0"/>
+          <a:chExt cx="0" cy="0"/>
+        </a:xfrm>
+      </p:grpSpPr>
+      <p:sp>
+        <p:nvSpPr>
+          <p:cNvPr id="2" name="Folienbildplatzhalter 1"/>
+          <p:cNvSpPr>
+            <a:spLocks noGrp="1" noRot="1" noChangeAspect="1"/>
+          </p:cNvSpPr>
+          <p:nvPr>
+            <p:ph type="sldImg"/>
+          </p:nvPr>
+        </p:nvSpPr>
+        <p:spPr/>
+      </p:sp>
+      <p:sp>
+        <p:nvSpPr>
+          <p:cNvPr id="3" name="Notizenplatzhalter 2"/>
+          <p:cNvSpPr>
+            <a:spLocks noGrp="1"/>
+          </p:cNvSpPr>
+          <p:nvPr>
+            <p:ph type="body" idx="1"/>
+          </p:nvPr>
+        </p:nvSpPr>
+        <p:spPr/>
+        <p:txBody>
+          <a:bodyPr/>
+          <a:lstStyle/>
+          <a:p>
+            <a:pPr marL="0" marR="0" lvl="0" indent="0" algn="l" defTabSz="914400" rtl="0" eaLnBrk="1" fontAlgn="auto" latinLnBrk="0" hangingPunct="1">
+              <a:lnSpc>
+                <a:spcPct val="100000"/>
+              </a:lnSpc>
+              <a:spcBef>
+                <a:spcPts val="0"/>
+              </a:spcBef>
+              <a:spcAft>
+                <a:spcPts val="0"/>
+              </a:spcAft>
+              <a:buClrTx/>
+              <a:buSzTx/>
+              <a:buFontTx/>
+              <a:buNone/>
+              <a:tabLst/>
+              <a:defRPr/>
+            </a:pPr>
+            <a:r>
+              <a:rPr lang="de-DE" dirty="0"/>
+              <a:t>Diese Folie stellt die Zeichnung des Schaltkreises in </a:t>
+            </a:r>
+            <a:r>
+              <a:rPr lang="de-DE" dirty="0" err="1"/>
+              <a:t>Qiskit</a:t>
+            </a:r>
+            <a:r>
+              <a:rPr lang="de-DE" dirty="0"/>
+              <a:t> dar. Verglichen wird mit der Darstellung die wir aus der VL kennen.</a:t>
+            </a:r>
+          </a:p>
+        </p:txBody>
+      </p:sp>
+      <p:sp>
+        <p:nvSpPr>
+          <p:cNvPr id="4" name="Foliennummernplatzhalter 3"/>
+          <p:cNvSpPr>
+            <a:spLocks noGrp="1"/>
+          </p:cNvSpPr>
+          <p:nvPr>
+            <p:ph type="sldNum" sz="quarter" idx="5"/>
+          </p:nvPr>
+        </p:nvSpPr>
+        <p:spPr/>
+        <p:txBody>
+          <a:bodyPr/>
+          <a:lstStyle/>
+          <a:p>
+            <a:fld id="{85BE2706-9A15-4246-83E1-02ACE4745362}" type="slidenum">
+              <a:rPr lang="de-DE" smtClean="0"/>
+              <a:t>12</a:t>
+            </a:fld>
+            <a:endParaRPr lang="de-DE"/>
+          </a:p>
+        </p:txBody>
+      </p:sp>
+    </p:spTree>
+    <p:extLst>
+      <p:ext uri="{BB962C8B-B14F-4D97-AF65-F5344CB8AC3E}">
+        <p14:creationId xmlns:p14="http://schemas.microsoft.com/office/powerpoint/2010/main" val="2912846613"/>
+      </p:ext>
+    </p:extLst>
+  </p:cSld>
+  <p:clrMapOvr>
+    <a:masterClrMapping/>
+  </p:clrMapOvr>
+</p:notes>
+</file>
+
+<file path=ppt/notesSlides/notesSlide11.xml><?xml version="1.0" encoding="utf-8"?>
+<p:notes xmlns:a="http://schemas.openxmlformats.org/drawingml/2006/main" xmlns:r="http://schemas.openxmlformats.org/officeDocument/2006/relationships" xmlns:p="http://schemas.openxmlformats.org/presentationml/2006/main">
+  <p:cSld>
+    <p:spTree>
+      <p:nvGrpSpPr>
+        <p:cNvPr id="1" name=""/>
+        <p:cNvGrpSpPr/>
+        <p:nvPr/>
+      </p:nvGrpSpPr>
+      <p:grpSpPr>
+        <a:xfrm>
+          <a:off x="0" y="0"/>
+          <a:ext cx="0" cy="0"/>
+          <a:chOff x="0" y="0"/>
+          <a:chExt cx="0" cy="0"/>
+        </a:xfrm>
+      </p:grpSpPr>
+      <p:sp>
+        <p:nvSpPr>
+          <p:cNvPr id="2" name="Folienbildplatzhalter 1"/>
+          <p:cNvSpPr>
+            <a:spLocks noGrp="1" noRot="1" noChangeAspect="1"/>
+          </p:cNvSpPr>
+          <p:nvPr>
+            <p:ph type="sldImg"/>
+          </p:nvPr>
+        </p:nvSpPr>
+        <p:spPr/>
+      </p:sp>
+      <p:sp>
+        <p:nvSpPr>
+          <p:cNvPr id="3" name="Notizenplatzhalter 2"/>
+          <p:cNvSpPr>
+            <a:spLocks noGrp="1"/>
+          </p:cNvSpPr>
+          <p:nvPr>
+            <p:ph type="body" idx="1"/>
+          </p:nvPr>
+        </p:nvSpPr>
+        <p:spPr/>
+        <p:txBody>
+          <a:bodyPr/>
+          <a:lstStyle/>
+          <a:p>
+            <a:r>
+              <a:rPr lang="de-DE" dirty="0"/>
+              <a:t>Den gleichen Schaltkreis möchten wir wieder in </a:t>
+            </a:r>
+            <a:r>
+              <a:rPr lang="de-DE" dirty="0" err="1"/>
+              <a:t>Cirq</a:t>
+            </a:r>
+            <a:r>
+              <a:rPr lang="de-DE" dirty="0"/>
+              <a:t> nachbauen.</a:t>
+            </a:r>
+          </a:p>
+          <a:p>
+            <a:endParaRPr lang="de-DE" dirty="0"/>
+          </a:p>
+          <a:p>
+            <a:r>
+              <a:rPr lang="de-DE" dirty="0"/>
+              <a:t>Hierfür erstellen wir uns zwei </a:t>
+            </a:r>
+            <a:r>
+              <a:rPr lang="de-DE" dirty="0" err="1"/>
+              <a:t>Qubits</a:t>
+            </a:r>
+            <a:r>
+              <a:rPr lang="de-DE" dirty="0"/>
+              <a:t>.</a:t>
+            </a:r>
+          </a:p>
+          <a:p>
+            <a:endParaRPr lang="de-DE" dirty="0"/>
+          </a:p>
+          <a:p>
+            <a:r>
+              <a:rPr lang="de-DE" dirty="0"/>
+              <a:t>Auch hier ist der Vorgang fast identisch zum Beispiel mit dem NOT-Gatter.</a:t>
+            </a:r>
+          </a:p>
+          <a:p>
+            <a:endParaRPr lang="de-DE" dirty="0"/>
+          </a:p>
+          <a:p>
+            <a:r>
+              <a:rPr lang="de-DE" dirty="0"/>
+              <a:t>Für </a:t>
+            </a:r>
+            <a:r>
+              <a:rPr lang="de-DE" dirty="0" err="1"/>
+              <a:t>Controlled</a:t>
+            </a:r>
+            <a:r>
+              <a:rPr lang="de-DE" dirty="0"/>
+              <a:t> Not wird jetzt die Methode CNOT() </a:t>
+            </a:r>
+            <a:r>
+              <a:rPr lang="de-DE" dirty="0" err="1"/>
+              <a:t>augerufen</a:t>
+            </a:r>
+            <a:r>
+              <a:rPr lang="de-DE" dirty="0"/>
+              <a:t>. Die Parameter sind hier dementsprechend benannt.</a:t>
+            </a:r>
+          </a:p>
+          <a:p>
+            <a:endParaRPr lang="de-DE" dirty="0"/>
+          </a:p>
+          <a:p>
+            <a:r>
+              <a:rPr lang="de-DE" dirty="0"/>
+              <a:t>Auch diesen Schaltkreis geben wir wieder aus.</a:t>
+            </a:r>
+          </a:p>
+        </p:txBody>
+      </p:sp>
+      <p:sp>
+        <p:nvSpPr>
+          <p:cNvPr id="4" name="Foliennummernplatzhalter 3"/>
+          <p:cNvSpPr>
+            <a:spLocks noGrp="1"/>
+          </p:cNvSpPr>
+          <p:nvPr>
+            <p:ph type="sldNum" sz="quarter" idx="5"/>
+          </p:nvPr>
+        </p:nvSpPr>
+        <p:spPr/>
+        <p:txBody>
+          <a:bodyPr/>
+          <a:lstStyle/>
+          <a:p>
+            <a:fld id="{85BE2706-9A15-4246-83E1-02ACE4745362}" type="slidenum">
+              <a:rPr lang="de-DE" smtClean="0"/>
+              <a:t>13</a:t>
+            </a:fld>
+            <a:endParaRPr lang="de-DE"/>
+          </a:p>
+        </p:txBody>
+      </p:sp>
+    </p:spTree>
+    <p:extLst>
+      <p:ext uri="{BB962C8B-B14F-4D97-AF65-F5344CB8AC3E}">
+        <p14:creationId xmlns:p14="http://schemas.microsoft.com/office/powerpoint/2010/main" val="2772888459"/>
+      </p:ext>
+    </p:extLst>
+  </p:cSld>
+  <p:clrMapOvr>
+    <a:masterClrMapping/>
+  </p:clrMapOvr>
+</p:notes>
+</file>
+
+<file path=ppt/notesSlides/notesSlide12.xml><?xml version="1.0" encoding="utf-8"?>
+<p:notes xmlns:a="http://schemas.openxmlformats.org/drawingml/2006/main" xmlns:r="http://schemas.openxmlformats.org/officeDocument/2006/relationships" xmlns:p="http://schemas.openxmlformats.org/presentationml/2006/main">
+  <p:cSld>
+    <p:spTree>
+      <p:nvGrpSpPr>
+        <p:cNvPr id="1" name=""/>
+        <p:cNvGrpSpPr/>
+        <p:nvPr/>
+      </p:nvGrpSpPr>
+      <p:grpSpPr>
+        <a:xfrm>
+          <a:off x="0" y="0"/>
+          <a:ext cx="0" cy="0"/>
+          <a:chOff x="0" y="0"/>
+          <a:chExt cx="0" cy="0"/>
+        </a:xfrm>
+      </p:grpSpPr>
+      <p:sp>
+        <p:nvSpPr>
+          <p:cNvPr id="2" name="Folienbildplatzhalter 1"/>
+          <p:cNvSpPr>
+            <a:spLocks noGrp="1" noRot="1" noChangeAspect="1"/>
+          </p:cNvSpPr>
+          <p:nvPr>
+            <p:ph type="sldImg"/>
+          </p:nvPr>
+        </p:nvSpPr>
+        <p:spPr/>
+      </p:sp>
+      <p:sp>
+        <p:nvSpPr>
+          <p:cNvPr id="3" name="Notizenplatzhalter 2"/>
+          <p:cNvSpPr>
+            <a:spLocks noGrp="1"/>
+          </p:cNvSpPr>
+          <p:nvPr>
+            <p:ph type="body" idx="1"/>
+          </p:nvPr>
+        </p:nvSpPr>
+        <p:spPr/>
+        <p:txBody>
+          <a:bodyPr/>
+          <a:lstStyle/>
+          <a:p>
+            <a:pPr marL="0" marR="0" lvl="0" indent="0" algn="l" defTabSz="914400" rtl="0" eaLnBrk="1" fontAlgn="auto" latinLnBrk="0" hangingPunct="1">
+              <a:lnSpc>
+                <a:spcPct val="100000"/>
+              </a:lnSpc>
+              <a:spcBef>
+                <a:spcPts val="0"/>
+              </a:spcBef>
+              <a:spcAft>
+                <a:spcPts val="0"/>
+              </a:spcAft>
+              <a:buClrTx/>
+              <a:buSzTx/>
+              <a:buFontTx/>
+              <a:buNone/>
+              <a:tabLst/>
+              <a:defRPr/>
+            </a:pPr>
+            <a:r>
+              <a:rPr lang="de-DE" dirty="0"/>
+              <a:t>Diese Folie stellt die Zeichnung des Schaltkreises in </a:t>
+            </a:r>
+            <a:r>
+              <a:rPr lang="de-DE" dirty="0" err="1"/>
+              <a:t>Cirq</a:t>
+            </a:r>
+            <a:r>
+              <a:rPr lang="de-DE" dirty="0"/>
+              <a:t> dar. Verglichen wird mit der Darstellung die wir aus der VL kennen.</a:t>
+            </a:r>
+          </a:p>
+        </p:txBody>
+      </p:sp>
+      <p:sp>
+        <p:nvSpPr>
+          <p:cNvPr id="4" name="Foliennummernplatzhalter 3"/>
+          <p:cNvSpPr>
+            <a:spLocks noGrp="1"/>
+          </p:cNvSpPr>
+          <p:nvPr>
+            <p:ph type="sldNum" sz="quarter" idx="5"/>
+          </p:nvPr>
+        </p:nvSpPr>
+        <p:spPr/>
+        <p:txBody>
+          <a:bodyPr/>
+          <a:lstStyle/>
+          <a:p>
+            <a:fld id="{85BE2706-9A15-4246-83E1-02ACE4745362}" type="slidenum">
+              <a:rPr lang="de-DE" smtClean="0"/>
+              <a:t>14</a:t>
+            </a:fld>
+            <a:endParaRPr lang="de-DE"/>
+          </a:p>
+        </p:txBody>
+      </p:sp>
+    </p:spTree>
+    <p:extLst>
+      <p:ext uri="{BB962C8B-B14F-4D97-AF65-F5344CB8AC3E}">
+        <p14:creationId xmlns:p14="http://schemas.microsoft.com/office/powerpoint/2010/main" val="137651882"/>
+      </p:ext>
+    </p:extLst>
+  </p:cSld>
+  <p:clrMapOvr>
+    <a:masterClrMapping/>
+  </p:clrMapOvr>
+</p:notes>
+</file>
+
+<file path=ppt/notesSlides/notesSlide13.xml><?xml version="1.0" encoding="utf-8"?>
+<p:notes xmlns:a="http://schemas.openxmlformats.org/drawingml/2006/main" xmlns:r="http://schemas.openxmlformats.org/officeDocument/2006/relationships" xmlns:p="http://schemas.openxmlformats.org/presentationml/2006/main">
+  <p:cSld>
+    <p:spTree>
+      <p:nvGrpSpPr>
+        <p:cNvPr id="1" name=""/>
+        <p:cNvGrpSpPr/>
+        <p:nvPr/>
+      </p:nvGrpSpPr>
+      <p:grpSpPr>
+        <a:xfrm>
+          <a:off x="0" y="0"/>
+          <a:ext cx="0" cy="0"/>
+          <a:chOff x="0" y="0"/>
+          <a:chExt cx="0" cy="0"/>
+        </a:xfrm>
+      </p:grpSpPr>
+      <p:sp>
+        <p:nvSpPr>
+          <p:cNvPr id="2" name="Folienbildplatzhalter 1"/>
+          <p:cNvSpPr>
+            <a:spLocks noGrp="1" noRot="1" noChangeAspect="1"/>
+          </p:cNvSpPr>
+          <p:nvPr>
+            <p:ph type="sldImg"/>
+          </p:nvPr>
+        </p:nvSpPr>
+        <p:spPr/>
+      </p:sp>
+      <p:sp>
+        <p:nvSpPr>
+          <p:cNvPr id="3" name="Notizenplatzhalter 2"/>
+          <p:cNvSpPr>
+            <a:spLocks noGrp="1"/>
+          </p:cNvSpPr>
+          <p:nvPr>
+            <p:ph type="body" idx="1"/>
+          </p:nvPr>
+        </p:nvSpPr>
+        <p:spPr/>
+        <p:txBody>
+          <a:bodyPr/>
+          <a:lstStyle/>
+          <a:p>
+            <a:r>
+              <a:rPr lang="de-DE" dirty="0"/>
+              <a:t>Jetzt möchten wir uns einen Schaltkreis mit dem bekannten </a:t>
+            </a:r>
+            <a:r>
+              <a:rPr lang="de-DE" dirty="0" err="1"/>
+              <a:t>Hadamard</a:t>
+            </a:r>
+            <a:r>
+              <a:rPr lang="de-DE" dirty="0"/>
+              <a:t>-Gatter mit anschließender Messung anschauen.</a:t>
+            </a:r>
+          </a:p>
+          <a:p>
+            <a:endParaRPr lang="de-DE" dirty="0"/>
+          </a:p>
+          <a:p>
+            <a:r>
+              <a:rPr lang="de-DE" dirty="0"/>
+              <a:t>Da mittlerweile klar sein sollte dass </a:t>
+            </a:r>
+            <a:r>
+              <a:rPr lang="de-DE" dirty="0" err="1"/>
+              <a:t>Qiskit</a:t>
+            </a:r>
+            <a:r>
+              <a:rPr lang="de-DE" dirty="0"/>
+              <a:t> sehr ähnlich zu </a:t>
+            </a:r>
+            <a:r>
+              <a:rPr lang="de-DE" dirty="0" err="1"/>
+              <a:t>Cirq</a:t>
+            </a:r>
+            <a:r>
+              <a:rPr lang="de-DE" dirty="0"/>
+              <a:t> ist, wird darauf verzichtet die </a:t>
+            </a:r>
+            <a:r>
+              <a:rPr lang="de-DE" dirty="0" err="1"/>
+              <a:t>Qiskit</a:t>
+            </a:r>
+            <a:r>
+              <a:rPr lang="de-DE" dirty="0"/>
+              <a:t> Beispiele auch zu implementieren.</a:t>
+            </a:r>
+          </a:p>
+        </p:txBody>
+      </p:sp>
+      <p:sp>
+        <p:nvSpPr>
+          <p:cNvPr id="4" name="Foliennummernplatzhalter 3"/>
+          <p:cNvSpPr>
+            <a:spLocks noGrp="1"/>
+          </p:cNvSpPr>
+          <p:nvPr>
+            <p:ph type="sldNum" sz="quarter" idx="5"/>
+          </p:nvPr>
+        </p:nvSpPr>
+        <p:spPr/>
+        <p:txBody>
+          <a:bodyPr/>
+          <a:lstStyle/>
+          <a:p>
+            <a:fld id="{85BE2706-9A15-4246-83E1-02ACE4745362}" type="slidenum">
+              <a:rPr lang="de-DE" smtClean="0"/>
+              <a:t>15</a:t>
+            </a:fld>
+            <a:endParaRPr lang="de-DE"/>
+          </a:p>
+        </p:txBody>
+      </p:sp>
+    </p:spTree>
+    <p:extLst>
+      <p:ext uri="{BB962C8B-B14F-4D97-AF65-F5344CB8AC3E}">
+        <p14:creationId xmlns:p14="http://schemas.microsoft.com/office/powerpoint/2010/main" val="3480804496"/>
+      </p:ext>
+    </p:extLst>
+  </p:cSld>
+  <p:clrMapOvr>
+    <a:masterClrMapping/>
+  </p:clrMapOvr>
+</p:notes>
+</file>
+
+<file path=ppt/notesSlides/notesSlide14.xml><?xml version="1.0" encoding="utf-8"?>
+<p:notes xmlns:a="http://schemas.openxmlformats.org/drawingml/2006/main" xmlns:r="http://schemas.openxmlformats.org/officeDocument/2006/relationships" xmlns:p="http://schemas.openxmlformats.org/presentationml/2006/main">
+  <p:cSld>
+    <p:spTree>
+      <p:nvGrpSpPr>
+        <p:cNvPr id="1" name=""/>
+        <p:cNvGrpSpPr/>
+        <p:nvPr/>
+      </p:nvGrpSpPr>
+      <p:grpSpPr>
+        <a:xfrm>
+          <a:off x="0" y="0"/>
+          <a:ext cx="0" cy="0"/>
+          <a:chOff x="0" y="0"/>
+          <a:chExt cx="0" cy="0"/>
+        </a:xfrm>
+      </p:grpSpPr>
+      <p:sp>
+        <p:nvSpPr>
+          <p:cNvPr id="2" name="Folienbildplatzhalter 1"/>
+          <p:cNvSpPr>
+            <a:spLocks noGrp="1" noRot="1" noChangeAspect="1"/>
+          </p:cNvSpPr>
+          <p:nvPr>
+            <p:ph type="sldImg"/>
+          </p:nvPr>
+        </p:nvSpPr>
+        <p:spPr/>
+      </p:sp>
+      <p:sp>
+        <p:nvSpPr>
+          <p:cNvPr id="3" name="Notizenplatzhalter 2"/>
+          <p:cNvSpPr>
+            <a:spLocks noGrp="1"/>
+          </p:cNvSpPr>
+          <p:nvPr>
+            <p:ph type="body" idx="1"/>
+          </p:nvPr>
+        </p:nvSpPr>
+        <p:spPr/>
+        <p:txBody>
+          <a:bodyPr/>
+          <a:lstStyle/>
+          <a:p>
+            <a:r>
+              <a:rPr lang="de-DE" dirty="0"/>
+              <a:t>Wir erzeugen wieder ein </a:t>
+            </a:r>
+            <a:r>
+              <a:rPr lang="de-DE" dirty="0" err="1"/>
+              <a:t>Qubit</a:t>
+            </a:r>
+            <a:r>
+              <a:rPr lang="de-DE" dirty="0"/>
+              <a:t> und unseren Circuit.</a:t>
+            </a:r>
+          </a:p>
+          <a:p>
+            <a:endParaRPr lang="de-DE" dirty="0"/>
+          </a:p>
+          <a:p>
+            <a:r>
+              <a:rPr lang="de-DE" dirty="0"/>
+              <a:t>Hier sehen wir, dass wir die gewünschten Gatter auch direkt in die Klammern des </a:t>
+            </a:r>
+            <a:r>
+              <a:rPr lang="de-DE" dirty="0" err="1"/>
+              <a:t>Circuits</a:t>
+            </a:r>
+            <a:r>
+              <a:rPr lang="de-DE" dirty="0"/>
+              <a:t> schreiben können um sie hinzuzufügen.</a:t>
+            </a:r>
+          </a:p>
+          <a:p>
+            <a:endParaRPr lang="de-DE" dirty="0"/>
+          </a:p>
+          <a:p>
+            <a:r>
+              <a:rPr lang="de-DE" dirty="0"/>
+              <a:t>Wir fügen </a:t>
+            </a:r>
+            <a:r>
+              <a:rPr lang="de-DE" dirty="0" err="1"/>
+              <a:t>Hadamard</a:t>
+            </a:r>
+            <a:r>
+              <a:rPr lang="de-DE" dirty="0"/>
+              <a:t> mit H() und eine anschließende Messung hinzu.</a:t>
+            </a:r>
+          </a:p>
+          <a:p>
+            <a:endParaRPr lang="de-DE" dirty="0"/>
+          </a:p>
+          <a:p>
+            <a:r>
+              <a:rPr lang="de-DE" dirty="0"/>
+              <a:t>Danach geben wir den Schaltkreis wieder aus.</a:t>
+            </a:r>
+          </a:p>
+        </p:txBody>
+      </p:sp>
+      <p:sp>
+        <p:nvSpPr>
+          <p:cNvPr id="4" name="Foliennummernplatzhalter 3"/>
+          <p:cNvSpPr>
+            <a:spLocks noGrp="1"/>
+          </p:cNvSpPr>
+          <p:nvPr>
+            <p:ph type="sldNum" sz="quarter" idx="5"/>
+          </p:nvPr>
+        </p:nvSpPr>
+        <p:spPr/>
+        <p:txBody>
+          <a:bodyPr/>
+          <a:lstStyle/>
+          <a:p>
+            <a:fld id="{85BE2706-9A15-4246-83E1-02ACE4745362}" type="slidenum">
+              <a:rPr lang="de-DE" smtClean="0"/>
+              <a:t>16</a:t>
+            </a:fld>
+            <a:endParaRPr lang="de-DE"/>
+          </a:p>
+        </p:txBody>
+      </p:sp>
+    </p:spTree>
+    <p:extLst>
+      <p:ext uri="{BB962C8B-B14F-4D97-AF65-F5344CB8AC3E}">
+        <p14:creationId xmlns:p14="http://schemas.microsoft.com/office/powerpoint/2010/main" val="3869658452"/>
+      </p:ext>
+    </p:extLst>
+  </p:cSld>
+  <p:clrMapOvr>
+    <a:masterClrMapping/>
+  </p:clrMapOvr>
+</p:notes>
+</file>
+
+<file path=ppt/notesSlides/notesSlide15.xml><?xml version="1.0" encoding="utf-8"?>
+<p:notes xmlns:a="http://schemas.openxmlformats.org/drawingml/2006/main" xmlns:r="http://schemas.openxmlformats.org/officeDocument/2006/relationships" xmlns:p="http://schemas.openxmlformats.org/presentationml/2006/main">
+  <p:cSld>
+    <p:spTree>
+      <p:nvGrpSpPr>
+        <p:cNvPr id="1" name=""/>
+        <p:cNvGrpSpPr/>
+        <p:nvPr/>
+      </p:nvGrpSpPr>
+      <p:grpSpPr>
+        <a:xfrm>
+          <a:off x="0" y="0"/>
+          <a:ext cx="0" cy="0"/>
+          <a:chOff x="0" y="0"/>
+          <a:chExt cx="0" cy="0"/>
+        </a:xfrm>
+      </p:grpSpPr>
+      <p:sp>
+        <p:nvSpPr>
+          <p:cNvPr id="2" name="Folienbildplatzhalter 1"/>
+          <p:cNvSpPr>
+            <a:spLocks noGrp="1" noRot="1" noChangeAspect="1"/>
+          </p:cNvSpPr>
+          <p:nvPr>
+            <p:ph type="sldImg"/>
+          </p:nvPr>
+        </p:nvSpPr>
+        <p:spPr/>
+      </p:sp>
+      <p:sp>
+        <p:nvSpPr>
+          <p:cNvPr id="3" name="Notizenplatzhalter 2"/>
+          <p:cNvSpPr>
+            <a:spLocks noGrp="1"/>
+          </p:cNvSpPr>
+          <p:nvPr>
+            <p:ph type="body" idx="1"/>
+          </p:nvPr>
+        </p:nvSpPr>
+        <p:spPr/>
+        <p:txBody>
+          <a:bodyPr/>
+          <a:lstStyle/>
+          <a:p>
+            <a:pPr marL="0" marR="0" lvl="0" indent="0" algn="l" defTabSz="914400" rtl="0" eaLnBrk="1" fontAlgn="auto" latinLnBrk="0" hangingPunct="1">
+              <a:lnSpc>
+                <a:spcPct val="100000"/>
+              </a:lnSpc>
+              <a:spcBef>
+                <a:spcPts val="0"/>
+              </a:spcBef>
+              <a:spcAft>
+                <a:spcPts val="0"/>
+              </a:spcAft>
+              <a:buClrTx/>
+              <a:buSzTx/>
+              <a:buFontTx/>
+              <a:buNone/>
+              <a:tabLst/>
+              <a:defRPr/>
+            </a:pPr>
+            <a:r>
+              <a:rPr lang="de-DE" dirty="0"/>
+              <a:t>Diese Folie stellt die Zeichnung des Schaltkreises in </a:t>
+            </a:r>
+            <a:r>
+              <a:rPr lang="de-DE" dirty="0" err="1"/>
+              <a:t>Cirq</a:t>
+            </a:r>
+            <a:r>
+              <a:rPr lang="de-DE" dirty="0"/>
+              <a:t> dar. Verglichen wird mit der Darstellung die wir aus der VL kennen.</a:t>
+            </a:r>
+          </a:p>
+          <a:p>
+            <a:endParaRPr lang="de-DE" dirty="0"/>
+          </a:p>
+        </p:txBody>
+      </p:sp>
+      <p:sp>
+        <p:nvSpPr>
+          <p:cNvPr id="4" name="Foliennummernplatzhalter 3"/>
+          <p:cNvSpPr>
+            <a:spLocks noGrp="1"/>
+          </p:cNvSpPr>
+          <p:nvPr>
+            <p:ph type="sldNum" sz="quarter" idx="5"/>
+          </p:nvPr>
+        </p:nvSpPr>
+        <p:spPr/>
+        <p:txBody>
+          <a:bodyPr/>
+          <a:lstStyle/>
+          <a:p>
+            <a:fld id="{85BE2706-9A15-4246-83E1-02ACE4745362}" type="slidenum">
+              <a:rPr lang="de-DE" smtClean="0"/>
+              <a:t>17</a:t>
+            </a:fld>
+            <a:endParaRPr lang="de-DE"/>
+          </a:p>
+        </p:txBody>
+      </p:sp>
+    </p:spTree>
+    <p:extLst>
+      <p:ext uri="{BB962C8B-B14F-4D97-AF65-F5344CB8AC3E}">
+        <p14:creationId xmlns:p14="http://schemas.microsoft.com/office/powerpoint/2010/main" val="2004600479"/>
+      </p:ext>
+    </p:extLst>
+  </p:cSld>
+  <p:clrMapOvr>
+    <a:masterClrMapping/>
+  </p:clrMapOvr>
+</p:notes>
+</file>
+
+<file path=ppt/notesSlides/notesSlide16.xml><?xml version="1.0" encoding="utf-8"?>
+<p:notes xmlns:a="http://schemas.openxmlformats.org/drawingml/2006/main" xmlns:r="http://schemas.openxmlformats.org/officeDocument/2006/relationships" xmlns:p="http://schemas.openxmlformats.org/presentationml/2006/main">
+  <p:cSld>
+    <p:spTree>
+      <p:nvGrpSpPr>
+        <p:cNvPr id="1" name=""/>
+        <p:cNvGrpSpPr/>
+        <p:nvPr/>
+      </p:nvGrpSpPr>
+      <p:grpSpPr>
+        <a:xfrm>
+          <a:off x="0" y="0"/>
+          <a:ext cx="0" cy="0"/>
+          <a:chOff x="0" y="0"/>
+          <a:chExt cx="0" cy="0"/>
+        </a:xfrm>
+      </p:grpSpPr>
+      <p:sp>
+        <p:nvSpPr>
+          <p:cNvPr id="2" name="Folienbildplatzhalter 1"/>
+          <p:cNvSpPr>
+            <a:spLocks noGrp="1" noRot="1" noChangeAspect="1"/>
+          </p:cNvSpPr>
+          <p:nvPr>
+            <p:ph type="sldImg"/>
+          </p:nvPr>
+        </p:nvSpPr>
+        <p:spPr/>
+      </p:sp>
+      <p:sp>
+        <p:nvSpPr>
+          <p:cNvPr id="3" name="Notizenplatzhalter 2"/>
+          <p:cNvSpPr>
+            <a:spLocks noGrp="1"/>
+          </p:cNvSpPr>
+          <p:nvPr>
+            <p:ph type="body" idx="1"/>
+          </p:nvPr>
+        </p:nvSpPr>
+        <p:spPr/>
+        <p:txBody>
+          <a:bodyPr/>
+          <a:lstStyle/>
+          <a:p>
+            <a:r>
+              <a:rPr lang="de-DE" dirty="0"/>
+              <a:t>Da das </a:t>
+            </a:r>
+            <a:r>
+              <a:rPr lang="de-DE" dirty="0" err="1"/>
+              <a:t>Hadamard</a:t>
+            </a:r>
+            <a:r>
+              <a:rPr lang="de-DE" dirty="0"/>
+              <a:t>-Gatter den Zustand unseres </a:t>
+            </a:r>
+            <a:r>
+              <a:rPr lang="de-DE" dirty="0" err="1"/>
+              <a:t>Qubits</a:t>
+            </a:r>
+            <a:r>
+              <a:rPr lang="de-DE" dirty="0"/>
+              <a:t> in eine Superposition überführt interessiert uns natürlich unsere Messung.</a:t>
+            </a:r>
+          </a:p>
+          <a:p>
+            <a:endParaRPr lang="de-DE" dirty="0"/>
+          </a:p>
+          <a:p>
+            <a:r>
+              <a:rPr lang="de-DE" dirty="0"/>
+              <a:t>Unseren Schaltkreis können wir in einem Simulator laufen lassen.</a:t>
+            </a:r>
+          </a:p>
+          <a:p>
+            <a:endParaRPr lang="de-DE" dirty="0"/>
+          </a:p>
+          <a:p>
+            <a:r>
+              <a:rPr lang="de-DE" dirty="0"/>
+              <a:t>Als Anzahl an Wiederholungen wurde hier 1000 gewählt.</a:t>
+            </a:r>
+          </a:p>
+          <a:p>
+            <a:endParaRPr lang="de-DE" dirty="0"/>
+          </a:p>
+          <a:p>
+            <a:r>
+              <a:rPr lang="de-DE" dirty="0"/>
+              <a:t>Unser Ergebnis zeigen 1000 Werte mit einer Verteilung von 0 und 1.</a:t>
+            </a:r>
+          </a:p>
+        </p:txBody>
+      </p:sp>
+      <p:sp>
+        <p:nvSpPr>
+          <p:cNvPr id="4" name="Foliennummernplatzhalter 3"/>
+          <p:cNvSpPr>
+            <a:spLocks noGrp="1"/>
+          </p:cNvSpPr>
+          <p:nvPr>
+            <p:ph type="sldNum" sz="quarter" idx="5"/>
+          </p:nvPr>
+        </p:nvSpPr>
+        <p:spPr/>
+        <p:txBody>
+          <a:bodyPr/>
+          <a:lstStyle/>
+          <a:p>
+            <a:fld id="{85BE2706-9A15-4246-83E1-02ACE4745362}" type="slidenum">
+              <a:rPr lang="de-DE" smtClean="0"/>
+              <a:t>18</a:t>
+            </a:fld>
+            <a:endParaRPr lang="de-DE"/>
+          </a:p>
+        </p:txBody>
+      </p:sp>
+    </p:spTree>
+    <p:extLst>
+      <p:ext uri="{BB962C8B-B14F-4D97-AF65-F5344CB8AC3E}">
+        <p14:creationId xmlns:p14="http://schemas.microsoft.com/office/powerpoint/2010/main" val="341481619"/>
+      </p:ext>
+    </p:extLst>
+  </p:cSld>
+  <p:clrMapOvr>
+    <a:masterClrMapping/>
+  </p:clrMapOvr>
+</p:notes>
+</file>
+
+<file path=ppt/notesSlides/notesSlide17.xml><?xml version="1.0" encoding="utf-8"?>
+<p:notes xmlns:a="http://schemas.openxmlformats.org/drawingml/2006/main" xmlns:r="http://schemas.openxmlformats.org/officeDocument/2006/relationships" xmlns:p="http://schemas.openxmlformats.org/presentationml/2006/main">
+  <p:cSld>
+    <p:spTree>
+      <p:nvGrpSpPr>
+        <p:cNvPr id="1" name=""/>
+        <p:cNvGrpSpPr/>
+        <p:nvPr/>
+      </p:nvGrpSpPr>
+      <p:grpSpPr>
+        <a:xfrm>
+          <a:off x="0" y="0"/>
+          <a:ext cx="0" cy="0"/>
+          <a:chOff x="0" y="0"/>
+          <a:chExt cx="0" cy="0"/>
+        </a:xfrm>
+      </p:grpSpPr>
+      <p:sp>
+        <p:nvSpPr>
+          <p:cNvPr id="2" name="Folienbildplatzhalter 1"/>
+          <p:cNvSpPr>
+            <a:spLocks noGrp="1" noRot="1" noChangeAspect="1"/>
+          </p:cNvSpPr>
+          <p:nvPr>
+            <p:ph type="sldImg"/>
+          </p:nvPr>
+        </p:nvSpPr>
+        <p:spPr/>
+      </p:sp>
+      <p:sp>
+        <p:nvSpPr>
+          <p:cNvPr id="3" name="Notizenplatzhalter 2"/>
+          <p:cNvSpPr>
+            <a:spLocks noGrp="1"/>
+          </p:cNvSpPr>
+          <p:nvPr>
+            <p:ph type="body" idx="1"/>
+          </p:nvPr>
+        </p:nvSpPr>
+        <p:spPr/>
+        <p:txBody>
+          <a:bodyPr/>
+          <a:lstStyle/>
+          <a:p>
+            <a:r>
+              <a:rPr lang="de-DE" dirty="0"/>
+              <a:t>Um unter Ergebnis auch plotten zu können verwenden wir die von </a:t>
+            </a:r>
+            <a:r>
+              <a:rPr lang="de-DE" dirty="0" err="1"/>
+              <a:t>cirq</a:t>
+            </a:r>
+            <a:r>
+              <a:rPr lang="de-DE" dirty="0"/>
+              <a:t> mitgelieferte Methode </a:t>
+            </a:r>
+            <a:r>
+              <a:rPr lang="de-DE" dirty="0" err="1"/>
+              <a:t>plot_state_histogram</a:t>
+            </a:r>
+            <a:r>
+              <a:rPr lang="de-DE" dirty="0"/>
+              <a:t>().</a:t>
+            </a:r>
+          </a:p>
+          <a:p>
+            <a:endParaRPr lang="de-DE" dirty="0"/>
+          </a:p>
+          <a:p>
+            <a:r>
+              <a:rPr lang="de-DE" dirty="0"/>
+              <a:t>Wir sehen in unserem Diagramm, dass wir eine ungefähre Verteilung von 50/50 haben.</a:t>
+            </a:r>
+          </a:p>
+        </p:txBody>
+      </p:sp>
+      <p:sp>
+        <p:nvSpPr>
+          <p:cNvPr id="4" name="Foliennummernplatzhalter 3"/>
+          <p:cNvSpPr>
+            <a:spLocks noGrp="1"/>
+          </p:cNvSpPr>
+          <p:nvPr>
+            <p:ph type="sldNum" sz="quarter" idx="5"/>
+          </p:nvPr>
+        </p:nvSpPr>
+        <p:spPr/>
+        <p:txBody>
+          <a:bodyPr/>
+          <a:lstStyle/>
+          <a:p>
+            <a:fld id="{85BE2706-9A15-4246-83E1-02ACE4745362}" type="slidenum">
+              <a:rPr lang="de-DE" smtClean="0"/>
+              <a:t>19</a:t>
+            </a:fld>
+            <a:endParaRPr lang="de-DE"/>
+          </a:p>
+        </p:txBody>
+      </p:sp>
+    </p:spTree>
+    <p:extLst>
+      <p:ext uri="{BB962C8B-B14F-4D97-AF65-F5344CB8AC3E}">
+        <p14:creationId xmlns:p14="http://schemas.microsoft.com/office/powerpoint/2010/main" val="2125806842"/>
+      </p:ext>
+    </p:extLst>
+  </p:cSld>
+  <p:clrMapOvr>
+    <a:masterClrMapping/>
+  </p:clrMapOvr>
+</p:notes>
+</file>
+
+<file path=ppt/notesSlides/notesSlide18.xml><?xml version="1.0" encoding="utf-8"?>
+<p:notes xmlns:a="http://schemas.openxmlformats.org/drawingml/2006/main" xmlns:r="http://schemas.openxmlformats.org/officeDocument/2006/relationships" xmlns:p="http://schemas.openxmlformats.org/presentationml/2006/main">
+  <p:cSld>
+    <p:spTree>
+      <p:nvGrpSpPr>
+        <p:cNvPr id="1" name=""/>
+        <p:cNvGrpSpPr/>
+        <p:nvPr/>
+      </p:nvGrpSpPr>
+      <p:grpSpPr>
+        <a:xfrm>
+          <a:off x="0" y="0"/>
+          <a:ext cx="0" cy="0"/>
+          <a:chOff x="0" y="0"/>
+          <a:chExt cx="0" cy="0"/>
+        </a:xfrm>
+      </p:grpSpPr>
+      <p:sp>
+        <p:nvSpPr>
+          <p:cNvPr id="2" name="Folienbildplatzhalter 1"/>
+          <p:cNvSpPr>
+            <a:spLocks noGrp="1" noRot="1" noChangeAspect="1"/>
+          </p:cNvSpPr>
+          <p:nvPr>
+            <p:ph type="sldImg"/>
+          </p:nvPr>
+        </p:nvSpPr>
+        <p:spPr/>
+      </p:sp>
+      <p:sp>
+        <p:nvSpPr>
+          <p:cNvPr id="3" name="Notizenplatzhalter 2"/>
+          <p:cNvSpPr>
+            <a:spLocks noGrp="1"/>
+          </p:cNvSpPr>
+          <p:nvPr>
+            <p:ph type="body" idx="1"/>
+          </p:nvPr>
+        </p:nvSpPr>
+        <p:spPr/>
+        <p:txBody>
+          <a:bodyPr/>
+          <a:lstStyle/>
+          <a:p>
+            <a:r>
+              <a:rPr lang="de-DE" dirty="0"/>
+              <a:t>Der Deutsch-Algorithmus kann mit nur einem Durchlauf erkennen, ob eine Funktion balanciert oder konstant ist.</a:t>
+            </a:r>
+          </a:p>
+          <a:p>
+            <a:r>
+              <a:rPr lang="de-DE" dirty="0"/>
+              <a:t>Klassische Rechner benötigen dafür mindestens zwei oder mehr Durchläufe.</a:t>
+            </a:r>
+          </a:p>
+        </p:txBody>
+      </p:sp>
+      <p:sp>
+        <p:nvSpPr>
+          <p:cNvPr id="4" name="Foliennummernplatzhalter 3"/>
+          <p:cNvSpPr>
+            <a:spLocks noGrp="1"/>
+          </p:cNvSpPr>
+          <p:nvPr>
+            <p:ph type="sldNum" sz="quarter" idx="5"/>
+          </p:nvPr>
+        </p:nvSpPr>
+        <p:spPr/>
+        <p:txBody>
+          <a:bodyPr/>
+          <a:lstStyle/>
+          <a:p>
+            <a:fld id="{85BE2706-9A15-4246-83E1-02ACE4745362}" type="slidenum">
+              <a:rPr lang="de-DE" smtClean="0"/>
+              <a:t>20</a:t>
+            </a:fld>
+            <a:endParaRPr lang="de-DE"/>
+          </a:p>
+        </p:txBody>
+      </p:sp>
+    </p:spTree>
+    <p:extLst>
+      <p:ext uri="{BB962C8B-B14F-4D97-AF65-F5344CB8AC3E}">
+        <p14:creationId xmlns:p14="http://schemas.microsoft.com/office/powerpoint/2010/main" val="313421142"/>
+      </p:ext>
+    </p:extLst>
+  </p:cSld>
+  <p:clrMapOvr>
+    <a:masterClrMapping/>
+  </p:clrMapOvr>
+</p:notes>
+</file>
+
+<file path=ppt/notesSlides/notesSlide19.xml><?xml version="1.0" encoding="utf-8"?>
+<p:notes xmlns:a="http://schemas.openxmlformats.org/drawingml/2006/main" xmlns:r="http://schemas.openxmlformats.org/officeDocument/2006/relationships" xmlns:p="http://schemas.openxmlformats.org/presentationml/2006/main">
+  <p:cSld>
+    <p:spTree>
+      <p:nvGrpSpPr>
+        <p:cNvPr id="1" name=""/>
+        <p:cNvGrpSpPr/>
+        <p:nvPr/>
+      </p:nvGrpSpPr>
+      <p:grpSpPr>
+        <a:xfrm>
+          <a:off x="0" y="0"/>
+          <a:ext cx="0" cy="0"/>
+          <a:chOff x="0" y="0"/>
+          <a:chExt cx="0" cy="0"/>
+        </a:xfrm>
+      </p:grpSpPr>
+      <p:sp>
+        <p:nvSpPr>
+          <p:cNvPr id="2" name="Folienbildplatzhalter 1"/>
+          <p:cNvSpPr>
+            <a:spLocks noGrp="1" noRot="1" noChangeAspect="1"/>
+          </p:cNvSpPr>
+          <p:nvPr>
+            <p:ph type="sldImg"/>
+          </p:nvPr>
+        </p:nvSpPr>
+        <p:spPr/>
+      </p:sp>
+      <p:sp>
+        <p:nvSpPr>
+          <p:cNvPr id="3" name="Notizenplatzhalter 2"/>
+          <p:cNvSpPr>
+            <a:spLocks noGrp="1"/>
+          </p:cNvSpPr>
+          <p:nvPr>
+            <p:ph type="body" idx="1"/>
+          </p:nvPr>
+        </p:nvSpPr>
+        <p:spPr/>
+        <p:txBody>
+          <a:bodyPr/>
+          <a:lstStyle/>
+          <a:p>
+            <a:r>
+              <a:rPr lang="de-DE" dirty="0"/>
+              <a:t>Ein Schalkreis in </a:t>
+            </a:r>
+            <a:r>
+              <a:rPr lang="de-DE" dirty="0" err="1"/>
+              <a:t>Cirq</a:t>
+            </a:r>
+            <a:r>
+              <a:rPr lang="de-DE" dirty="0"/>
+              <a:t> kann in </a:t>
+            </a:r>
+            <a:r>
+              <a:rPr lang="de-DE" dirty="0" err="1"/>
+              <a:t>sogeannnte</a:t>
+            </a:r>
+            <a:r>
+              <a:rPr lang="de-DE" dirty="0"/>
+              <a:t> Moments und </a:t>
+            </a:r>
+            <a:r>
+              <a:rPr lang="de-DE" dirty="0" err="1"/>
+              <a:t>Operations</a:t>
+            </a:r>
+            <a:r>
+              <a:rPr lang="de-DE" dirty="0"/>
+              <a:t> unterteilt werden.</a:t>
+            </a:r>
+          </a:p>
+          <a:p>
+            <a:endParaRPr lang="de-DE" dirty="0"/>
+          </a:p>
+          <a:p>
+            <a:r>
+              <a:rPr lang="de-DE" dirty="0"/>
+              <a:t>Ein Moment spezifiziert eine Sammlung von Gattern zu einem gewissen Moment.</a:t>
+            </a:r>
+          </a:p>
+          <a:p>
+            <a:endParaRPr lang="de-DE" dirty="0"/>
+          </a:p>
+          <a:p>
+            <a:r>
+              <a:rPr lang="de-DE" dirty="0" err="1"/>
+              <a:t>Operations</a:t>
+            </a:r>
+            <a:r>
+              <a:rPr lang="de-DE" dirty="0"/>
+              <a:t> sind die eigentlichen Gatter.</a:t>
+            </a:r>
+          </a:p>
+        </p:txBody>
+      </p:sp>
+      <p:sp>
+        <p:nvSpPr>
+          <p:cNvPr id="4" name="Foliennummernplatzhalter 3"/>
+          <p:cNvSpPr>
+            <a:spLocks noGrp="1"/>
+          </p:cNvSpPr>
+          <p:nvPr>
+            <p:ph type="sldNum" sz="quarter" idx="5"/>
+          </p:nvPr>
+        </p:nvSpPr>
+        <p:spPr/>
+        <p:txBody>
+          <a:bodyPr/>
+          <a:lstStyle/>
+          <a:p>
+            <a:fld id="{85BE2706-9A15-4246-83E1-02ACE4745362}" type="slidenum">
+              <a:rPr lang="de-DE" smtClean="0"/>
+              <a:t>21</a:t>
+            </a:fld>
+            <a:endParaRPr lang="de-DE"/>
+          </a:p>
+        </p:txBody>
+      </p:sp>
+    </p:spTree>
+    <p:extLst>
+      <p:ext uri="{BB962C8B-B14F-4D97-AF65-F5344CB8AC3E}">
+        <p14:creationId xmlns:p14="http://schemas.microsoft.com/office/powerpoint/2010/main" val="3590160416"/>
+      </p:ext>
+    </p:extLst>
+  </p:cSld>
+  <p:clrMapOvr>
+    <a:masterClrMapping/>
+  </p:clrMapOvr>
+</p:notes>
+</file>
+
+<file path=ppt/notesSlides/notesSlide2.xml><?xml version="1.0" encoding="utf-8"?>
+<p:notes xmlns:a="http://schemas.openxmlformats.org/drawingml/2006/main" xmlns:r="http://schemas.openxmlformats.org/officeDocument/2006/relationships" xmlns:p="http://schemas.openxmlformats.org/presentationml/2006/main">
+  <p:cSld>
+    <p:spTree>
+      <p:nvGrpSpPr>
+        <p:cNvPr id="1" name=""/>
+        <p:cNvGrpSpPr/>
+        <p:nvPr/>
+      </p:nvGrpSpPr>
+      <p:grpSpPr>
+        <a:xfrm>
+          <a:off x="0" y="0"/>
+          <a:ext cx="0" cy="0"/>
+          <a:chOff x="0" y="0"/>
+          <a:chExt cx="0" cy="0"/>
+        </a:xfrm>
+      </p:grpSpPr>
+      <p:sp>
+        <p:nvSpPr>
+          <p:cNvPr id="2" name="Folienbildplatzhalter 1"/>
+          <p:cNvSpPr>
+            <a:spLocks noGrp="1" noRot="1" noChangeAspect="1"/>
+          </p:cNvSpPr>
+          <p:nvPr>
+            <p:ph type="sldImg"/>
+          </p:nvPr>
+        </p:nvSpPr>
+        <p:spPr/>
+      </p:sp>
+      <p:sp>
+        <p:nvSpPr>
+          <p:cNvPr id="3" name="Notizenplatzhalter 2"/>
+          <p:cNvSpPr>
+            <a:spLocks noGrp="1"/>
+          </p:cNvSpPr>
+          <p:nvPr>
+            <p:ph type="body" idx="1"/>
+          </p:nvPr>
+        </p:nvSpPr>
+        <p:spPr/>
+        <p:txBody>
+          <a:bodyPr/>
+          <a:lstStyle/>
+          <a:p>
+            <a:r>
+              <a:rPr lang="de-DE" dirty="0"/>
+              <a:t>Die Installation erfolgt ganz einfach über </a:t>
+            </a:r>
+            <a:r>
+              <a:rPr lang="de-DE" dirty="0" err="1"/>
+              <a:t>pip</a:t>
+            </a:r>
+            <a:r>
+              <a:rPr lang="de-DE" dirty="0"/>
+              <a:t>.</a:t>
+            </a:r>
+          </a:p>
+          <a:p>
+            <a:r>
+              <a:rPr lang="de-DE" dirty="0"/>
+              <a:t>Der Import gestaltet sich in Python auch sehr unkompliziert.</a:t>
+            </a:r>
+          </a:p>
+        </p:txBody>
+      </p:sp>
+      <p:sp>
+        <p:nvSpPr>
+          <p:cNvPr id="4" name="Foliennummernplatzhalter 3"/>
+          <p:cNvSpPr>
+            <a:spLocks noGrp="1"/>
+          </p:cNvSpPr>
+          <p:nvPr>
+            <p:ph type="sldNum" sz="quarter" idx="5"/>
+          </p:nvPr>
+        </p:nvSpPr>
+        <p:spPr/>
+        <p:txBody>
+          <a:bodyPr/>
+          <a:lstStyle/>
+          <a:p>
+            <a:fld id="{85BE2706-9A15-4246-83E1-02ACE4745362}" type="slidenum">
+              <a:rPr lang="de-DE" smtClean="0"/>
+              <a:t>4</a:t>
+            </a:fld>
+            <a:endParaRPr lang="de-DE"/>
+          </a:p>
+        </p:txBody>
+      </p:sp>
+    </p:spTree>
+    <p:extLst>
+      <p:ext uri="{BB962C8B-B14F-4D97-AF65-F5344CB8AC3E}">
+        <p14:creationId xmlns:p14="http://schemas.microsoft.com/office/powerpoint/2010/main" val="4188067050"/>
+      </p:ext>
+    </p:extLst>
+  </p:cSld>
+  <p:clrMapOvr>
+    <a:masterClrMapping/>
+  </p:clrMapOvr>
+</p:notes>
+</file>
+
+<file path=ppt/notesSlides/notesSlide20.xml><?xml version="1.0" encoding="utf-8"?>
+<p:notes xmlns:a="http://schemas.openxmlformats.org/drawingml/2006/main" xmlns:r="http://schemas.openxmlformats.org/officeDocument/2006/relationships" xmlns:p="http://schemas.openxmlformats.org/presentationml/2006/main">
+  <p:cSld>
+    <p:spTree>
+      <p:nvGrpSpPr>
+        <p:cNvPr id="1" name=""/>
+        <p:cNvGrpSpPr/>
+        <p:nvPr/>
+      </p:nvGrpSpPr>
+      <p:grpSpPr>
+        <a:xfrm>
+          <a:off x="0" y="0"/>
+          <a:ext cx="0" cy="0"/>
+          <a:chOff x="0" y="0"/>
+          <a:chExt cx="0" cy="0"/>
+        </a:xfrm>
+      </p:grpSpPr>
+      <p:sp>
+        <p:nvSpPr>
+          <p:cNvPr id="2" name="Folienbildplatzhalter 1"/>
+          <p:cNvSpPr>
+            <a:spLocks noGrp="1" noRot="1" noChangeAspect="1"/>
+          </p:cNvSpPr>
+          <p:nvPr>
+            <p:ph type="sldImg"/>
+          </p:nvPr>
+        </p:nvSpPr>
+        <p:spPr/>
+      </p:sp>
+      <p:sp>
+        <p:nvSpPr>
+          <p:cNvPr id="3" name="Notizenplatzhalter 2"/>
+          <p:cNvSpPr>
+            <a:spLocks noGrp="1"/>
+          </p:cNvSpPr>
+          <p:nvPr>
+            <p:ph type="body" idx="1"/>
+          </p:nvPr>
+        </p:nvSpPr>
+        <p:spPr/>
+        <p:txBody>
+          <a:bodyPr/>
+          <a:lstStyle/>
+          <a:p>
+            <a:r>
+              <a:rPr lang="de-DE" dirty="0"/>
+              <a:t>Diese Folie zeigt, wie der Schaltkreis für den Deutsch-Algorithmus aufgebaut ist.</a:t>
+            </a:r>
+          </a:p>
+          <a:p>
+            <a:endParaRPr lang="de-DE" dirty="0"/>
+          </a:p>
+          <a:p>
+            <a:r>
+              <a:rPr lang="de-DE" dirty="0"/>
+              <a:t>Wir haben zwei </a:t>
+            </a:r>
+            <a:r>
+              <a:rPr lang="de-DE" dirty="0" err="1"/>
+              <a:t>Qubits</a:t>
+            </a:r>
+            <a:r>
+              <a:rPr lang="de-DE" dirty="0"/>
+              <a:t>, eines im Zustand 0 und eines im Zustand 1.</a:t>
+            </a:r>
+          </a:p>
+          <a:p>
+            <a:r>
+              <a:rPr lang="de-DE" dirty="0"/>
+              <a:t>Beide </a:t>
+            </a:r>
+            <a:r>
+              <a:rPr lang="de-DE" dirty="0" err="1"/>
+              <a:t>Qubits</a:t>
+            </a:r>
+            <a:r>
+              <a:rPr lang="de-DE" dirty="0"/>
+              <a:t> werden durch ein </a:t>
+            </a:r>
+            <a:r>
+              <a:rPr lang="de-DE" dirty="0" err="1"/>
+              <a:t>Hadamard</a:t>
+            </a:r>
+            <a:r>
+              <a:rPr lang="de-DE" dirty="0"/>
+              <a:t>-Gatter in die Superposition überführt.</a:t>
+            </a:r>
+          </a:p>
+          <a:p>
+            <a:r>
+              <a:rPr lang="de-DE" dirty="0"/>
+              <a:t>Danach folgt die eigentliche Funktion, Oracle-Funktion genannt, die entweder balanciert oder eben konstant ist.</a:t>
+            </a:r>
+          </a:p>
+          <a:p>
+            <a:r>
+              <a:rPr lang="de-DE" dirty="0"/>
+              <a:t>Anschließend werden beide </a:t>
+            </a:r>
+            <a:r>
+              <a:rPr lang="de-DE" dirty="0" err="1"/>
+              <a:t>Qubits</a:t>
+            </a:r>
+            <a:r>
+              <a:rPr lang="de-DE" dirty="0"/>
+              <a:t> wieder jeweils durch ein </a:t>
+            </a:r>
+            <a:r>
+              <a:rPr lang="de-DE" dirty="0" err="1"/>
+              <a:t>Hadamard</a:t>
+            </a:r>
+            <a:r>
+              <a:rPr lang="de-DE" dirty="0"/>
+              <a:t>-Gatter geschickt.</a:t>
+            </a:r>
+          </a:p>
+          <a:p>
+            <a:r>
+              <a:rPr lang="de-DE" dirty="0"/>
+              <a:t>Am Ende werden beide </a:t>
+            </a:r>
+            <a:r>
+              <a:rPr lang="de-DE" dirty="0" err="1"/>
+              <a:t>Qubits</a:t>
+            </a:r>
+            <a:r>
+              <a:rPr lang="de-DE" dirty="0"/>
+              <a:t> gemessen.</a:t>
+            </a:r>
+          </a:p>
+          <a:p>
+            <a:endParaRPr lang="de-DE" dirty="0"/>
+          </a:p>
+          <a:p>
+            <a:r>
+              <a:rPr lang="de-DE" dirty="0"/>
+              <a:t>Das zweite </a:t>
+            </a:r>
+            <a:r>
+              <a:rPr lang="de-DE" dirty="0" err="1"/>
+              <a:t>Hadamard</a:t>
+            </a:r>
+            <a:r>
+              <a:rPr lang="de-DE" dirty="0"/>
+              <a:t>-Gatter und die Messung sind beim zweiten </a:t>
+            </a:r>
+            <a:r>
+              <a:rPr lang="de-DE" dirty="0" err="1"/>
+              <a:t>Qubit</a:t>
+            </a:r>
+            <a:r>
+              <a:rPr lang="de-DE" dirty="0"/>
+              <a:t> eigentlich überflüssig.</a:t>
+            </a:r>
+          </a:p>
+          <a:p>
+            <a:r>
+              <a:rPr lang="de-DE" dirty="0"/>
+              <a:t>Der Vollständigkeit halber wurden sie aber hinzugefügt.</a:t>
+            </a:r>
+          </a:p>
+        </p:txBody>
+      </p:sp>
+      <p:sp>
+        <p:nvSpPr>
+          <p:cNvPr id="4" name="Foliennummernplatzhalter 3"/>
+          <p:cNvSpPr>
+            <a:spLocks noGrp="1"/>
+          </p:cNvSpPr>
+          <p:nvPr>
+            <p:ph type="sldNum" sz="quarter" idx="5"/>
+          </p:nvPr>
+        </p:nvSpPr>
+        <p:spPr/>
+        <p:txBody>
+          <a:bodyPr/>
+          <a:lstStyle/>
+          <a:p>
+            <a:fld id="{85BE2706-9A15-4246-83E1-02ACE4745362}" type="slidenum">
+              <a:rPr lang="de-DE" smtClean="0"/>
+              <a:t>22</a:t>
+            </a:fld>
+            <a:endParaRPr lang="de-DE"/>
+          </a:p>
+        </p:txBody>
+      </p:sp>
+    </p:spTree>
+    <p:extLst>
+      <p:ext uri="{BB962C8B-B14F-4D97-AF65-F5344CB8AC3E}">
+        <p14:creationId xmlns:p14="http://schemas.microsoft.com/office/powerpoint/2010/main" val="2612459446"/>
+      </p:ext>
+    </p:extLst>
+  </p:cSld>
+  <p:clrMapOvr>
+    <a:masterClrMapping/>
+  </p:clrMapOvr>
+</p:notes>
+</file>
+
+<file path=ppt/notesSlides/notesSlide21.xml><?xml version="1.0" encoding="utf-8"?>
+<p:notes xmlns:a="http://schemas.openxmlformats.org/drawingml/2006/main" xmlns:r="http://schemas.openxmlformats.org/officeDocument/2006/relationships" xmlns:p="http://schemas.openxmlformats.org/presentationml/2006/main">
+  <p:cSld>
+    <p:spTree>
+      <p:nvGrpSpPr>
+        <p:cNvPr id="1" name=""/>
+        <p:cNvGrpSpPr/>
+        <p:nvPr/>
+      </p:nvGrpSpPr>
+      <p:grpSpPr>
+        <a:xfrm>
+          <a:off x="0" y="0"/>
+          <a:ext cx="0" cy="0"/>
+          <a:chOff x="0" y="0"/>
+          <a:chExt cx="0" cy="0"/>
+        </a:xfrm>
+      </p:grpSpPr>
+      <p:sp>
+        <p:nvSpPr>
+          <p:cNvPr id="2" name="Folienbildplatzhalter 1"/>
+          <p:cNvSpPr>
+            <a:spLocks noGrp="1" noRot="1" noChangeAspect="1"/>
+          </p:cNvSpPr>
+          <p:nvPr>
+            <p:ph type="sldImg"/>
+          </p:nvPr>
+        </p:nvSpPr>
+        <p:spPr/>
+      </p:sp>
+      <p:sp>
+        <p:nvSpPr>
+          <p:cNvPr id="3" name="Notizenplatzhalter 2"/>
+          <p:cNvSpPr>
+            <a:spLocks noGrp="1"/>
+          </p:cNvSpPr>
+          <p:nvPr>
+            <p:ph type="body" idx="1"/>
+          </p:nvPr>
+        </p:nvSpPr>
+        <p:spPr/>
+        <p:txBody>
+          <a:bodyPr/>
+          <a:lstStyle/>
+          <a:p>
+            <a:r>
+              <a:rPr lang="de-DE" dirty="0"/>
+              <a:t>Der Schaltkreis kann unterteilt werden in </a:t>
+            </a:r>
+            <a:r>
+              <a:rPr lang="de-DE" dirty="0" err="1"/>
+              <a:t>Hadamard</a:t>
+            </a:r>
+            <a:r>
+              <a:rPr lang="de-DE" dirty="0"/>
+              <a:t>-Moment, Oracle-Funktion und Mess-Moment.</a:t>
+            </a:r>
+          </a:p>
+        </p:txBody>
+      </p:sp>
+      <p:sp>
+        <p:nvSpPr>
+          <p:cNvPr id="4" name="Foliennummernplatzhalter 3"/>
+          <p:cNvSpPr>
+            <a:spLocks noGrp="1"/>
+          </p:cNvSpPr>
+          <p:nvPr>
+            <p:ph type="sldNum" sz="quarter" idx="5"/>
+          </p:nvPr>
+        </p:nvSpPr>
+        <p:spPr/>
+        <p:txBody>
+          <a:bodyPr/>
+          <a:lstStyle/>
+          <a:p>
+            <a:fld id="{85BE2706-9A15-4246-83E1-02ACE4745362}" type="slidenum">
+              <a:rPr lang="de-DE" smtClean="0"/>
+              <a:t>23</a:t>
+            </a:fld>
+            <a:endParaRPr lang="de-DE"/>
+          </a:p>
+        </p:txBody>
+      </p:sp>
+    </p:spTree>
+    <p:extLst>
+      <p:ext uri="{BB962C8B-B14F-4D97-AF65-F5344CB8AC3E}">
+        <p14:creationId xmlns:p14="http://schemas.microsoft.com/office/powerpoint/2010/main" val="1574622972"/>
+      </p:ext>
+    </p:extLst>
+  </p:cSld>
+  <p:clrMapOvr>
+    <a:masterClrMapping/>
+  </p:clrMapOvr>
+</p:notes>
+</file>
+
+<file path=ppt/notesSlides/notesSlide22.xml><?xml version="1.0" encoding="utf-8"?>
+<p:notes xmlns:a="http://schemas.openxmlformats.org/drawingml/2006/main" xmlns:r="http://schemas.openxmlformats.org/officeDocument/2006/relationships" xmlns:p="http://schemas.openxmlformats.org/presentationml/2006/main">
+  <p:cSld>
+    <p:spTree>
+      <p:nvGrpSpPr>
+        <p:cNvPr id="1" name=""/>
+        <p:cNvGrpSpPr/>
+        <p:nvPr/>
+      </p:nvGrpSpPr>
+      <p:grpSpPr>
+        <a:xfrm>
+          <a:off x="0" y="0"/>
+          <a:ext cx="0" cy="0"/>
+          <a:chOff x="0" y="0"/>
+          <a:chExt cx="0" cy="0"/>
+        </a:xfrm>
+      </p:grpSpPr>
+      <p:sp>
+        <p:nvSpPr>
+          <p:cNvPr id="2" name="Folienbildplatzhalter 1"/>
+          <p:cNvSpPr>
+            <a:spLocks noGrp="1" noRot="1" noChangeAspect="1"/>
+          </p:cNvSpPr>
+          <p:nvPr>
+            <p:ph type="sldImg"/>
+          </p:nvPr>
+        </p:nvSpPr>
+        <p:spPr/>
+      </p:sp>
+      <p:sp>
+        <p:nvSpPr>
+          <p:cNvPr id="3" name="Notizenplatzhalter 2"/>
+          <p:cNvSpPr>
+            <a:spLocks noGrp="1"/>
+          </p:cNvSpPr>
+          <p:nvPr>
+            <p:ph type="body" idx="1"/>
+          </p:nvPr>
+        </p:nvSpPr>
+        <p:spPr/>
+        <p:txBody>
+          <a:bodyPr/>
+          <a:lstStyle/>
+          <a:p>
+            <a:r>
+              <a:rPr lang="de-DE" dirty="0"/>
+              <a:t>Diese Folie zeigt die Implementierung des </a:t>
+            </a:r>
+            <a:r>
+              <a:rPr lang="de-DE" dirty="0" err="1"/>
+              <a:t>Hadamard</a:t>
+            </a:r>
+            <a:r>
+              <a:rPr lang="de-DE" dirty="0"/>
+              <a:t>-Moments.</a:t>
+            </a:r>
+          </a:p>
+          <a:p>
+            <a:endParaRPr lang="de-DE" dirty="0"/>
+          </a:p>
+          <a:p>
+            <a:r>
+              <a:rPr lang="de-DE" dirty="0"/>
+              <a:t>Es wird ein neuer Moment erstellt, dem ein Array an </a:t>
+            </a:r>
+            <a:r>
+              <a:rPr lang="de-DE" dirty="0" err="1"/>
+              <a:t>Hadamard</a:t>
+            </a:r>
+            <a:r>
+              <a:rPr lang="de-DE" dirty="0"/>
+              <a:t>-Gattern zugewiesen wird.</a:t>
+            </a:r>
+          </a:p>
+          <a:p>
+            <a:endParaRPr lang="de-DE" dirty="0"/>
+          </a:p>
+          <a:p>
+            <a:r>
+              <a:rPr lang="de-DE" dirty="0"/>
+              <a:t>Dieser Moment kann beliebig oft wiederverwendet werden.</a:t>
+            </a:r>
+          </a:p>
+        </p:txBody>
+      </p:sp>
+      <p:sp>
+        <p:nvSpPr>
+          <p:cNvPr id="4" name="Foliennummernplatzhalter 3"/>
+          <p:cNvSpPr>
+            <a:spLocks noGrp="1"/>
+          </p:cNvSpPr>
+          <p:nvPr>
+            <p:ph type="sldNum" sz="quarter" idx="5"/>
+          </p:nvPr>
+        </p:nvSpPr>
+        <p:spPr/>
+        <p:txBody>
+          <a:bodyPr/>
+          <a:lstStyle/>
+          <a:p>
+            <a:fld id="{85BE2706-9A15-4246-83E1-02ACE4745362}" type="slidenum">
+              <a:rPr lang="de-DE" smtClean="0"/>
+              <a:t>24</a:t>
+            </a:fld>
+            <a:endParaRPr lang="de-DE"/>
+          </a:p>
+        </p:txBody>
+      </p:sp>
+    </p:spTree>
+    <p:extLst>
+      <p:ext uri="{BB962C8B-B14F-4D97-AF65-F5344CB8AC3E}">
+        <p14:creationId xmlns:p14="http://schemas.microsoft.com/office/powerpoint/2010/main" val="3116202387"/>
+      </p:ext>
+    </p:extLst>
+  </p:cSld>
+  <p:clrMapOvr>
+    <a:masterClrMapping/>
+  </p:clrMapOvr>
+</p:notes>
+</file>
+
+<file path=ppt/notesSlides/notesSlide23.xml><?xml version="1.0" encoding="utf-8"?>
+<p:notes xmlns:a="http://schemas.openxmlformats.org/drawingml/2006/main" xmlns:r="http://schemas.openxmlformats.org/officeDocument/2006/relationships" xmlns:p="http://schemas.openxmlformats.org/presentationml/2006/main">
+  <p:cSld>
+    <p:spTree>
+      <p:nvGrpSpPr>
+        <p:cNvPr id="1" name=""/>
+        <p:cNvGrpSpPr/>
+        <p:nvPr/>
+      </p:nvGrpSpPr>
+      <p:grpSpPr>
+        <a:xfrm>
+          <a:off x="0" y="0"/>
+          <a:ext cx="0" cy="0"/>
+          <a:chOff x="0" y="0"/>
+          <a:chExt cx="0" cy="0"/>
+        </a:xfrm>
+      </p:grpSpPr>
+      <p:sp>
+        <p:nvSpPr>
+          <p:cNvPr id="2" name="Folienbildplatzhalter 1"/>
+          <p:cNvSpPr>
+            <a:spLocks noGrp="1" noRot="1" noChangeAspect="1"/>
+          </p:cNvSpPr>
+          <p:nvPr>
+            <p:ph type="sldImg"/>
+          </p:nvPr>
+        </p:nvSpPr>
+        <p:spPr/>
+      </p:sp>
+      <p:sp>
+        <p:nvSpPr>
+          <p:cNvPr id="3" name="Notizenplatzhalter 2"/>
+          <p:cNvSpPr>
+            <a:spLocks noGrp="1"/>
+          </p:cNvSpPr>
+          <p:nvPr>
+            <p:ph type="body" idx="1"/>
+          </p:nvPr>
+        </p:nvSpPr>
+        <p:spPr/>
+        <p:txBody>
+          <a:bodyPr/>
+          <a:lstStyle/>
+          <a:p>
+            <a:endParaRPr lang="de-DE" dirty="0"/>
+          </a:p>
+        </p:txBody>
+      </p:sp>
+      <p:sp>
+        <p:nvSpPr>
+          <p:cNvPr id="4" name="Foliennummernplatzhalter 3"/>
+          <p:cNvSpPr>
+            <a:spLocks noGrp="1"/>
+          </p:cNvSpPr>
+          <p:nvPr>
+            <p:ph type="sldNum" sz="quarter" idx="5"/>
+          </p:nvPr>
+        </p:nvSpPr>
+        <p:spPr/>
+        <p:txBody>
+          <a:bodyPr/>
+          <a:lstStyle/>
+          <a:p>
+            <a:fld id="{85BE2706-9A15-4246-83E1-02ACE4745362}" type="slidenum">
+              <a:rPr lang="de-DE" smtClean="0"/>
+              <a:t>25</a:t>
+            </a:fld>
+            <a:endParaRPr lang="de-DE"/>
+          </a:p>
+        </p:txBody>
+      </p:sp>
+    </p:spTree>
+    <p:extLst>
+      <p:ext uri="{BB962C8B-B14F-4D97-AF65-F5344CB8AC3E}">
+        <p14:creationId xmlns:p14="http://schemas.microsoft.com/office/powerpoint/2010/main" val="3302816562"/>
+      </p:ext>
+    </p:extLst>
+  </p:cSld>
+  <p:clrMapOvr>
+    <a:masterClrMapping/>
+  </p:clrMapOvr>
+</p:notes>
+</file>
+
+<file path=ppt/notesSlides/notesSlide24.xml><?xml version="1.0" encoding="utf-8"?>
+<p:notes xmlns:a="http://schemas.openxmlformats.org/drawingml/2006/main" xmlns:r="http://schemas.openxmlformats.org/officeDocument/2006/relationships" xmlns:p="http://schemas.openxmlformats.org/presentationml/2006/main">
+  <p:cSld>
+    <p:spTree>
+      <p:nvGrpSpPr>
+        <p:cNvPr id="1" name=""/>
+        <p:cNvGrpSpPr/>
+        <p:nvPr/>
+      </p:nvGrpSpPr>
+      <p:grpSpPr>
+        <a:xfrm>
+          <a:off x="0" y="0"/>
+          <a:ext cx="0" cy="0"/>
+          <a:chOff x="0" y="0"/>
+          <a:chExt cx="0" cy="0"/>
+        </a:xfrm>
+      </p:grpSpPr>
+      <p:sp>
+        <p:nvSpPr>
+          <p:cNvPr id="2" name="Folienbildplatzhalter 1"/>
+          <p:cNvSpPr>
+            <a:spLocks noGrp="1" noRot="1" noChangeAspect="1"/>
+          </p:cNvSpPr>
+          <p:nvPr>
+            <p:ph type="sldImg"/>
+          </p:nvPr>
+        </p:nvSpPr>
+        <p:spPr/>
+      </p:sp>
+      <p:sp>
+        <p:nvSpPr>
+          <p:cNvPr id="3" name="Notizenplatzhalter 2"/>
+          <p:cNvSpPr>
+            <a:spLocks noGrp="1"/>
+          </p:cNvSpPr>
+          <p:nvPr>
+            <p:ph type="body" idx="1"/>
+          </p:nvPr>
+        </p:nvSpPr>
+        <p:spPr/>
+        <p:txBody>
+          <a:bodyPr/>
+          <a:lstStyle/>
+          <a:p>
+            <a:r>
+              <a:rPr lang="de-DE" dirty="0"/>
+              <a:t>Diese Folie zeigt die Implementierung der Oracle-Funktion für den Deutsch-Algorithmus.</a:t>
+            </a:r>
+          </a:p>
+          <a:p>
+            <a:endParaRPr lang="de-DE" dirty="0"/>
+          </a:p>
+          <a:p>
+            <a:r>
+              <a:rPr lang="de-DE" dirty="0"/>
+              <a:t>Es wird die Methode </a:t>
+            </a:r>
+            <a:r>
+              <a:rPr lang="de-DE" dirty="0" err="1"/>
+              <a:t>get_oracle_gate</a:t>
+            </a:r>
+            <a:r>
+              <a:rPr lang="de-DE" dirty="0"/>
+              <a:t>(</a:t>
+            </a:r>
+            <a:r>
+              <a:rPr lang="de-DE" dirty="0" err="1"/>
+              <a:t>oracle</a:t>
+            </a:r>
+            <a:r>
+              <a:rPr lang="de-DE" dirty="0"/>
+              <a:t>) erstellt die einen Parameter („c“ für konstant oder „b“ für </a:t>
+            </a:r>
+            <a:r>
+              <a:rPr lang="de-DE" dirty="0" err="1"/>
+              <a:t>balanced</a:t>
+            </a:r>
+            <a:r>
+              <a:rPr lang="de-DE" dirty="0"/>
+              <a:t>) entgegen nimmt.</a:t>
+            </a:r>
+          </a:p>
+          <a:p>
+            <a:endParaRPr lang="de-DE" dirty="0"/>
+          </a:p>
+          <a:p>
+            <a:r>
+              <a:rPr lang="de-DE" dirty="0"/>
+              <a:t>Wenn ein „c“ übergeben wird, gibt die Methode abhängig von einer generierten Zufallszahl entweder das Gatter [Identity, NOT] oder [Identity, Identity] zurück.</a:t>
+            </a:r>
+          </a:p>
+          <a:p>
+            <a:endParaRPr lang="de-DE" dirty="0"/>
+          </a:p>
+          <a:p>
+            <a:r>
+              <a:rPr lang="de-DE" dirty="0"/>
+              <a:t>Wird ein „b“ übergeben gibt die Methode eine Möglichkeit einer balancierten Funktion in Form von CNOT zurück.</a:t>
+            </a:r>
+          </a:p>
+        </p:txBody>
+      </p:sp>
+      <p:sp>
+        <p:nvSpPr>
+          <p:cNvPr id="4" name="Foliennummernplatzhalter 3"/>
+          <p:cNvSpPr>
+            <a:spLocks noGrp="1"/>
+          </p:cNvSpPr>
+          <p:nvPr>
+            <p:ph type="sldNum" sz="quarter" idx="5"/>
+          </p:nvPr>
+        </p:nvSpPr>
+        <p:spPr/>
+        <p:txBody>
+          <a:bodyPr/>
+          <a:lstStyle/>
+          <a:p>
+            <a:fld id="{85BE2706-9A15-4246-83E1-02ACE4745362}" type="slidenum">
+              <a:rPr lang="de-DE" smtClean="0"/>
+              <a:t>26</a:t>
+            </a:fld>
+            <a:endParaRPr lang="de-DE"/>
+          </a:p>
+        </p:txBody>
+      </p:sp>
+    </p:spTree>
+    <p:extLst>
+      <p:ext uri="{BB962C8B-B14F-4D97-AF65-F5344CB8AC3E}">
+        <p14:creationId xmlns:p14="http://schemas.microsoft.com/office/powerpoint/2010/main" val="273248874"/>
+      </p:ext>
+    </p:extLst>
+  </p:cSld>
+  <p:clrMapOvr>
+    <a:masterClrMapping/>
+  </p:clrMapOvr>
+</p:notes>
+</file>
+
+<file path=ppt/notesSlides/notesSlide25.xml><?xml version="1.0" encoding="utf-8"?>
+<p:notes xmlns:a="http://schemas.openxmlformats.org/drawingml/2006/main" xmlns:r="http://schemas.openxmlformats.org/officeDocument/2006/relationships" xmlns:p="http://schemas.openxmlformats.org/presentationml/2006/main">
+  <p:cSld>
+    <p:spTree>
+      <p:nvGrpSpPr>
+        <p:cNvPr id="1" name=""/>
+        <p:cNvGrpSpPr/>
+        <p:nvPr/>
+      </p:nvGrpSpPr>
+      <p:grpSpPr>
+        <a:xfrm>
+          <a:off x="0" y="0"/>
+          <a:ext cx="0" cy="0"/>
+          <a:chOff x="0" y="0"/>
+          <a:chExt cx="0" cy="0"/>
+        </a:xfrm>
+      </p:grpSpPr>
+      <p:sp>
+        <p:nvSpPr>
+          <p:cNvPr id="2" name="Folienbildplatzhalter 1"/>
+          <p:cNvSpPr>
+            <a:spLocks noGrp="1" noRot="1" noChangeAspect="1"/>
+          </p:cNvSpPr>
+          <p:nvPr>
+            <p:ph type="sldImg"/>
+          </p:nvPr>
+        </p:nvSpPr>
+        <p:spPr/>
+      </p:sp>
+      <p:sp>
+        <p:nvSpPr>
+          <p:cNvPr id="3" name="Notizenplatzhalter 2"/>
+          <p:cNvSpPr>
+            <a:spLocks noGrp="1"/>
+          </p:cNvSpPr>
+          <p:nvPr>
+            <p:ph type="body" idx="1"/>
+          </p:nvPr>
+        </p:nvSpPr>
+        <p:spPr/>
+        <p:txBody>
+          <a:bodyPr/>
+          <a:lstStyle/>
+          <a:p>
+            <a:r>
+              <a:rPr lang="de-DE" dirty="0"/>
+              <a:t>Diese Folie zeigt die Implementierung des Mess-Moments.</a:t>
+            </a:r>
+          </a:p>
+          <a:p>
+            <a:endParaRPr lang="de-DE" dirty="0"/>
+          </a:p>
+          <a:p>
+            <a:r>
+              <a:rPr lang="de-DE" dirty="0"/>
+              <a:t>Es wird ein neuer Moment erstellt, dem ein Array an Messungen zugewiesen wird.</a:t>
+            </a:r>
+          </a:p>
+          <a:p>
+            <a:endParaRPr lang="de-DE" dirty="0"/>
+          </a:p>
+          <a:p>
+            <a:r>
+              <a:rPr lang="de-DE" dirty="0"/>
+              <a:t>Auch dieser Moment kann beliebig oft wiederverwendet werden.</a:t>
+            </a:r>
+          </a:p>
+        </p:txBody>
+      </p:sp>
+      <p:sp>
+        <p:nvSpPr>
+          <p:cNvPr id="4" name="Foliennummernplatzhalter 3"/>
+          <p:cNvSpPr>
+            <a:spLocks noGrp="1"/>
+          </p:cNvSpPr>
+          <p:nvPr>
+            <p:ph type="sldNum" sz="quarter" idx="5"/>
+          </p:nvPr>
+        </p:nvSpPr>
+        <p:spPr/>
+        <p:txBody>
+          <a:bodyPr/>
+          <a:lstStyle/>
+          <a:p>
+            <a:fld id="{85BE2706-9A15-4246-83E1-02ACE4745362}" type="slidenum">
+              <a:rPr lang="de-DE" smtClean="0"/>
+              <a:t>28</a:t>
+            </a:fld>
+            <a:endParaRPr lang="de-DE"/>
+          </a:p>
+        </p:txBody>
+      </p:sp>
+    </p:spTree>
+    <p:extLst>
+      <p:ext uri="{BB962C8B-B14F-4D97-AF65-F5344CB8AC3E}">
+        <p14:creationId xmlns:p14="http://schemas.microsoft.com/office/powerpoint/2010/main" val="3232056334"/>
+      </p:ext>
+    </p:extLst>
+  </p:cSld>
+  <p:clrMapOvr>
+    <a:masterClrMapping/>
+  </p:clrMapOvr>
+</p:notes>
+</file>
+
+<file path=ppt/notesSlides/notesSlide26.xml><?xml version="1.0" encoding="utf-8"?>
+<p:notes xmlns:a="http://schemas.openxmlformats.org/drawingml/2006/main" xmlns:r="http://schemas.openxmlformats.org/officeDocument/2006/relationships" xmlns:p="http://schemas.openxmlformats.org/presentationml/2006/main">
+  <p:cSld>
+    <p:spTree>
+      <p:nvGrpSpPr>
+        <p:cNvPr id="1" name=""/>
+        <p:cNvGrpSpPr/>
+        <p:nvPr/>
+      </p:nvGrpSpPr>
+      <p:grpSpPr>
+        <a:xfrm>
+          <a:off x="0" y="0"/>
+          <a:ext cx="0" cy="0"/>
+          <a:chOff x="0" y="0"/>
+          <a:chExt cx="0" cy="0"/>
+        </a:xfrm>
+      </p:grpSpPr>
+      <p:sp>
+        <p:nvSpPr>
+          <p:cNvPr id="2" name="Folienbildplatzhalter 1"/>
+          <p:cNvSpPr>
+            <a:spLocks noGrp="1" noRot="1" noChangeAspect="1"/>
+          </p:cNvSpPr>
+          <p:nvPr>
+            <p:ph type="sldImg"/>
+          </p:nvPr>
+        </p:nvSpPr>
+        <p:spPr/>
+      </p:sp>
+      <p:sp>
+        <p:nvSpPr>
+          <p:cNvPr id="3" name="Notizenplatzhalter 2"/>
+          <p:cNvSpPr>
+            <a:spLocks noGrp="1"/>
+          </p:cNvSpPr>
+          <p:nvPr>
+            <p:ph type="body" idx="1"/>
+          </p:nvPr>
+        </p:nvSpPr>
+        <p:spPr/>
+        <p:txBody>
+          <a:bodyPr/>
+          <a:lstStyle/>
+          <a:p>
+            <a:r>
+              <a:rPr lang="de-DE" dirty="0"/>
+              <a:t>Diese Folie zeigt, wie die einzelnen Moments und die Oracle-Funktion zu einem Schaltkreis zusammengebaut werden.</a:t>
+            </a:r>
+          </a:p>
+          <a:p>
+            <a:endParaRPr lang="de-DE" dirty="0"/>
+          </a:p>
+          <a:p>
+            <a:r>
+              <a:rPr lang="de-DE" dirty="0"/>
+              <a:t>Zuerst muss das letzte </a:t>
+            </a:r>
+            <a:r>
+              <a:rPr lang="de-DE" dirty="0" err="1"/>
+              <a:t>Qubit</a:t>
+            </a:r>
+            <a:r>
+              <a:rPr lang="de-DE" dirty="0"/>
+              <a:t> mit dem NOT-Gatter in den Zustand 1 gebracht werden.</a:t>
+            </a:r>
+          </a:p>
+          <a:p>
+            <a:endParaRPr lang="de-DE" dirty="0"/>
+          </a:p>
+          <a:p>
+            <a:r>
+              <a:rPr lang="de-DE" dirty="0"/>
+              <a:t>Danach folgen die eigentlichen Moments bzw. die Oracle-Funktion.</a:t>
+            </a:r>
+          </a:p>
+          <a:p>
+            <a:endParaRPr lang="de-DE" dirty="0"/>
+          </a:p>
+          <a:p>
+            <a:r>
+              <a:rPr lang="de-DE" dirty="0"/>
+              <a:t>Am Ende geben wir unseren Schaltkreis wieder aus.</a:t>
+            </a:r>
+          </a:p>
+        </p:txBody>
+      </p:sp>
+      <p:sp>
+        <p:nvSpPr>
+          <p:cNvPr id="4" name="Foliennummernplatzhalter 3"/>
+          <p:cNvSpPr>
+            <a:spLocks noGrp="1"/>
+          </p:cNvSpPr>
+          <p:nvPr>
+            <p:ph type="sldNum" sz="quarter" idx="5"/>
+          </p:nvPr>
+        </p:nvSpPr>
+        <p:spPr/>
+        <p:txBody>
+          <a:bodyPr/>
+          <a:lstStyle/>
+          <a:p>
+            <a:fld id="{85BE2706-9A15-4246-83E1-02ACE4745362}" type="slidenum">
+              <a:rPr lang="de-DE" smtClean="0"/>
+              <a:t>29</a:t>
+            </a:fld>
+            <a:endParaRPr lang="de-DE"/>
+          </a:p>
+        </p:txBody>
+      </p:sp>
+    </p:spTree>
+    <p:extLst>
+      <p:ext uri="{BB962C8B-B14F-4D97-AF65-F5344CB8AC3E}">
+        <p14:creationId xmlns:p14="http://schemas.microsoft.com/office/powerpoint/2010/main" val="3707956765"/>
+      </p:ext>
+    </p:extLst>
+  </p:cSld>
+  <p:clrMapOvr>
+    <a:masterClrMapping/>
+  </p:clrMapOvr>
+</p:notes>
+</file>
+
+<file path=ppt/notesSlides/notesSlide27.xml><?xml version="1.0" encoding="utf-8"?>
+<p:notes xmlns:a="http://schemas.openxmlformats.org/drawingml/2006/main" xmlns:r="http://schemas.openxmlformats.org/officeDocument/2006/relationships" xmlns:p="http://schemas.openxmlformats.org/presentationml/2006/main">
+  <p:cSld>
+    <p:spTree>
+      <p:nvGrpSpPr>
+        <p:cNvPr id="1" name=""/>
+        <p:cNvGrpSpPr/>
+        <p:nvPr/>
+      </p:nvGrpSpPr>
+      <p:grpSpPr>
+        <a:xfrm>
+          <a:off x="0" y="0"/>
+          <a:ext cx="0" cy="0"/>
+          <a:chOff x="0" y="0"/>
+          <a:chExt cx="0" cy="0"/>
+        </a:xfrm>
+      </p:grpSpPr>
+      <p:sp>
+        <p:nvSpPr>
+          <p:cNvPr id="2" name="Folienbildplatzhalter 1"/>
+          <p:cNvSpPr>
+            <a:spLocks noGrp="1" noRot="1" noChangeAspect="1"/>
+          </p:cNvSpPr>
+          <p:nvPr>
+            <p:ph type="sldImg"/>
+          </p:nvPr>
+        </p:nvSpPr>
+        <p:spPr/>
+      </p:sp>
+      <p:sp>
+        <p:nvSpPr>
+          <p:cNvPr id="3" name="Notizenplatzhalter 2"/>
+          <p:cNvSpPr>
+            <a:spLocks noGrp="1"/>
+          </p:cNvSpPr>
+          <p:nvPr>
+            <p:ph type="body" idx="1"/>
+          </p:nvPr>
+        </p:nvSpPr>
+        <p:spPr/>
+        <p:txBody>
+          <a:bodyPr/>
+          <a:lstStyle/>
+          <a:p>
+            <a:r>
+              <a:rPr lang="de-DE" dirty="0"/>
+              <a:t>Diese Folie zeigt zum Vergleich:</a:t>
+            </a:r>
+          </a:p>
+          <a:p>
+            <a:endParaRPr lang="de-DE" dirty="0"/>
+          </a:p>
+          <a:p>
+            <a:r>
+              <a:rPr lang="de-DE" dirty="0"/>
+              <a:t>Oben -&gt; Schaltkreis den wir erreichen wollten</a:t>
+            </a:r>
+          </a:p>
+          <a:p>
+            <a:r>
+              <a:rPr lang="de-DE" dirty="0"/>
+              <a:t>Unten -&gt; Schaltkreis den uns </a:t>
+            </a:r>
+            <a:r>
+              <a:rPr lang="de-DE" dirty="0" err="1"/>
+              <a:t>Cirq</a:t>
+            </a:r>
+            <a:r>
+              <a:rPr lang="de-DE" dirty="0"/>
+              <a:t> ausgibt.</a:t>
+            </a:r>
+          </a:p>
+        </p:txBody>
+      </p:sp>
+      <p:sp>
+        <p:nvSpPr>
+          <p:cNvPr id="4" name="Foliennummernplatzhalter 3"/>
+          <p:cNvSpPr>
+            <a:spLocks noGrp="1"/>
+          </p:cNvSpPr>
+          <p:nvPr>
+            <p:ph type="sldNum" sz="quarter" idx="5"/>
+          </p:nvPr>
+        </p:nvSpPr>
+        <p:spPr/>
+        <p:txBody>
+          <a:bodyPr/>
+          <a:lstStyle/>
+          <a:p>
+            <a:fld id="{85BE2706-9A15-4246-83E1-02ACE4745362}" type="slidenum">
+              <a:rPr lang="de-DE" smtClean="0"/>
+              <a:t>30</a:t>
+            </a:fld>
+            <a:endParaRPr lang="de-DE"/>
+          </a:p>
+        </p:txBody>
+      </p:sp>
+    </p:spTree>
+    <p:extLst>
+      <p:ext uri="{BB962C8B-B14F-4D97-AF65-F5344CB8AC3E}">
+        <p14:creationId xmlns:p14="http://schemas.microsoft.com/office/powerpoint/2010/main" val="876258288"/>
+      </p:ext>
+    </p:extLst>
+  </p:cSld>
+  <p:clrMapOvr>
+    <a:masterClrMapping/>
+  </p:clrMapOvr>
+</p:notes>
+</file>
+
+<file path=ppt/notesSlides/notesSlide28.xml><?xml version="1.0" encoding="utf-8"?>
+<p:notes xmlns:a="http://schemas.openxmlformats.org/drawingml/2006/main" xmlns:r="http://schemas.openxmlformats.org/officeDocument/2006/relationships" xmlns:p="http://schemas.openxmlformats.org/presentationml/2006/main">
+  <p:cSld>
+    <p:spTree>
+      <p:nvGrpSpPr>
+        <p:cNvPr id="1" name=""/>
+        <p:cNvGrpSpPr/>
+        <p:nvPr/>
+      </p:nvGrpSpPr>
+      <p:grpSpPr>
+        <a:xfrm>
+          <a:off x="0" y="0"/>
+          <a:ext cx="0" cy="0"/>
+          <a:chOff x="0" y="0"/>
+          <a:chExt cx="0" cy="0"/>
+        </a:xfrm>
+      </p:grpSpPr>
+      <p:sp>
+        <p:nvSpPr>
+          <p:cNvPr id="2" name="Folienbildplatzhalter 1"/>
+          <p:cNvSpPr>
+            <a:spLocks noGrp="1" noRot="1" noChangeAspect="1"/>
+          </p:cNvSpPr>
+          <p:nvPr>
+            <p:ph type="sldImg"/>
+          </p:nvPr>
+        </p:nvSpPr>
+        <p:spPr/>
+      </p:sp>
+      <p:sp>
+        <p:nvSpPr>
+          <p:cNvPr id="3" name="Notizenplatzhalter 2"/>
+          <p:cNvSpPr>
+            <a:spLocks noGrp="1"/>
+          </p:cNvSpPr>
+          <p:nvPr>
+            <p:ph type="body" idx="1"/>
+          </p:nvPr>
+        </p:nvSpPr>
+        <p:spPr/>
+        <p:txBody>
+          <a:bodyPr/>
+          <a:lstStyle/>
+          <a:p>
+            <a:r>
+              <a:rPr lang="de-DE" dirty="0"/>
+              <a:t>Unseren Schaltkreis wollen wir natürlich auch simulieren.</a:t>
+            </a:r>
+          </a:p>
+          <a:p>
+            <a:endParaRPr lang="de-DE" dirty="0"/>
+          </a:p>
+          <a:p>
+            <a:r>
+              <a:rPr lang="de-DE" dirty="0"/>
+              <a:t>Da wir eine balancierte Funktion in den Schaltkreis eingefügt haben, gibt uns der Schaltkreis eine 100% Verteilung von 11 zurück.</a:t>
+            </a:r>
+          </a:p>
+        </p:txBody>
+      </p:sp>
+      <p:sp>
+        <p:nvSpPr>
+          <p:cNvPr id="4" name="Foliennummernplatzhalter 3"/>
+          <p:cNvSpPr>
+            <a:spLocks noGrp="1"/>
+          </p:cNvSpPr>
+          <p:nvPr>
+            <p:ph type="sldNum" sz="quarter" idx="5"/>
+          </p:nvPr>
+        </p:nvSpPr>
+        <p:spPr/>
+        <p:txBody>
+          <a:bodyPr/>
+          <a:lstStyle/>
+          <a:p>
+            <a:fld id="{85BE2706-9A15-4246-83E1-02ACE4745362}" type="slidenum">
+              <a:rPr lang="de-DE" smtClean="0"/>
+              <a:t>31</a:t>
+            </a:fld>
+            <a:endParaRPr lang="de-DE"/>
+          </a:p>
+        </p:txBody>
+      </p:sp>
+    </p:spTree>
+    <p:extLst>
+      <p:ext uri="{BB962C8B-B14F-4D97-AF65-F5344CB8AC3E}">
+        <p14:creationId xmlns:p14="http://schemas.microsoft.com/office/powerpoint/2010/main" val="288442399"/>
+      </p:ext>
+    </p:extLst>
+  </p:cSld>
+  <p:clrMapOvr>
+    <a:masterClrMapping/>
+  </p:clrMapOvr>
+</p:notes>
+</file>
+
+<file path=ppt/notesSlides/notesSlide29.xml><?xml version="1.0" encoding="utf-8"?>
+<p:notes xmlns:a="http://schemas.openxmlformats.org/drawingml/2006/main" xmlns:r="http://schemas.openxmlformats.org/officeDocument/2006/relationships" xmlns:p="http://schemas.openxmlformats.org/presentationml/2006/main">
+  <p:cSld>
+    <p:spTree>
+      <p:nvGrpSpPr>
+        <p:cNvPr id="1" name=""/>
+        <p:cNvGrpSpPr/>
+        <p:nvPr/>
+      </p:nvGrpSpPr>
+      <p:grpSpPr>
+        <a:xfrm>
+          <a:off x="0" y="0"/>
+          <a:ext cx="0" cy="0"/>
+          <a:chOff x="0" y="0"/>
+          <a:chExt cx="0" cy="0"/>
+        </a:xfrm>
+      </p:grpSpPr>
+      <p:sp>
+        <p:nvSpPr>
+          <p:cNvPr id="2" name="Folienbildplatzhalter 1"/>
+          <p:cNvSpPr>
+            <a:spLocks noGrp="1" noRot="1" noChangeAspect="1"/>
+          </p:cNvSpPr>
+          <p:nvPr>
+            <p:ph type="sldImg"/>
+          </p:nvPr>
+        </p:nvSpPr>
+        <p:spPr/>
+      </p:sp>
+      <p:sp>
+        <p:nvSpPr>
+          <p:cNvPr id="3" name="Notizenplatzhalter 2"/>
+          <p:cNvSpPr>
+            <a:spLocks noGrp="1"/>
+          </p:cNvSpPr>
+          <p:nvPr>
+            <p:ph type="body" idx="1"/>
+          </p:nvPr>
+        </p:nvSpPr>
+        <p:spPr/>
+        <p:txBody>
+          <a:bodyPr/>
+          <a:lstStyle/>
+          <a:p>
+            <a:r>
+              <a:rPr lang="de-DE" dirty="0"/>
+              <a:t>Der Deutsch-</a:t>
+            </a:r>
+            <a:r>
+              <a:rPr lang="de-DE" dirty="0" err="1"/>
+              <a:t>Jozsa</a:t>
+            </a:r>
+            <a:r>
+              <a:rPr lang="de-DE" dirty="0"/>
+              <a:t>-Algorithmus erweitert den Deutsch-</a:t>
+            </a:r>
+            <a:r>
+              <a:rPr lang="de-DE" dirty="0" err="1"/>
+              <a:t>Algortihmus</a:t>
+            </a:r>
+            <a:r>
+              <a:rPr lang="de-DE" dirty="0"/>
+              <a:t> dadurch dass wir das gleiche Vorgehen nun mit n-</a:t>
+            </a:r>
+            <a:r>
+              <a:rPr lang="de-DE" dirty="0" err="1"/>
+              <a:t>Qubits</a:t>
+            </a:r>
+            <a:r>
+              <a:rPr lang="de-DE" dirty="0"/>
+              <a:t> erreichen wollen.</a:t>
+            </a:r>
+          </a:p>
+          <a:p>
+            <a:endParaRPr lang="de-DE" dirty="0"/>
+          </a:p>
+          <a:p>
+            <a:r>
+              <a:rPr lang="de-DE" dirty="0"/>
+              <a:t>Diese Folie zeigt ungefähr, wie solch ein Schaltkreis aussehen sollte.</a:t>
+            </a:r>
+          </a:p>
+          <a:p>
+            <a:endParaRPr lang="de-DE" dirty="0"/>
+          </a:p>
+          <a:p>
+            <a:r>
+              <a:rPr lang="de-DE" dirty="0"/>
+              <a:t>Auch hier kann das </a:t>
+            </a:r>
+            <a:r>
+              <a:rPr lang="de-DE" dirty="0" err="1"/>
+              <a:t>Hadamard</a:t>
+            </a:r>
+            <a:r>
+              <a:rPr lang="de-DE" dirty="0"/>
+              <a:t>-Gatter und die Messung des letzten </a:t>
+            </a:r>
+            <a:r>
+              <a:rPr lang="de-DE" dirty="0" err="1"/>
+              <a:t>Qubits</a:t>
+            </a:r>
+            <a:r>
+              <a:rPr lang="de-DE" dirty="0"/>
+              <a:t> weggelassen werden.</a:t>
+            </a:r>
+          </a:p>
+        </p:txBody>
+      </p:sp>
+      <p:sp>
+        <p:nvSpPr>
+          <p:cNvPr id="4" name="Foliennummernplatzhalter 3"/>
+          <p:cNvSpPr>
+            <a:spLocks noGrp="1"/>
+          </p:cNvSpPr>
+          <p:nvPr>
+            <p:ph type="sldNum" sz="quarter" idx="5"/>
+          </p:nvPr>
+        </p:nvSpPr>
+        <p:spPr/>
+        <p:txBody>
+          <a:bodyPr/>
+          <a:lstStyle/>
+          <a:p>
+            <a:fld id="{85BE2706-9A15-4246-83E1-02ACE4745362}" type="slidenum">
+              <a:rPr lang="de-DE" smtClean="0"/>
+              <a:t>32</a:t>
+            </a:fld>
+            <a:endParaRPr lang="de-DE"/>
+          </a:p>
+        </p:txBody>
+      </p:sp>
+    </p:spTree>
+    <p:extLst>
+      <p:ext uri="{BB962C8B-B14F-4D97-AF65-F5344CB8AC3E}">
+        <p14:creationId xmlns:p14="http://schemas.microsoft.com/office/powerpoint/2010/main" val="1741511550"/>
+      </p:ext>
+    </p:extLst>
+  </p:cSld>
+  <p:clrMapOvr>
+    <a:masterClrMapping/>
+  </p:clrMapOvr>
+</p:notes>
+</file>
+
+<file path=ppt/notesSlides/notesSlide3.xml><?xml version="1.0" encoding="utf-8"?>
+<p:notes xmlns:a="http://schemas.openxmlformats.org/drawingml/2006/main" xmlns:r="http://schemas.openxmlformats.org/officeDocument/2006/relationships" xmlns:p="http://schemas.openxmlformats.org/presentationml/2006/main">
+  <p:cSld>
+    <p:spTree>
+      <p:nvGrpSpPr>
+        <p:cNvPr id="1" name=""/>
+        <p:cNvGrpSpPr/>
+        <p:nvPr/>
+      </p:nvGrpSpPr>
+      <p:grpSpPr>
+        <a:xfrm>
+          <a:off x="0" y="0"/>
+          <a:ext cx="0" cy="0"/>
+          <a:chOff x="0" y="0"/>
+          <a:chExt cx="0" cy="0"/>
+        </a:xfrm>
+      </p:grpSpPr>
+      <p:sp>
+        <p:nvSpPr>
+          <p:cNvPr id="2" name="Folienbildplatzhalter 1"/>
+          <p:cNvSpPr>
+            <a:spLocks noGrp="1" noRot="1" noChangeAspect="1"/>
+          </p:cNvSpPr>
+          <p:nvPr>
+            <p:ph type="sldImg"/>
+          </p:nvPr>
+        </p:nvSpPr>
+        <p:spPr/>
+      </p:sp>
+      <p:sp>
+        <p:nvSpPr>
+          <p:cNvPr id="3" name="Notizenplatzhalter 2"/>
+          <p:cNvSpPr>
+            <a:spLocks noGrp="1"/>
+          </p:cNvSpPr>
+          <p:nvPr>
+            <p:ph type="body" idx="1"/>
+          </p:nvPr>
+        </p:nvSpPr>
+        <p:spPr/>
+        <p:txBody>
+          <a:bodyPr/>
+          <a:lstStyle/>
+          <a:p>
+            <a:r>
+              <a:rPr lang="de-DE" dirty="0"/>
+              <a:t>Als ersten Schritt möchten wir versuchen einen Schaltkreis mit dem aus der Vorlesung bekannten NOT-Gatter und einer anschließenden Messung zu bauen.</a:t>
+            </a:r>
+          </a:p>
+        </p:txBody>
+      </p:sp>
+      <p:sp>
+        <p:nvSpPr>
+          <p:cNvPr id="4" name="Foliennummernplatzhalter 3"/>
+          <p:cNvSpPr>
+            <a:spLocks noGrp="1"/>
+          </p:cNvSpPr>
+          <p:nvPr>
+            <p:ph type="sldNum" sz="quarter" idx="5"/>
+          </p:nvPr>
+        </p:nvSpPr>
+        <p:spPr/>
+        <p:txBody>
+          <a:bodyPr/>
+          <a:lstStyle/>
+          <a:p>
+            <a:fld id="{85BE2706-9A15-4246-83E1-02ACE4745362}" type="slidenum">
+              <a:rPr lang="de-DE" smtClean="0"/>
+              <a:t>5</a:t>
+            </a:fld>
+            <a:endParaRPr lang="de-DE"/>
+          </a:p>
+        </p:txBody>
+      </p:sp>
+    </p:spTree>
+    <p:extLst>
+      <p:ext uri="{BB962C8B-B14F-4D97-AF65-F5344CB8AC3E}">
+        <p14:creationId xmlns:p14="http://schemas.microsoft.com/office/powerpoint/2010/main" val="343834887"/>
+      </p:ext>
+    </p:extLst>
+  </p:cSld>
+  <p:clrMapOvr>
+    <a:masterClrMapping/>
+  </p:clrMapOvr>
+</p:notes>
+</file>
+
+<file path=ppt/notesSlides/notesSlide30.xml><?xml version="1.0" encoding="utf-8"?>
+<p:notes xmlns:a="http://schemas.openxmlformats.org/drawingml/2006/main" xmlns:r="http://schemas.openxmlformats.org/officeDocument/2006/relationships" xmlns:p="http://schemas.openxmlformats.org/presentationml/2006/main">
+  <p:cSld>
+    <p:spTree>
+      <p:nvGrpSpPr>
+        <p:cNvPr id="1" name=""/>
+        <p:cNvGrpSpPr/>
+        <p:nvPr/>
+      </p:nvGrpSpPr>
+      <p:grpSpPr>
+        <a:xfrm>
+          <a:off x="0" y="0"/>
+          <a:ext cx="0" cy="0"/>
+          <a:chOff x="0" y="0"/>
+          <a:chExt cx="0" cy="0"/>
+        </a:xfrm>
+      </p:grpSpPr>
+      <p:sp>
+        <p:nvSpPr>
+          <p:cNvPr id="2" name="Folienbildplatzhalter 1"/>
+          <p:cNvSpPr>
+            <a:spLocks noGrp="1" noRot="1" noChangeAspect="1"/>
+          </p:cNvSpPr>
+          <p:nvPr>
+            <p:ph type="sldImg"/>
+          </p:nvPr>
+        </p:nvSpPr>
+        <p:spPr/>
+      </p:sp>
+      <p:sp>
+        <p:nvSpPr>
+          <p:cNvPr id="3" name="Notizenplatzhalter 2"/>
+          <p:cNvSpPr>
+            <a:spLocks noGrp="1"/>
+          </p:cNvSpPr>
+          <p:nvPr>
+            <p:ph type="body" idx="1"/>
+          </p:nvPr>
+        </p:nvSpPr>
+        <p:spPr/>
+        <p:txBody>
+          <a:bodyPr/>
+          <a:lstStyle/>
+          <a:p>
+            <a:r>
+              <a:rPr lang="de-DE" dirty="0"/>
+              <a:t>Die vorherige Implementierung wird dadurch erweitert, dass die Anzahl an </a:t>
+            </a:r>
+            <a:r>
+              <a:rPr lang="de-DE" dirty="0" err="1"/>
+              <a:t>Qubits</a:t>
+            </a:r>
+            <a:r>
+              <a:rPr lang="de-DE" dirty="0"/>
+              <a:t> über ein Array, abhängig der Variable </a:t>
+            </a:r>
+            <a:r>
+              <a:rPr lang="de-DE" dirty="0" err="1"/>
+              <a:t>n_qubits</a:t>
+            </a:r>
+            <a:r>
+              <a:rPr lang="de-DE" dirty="0"/>
+              <a:t> erfasst wird.</a:t>
+            </a:r>
+          </a:p>
+          <a:p>
+            <a:endParaRPr lang="de-DE" dirty="0"/>
+          </a:p>
+          <a:p>
+            <a:r>
+              <a:rPr lang="de-DE" dirty="0"/>
+              <a:t>Die eigentlichen Gatter können dann auf die gewünschten Einträge des Arrays angewandt und in eine Variable gespeichert werden.</a:t>
+            </a:r>
+          </a:p>
+        </p:txBody>
+      </p:sp>
+      <p:sp>
+        <p:nvSpPr>
+          <p:cNvPr id="4" name="Foliennummernplatzhalter 3"/>
+          <p:cNvSpPr>
+            <a:spLocks noGrp="1"/>
+          </p:cNvSpPr>
+          <p:nvPr>
+            <p:ph type="sldNum" sz="quarter" idx="5"/>
+          </p:nvPr>
+        </p:nvSpPr>
+        <p:spPr/>
+        <p:txBody>
+          <a:bodyPr/>
+          <a:lstStyle/>
+          <a:p>
+            <a:fld id="{85BE2706-9A15-4246-83E1-02ACE4745362}" type="slidenum">
+              <a:rPr lang="de-DE" smtClean="0"/>
+              <a:t>33</a:t>
+            </a:fld>
+            <a:endParaRPr lang="de-DE"/>
+          </a:p>
+        </p:txBody>
+      </p:sp>
+    </p:spTree>
+    <p:extLst>
+      <p:ext uri="{BB962C8B-B14F-4D97-AF65-F5344CB8AC3E}">
+        <p14:creationId xmlns:p14="http://schemas.microsoft.com/office/powerpoint/2010/main" val="3498132869"/>
+      </p:ext>
+    </p:extLst>
+  </p:cSld>
+  <p:clrMapOvr>
+    <a:masterClrMapping/>
+  </p:clrMapOvr>
+</p:notes>
+</file>
+
+<file path=ppt/notesSlides/notesSlide31.xml><?xml version="1.0" encoding="utf-8"?>
+<p:notes xmlns:a="http://schemas.openxmlformats.org/drawingml/2006/main" xmlns:r="http://schemas.openxmlformats.org/officeDocument/2006/relationships" xmlns:p="http://schemas.openxmlformats.org/presentationml/2006/main">
+  <p:cSld>
+    <p:spTree>
+      <p:nvGrpSpPr>
+        <p:cNvPr id="1" name=""/>
+        <p:cNvGrpSpPr/>
+        <p:nvPr/>
+      </p:nvGrpSpPr>
+      <p:grpSpPr>
+        <a:xfrm>
+          <a:off x="0" y="0"/>
+          <a:ext cx="0" cy="0"/>
+          <a:chOff x="0" y="0"/>
+          <a:chExt cx="0" cy="0"/>
+        </a:xfrm>
+      </p:grpSpPr>
+      <p:sp>
+        <p:nvSpPr>
+          <p:cNvPr id="2" name="Folienbildplatzhalter 1"/>
+          <p:cNvSpPr>
+            <a:spLocks noGrp="1" noRot="1" noChangeAspect="1"/>
+          </p:cNvSpPr>
+          <p:nvPr>
+            <p:ph type="sldImg"/>
+          </p:nvPr>
+        </p:nvSpPr>
+        <p:spPr/>
+      </p:sp>
+      <p:sp>
+        <p:nvSpPr>
+          <p:cNvPr id="3" name="Notizenplatzhalter 2"/>
+          <p:cNvSpPr>
+            <a:spLocks noGrp="1"/>
+          </p:cNvSpPr>
+          <p:nvPr>
+            <p:ph type="body" idx="1"/>
+          </p:nvPr>
+        </p:nvSpPr>
+        <p:spPr/>
+        <p:txBody>
+          <a:bodyPr/>
+          <a:lstStyle/>
+          <a:p>
+            <a:r>
+              <a:rPr lang="de-DE" dirty="0"/>
+              <a:t>Diese Folie zeigt die Implementierung der Oracle-Funktion für den Deutsch-</a:t>
+            </a:r>
+            <a:r>
+              <a:rPr lang="de-DE" dirty="0" err="1"/>
+              <a:t>Jozsa</a:t>
+            </a:r>
+            <a:r>
+              <a:rPr lang="de-DE" dirty="0"/>
+              <a:t>-Algorithmus.</a:t>
+            </a:r>
+          </a:p>
+          <a:p>
+            <a:endParaRPr lang="de-DE" dirty="0"/>
+          </a:p>
+          <a:p>
+            <a:r>
+              <a:rPr lang="de-DE" dirty="0"/>
+              <a:t>Der hauptsächliche Unterschied hierbei besteht einfach darin, dass die Gatter für die konstante und die balancierte Funktionen eben auf das Array von </a:t>
+            </a:r>
+            <a:r>
+              <a:rPr lang="de-DE" dirty="0" err="1"/>
+              <a:t>Qubits</a:t>
+            </a:r>
+            <a:r>
+              <a:rPr lang="de-DE" dirty="0"/>
+              <a:t> und nicht wie vorher auf zwei spezifische </a:t>
+            </a:r>
+            <a:r>
+              <a:rPr lang="de-DE" dirty="0" err="1"/>
+              <a:t>Qubits</a:t>
+            </a:r>
+            <a:r>
+              <a:rPr lang="de-DE" dirty="0"/>
+              <a:t> angewandt werden.</a:t>
+            </a:r>
+          </a:p>
+          <a:p>
+            <a:endParaRPr lang="de-DE" dirty="0"/>
+          </a:p>
+          <a:p>
+            <a:r>
+              <a:rPr lang="de-DE" dirty="0"/>
+              <a:t>Bei den balancierten Funktionen sind in diesem Beispiel nur zwei Möglichkeiten implementiert.</a:t>
+            </a:r>
+          </a:p>
+        </p:txBody>
+      </p:sp>
+      <p:sp>
+        <p:nvSpPr>
+          <p:cNvPr id="4" name="Foliennummernplatzhalter 3"/>
+          <p:cNvSpPr>
+            <a:spLocks noGrp="1"/>
+          </p:cNvSpPr>
+          <p:nvPr>
+            <p:ph type="sldNum" sz="quarter" idx="5"/>
+          </p:nvPr>
+        </p:nvSpPr>
+        <p:spPr/>
+        <p:txBody>
+          <a:bodyPr/>
+          <a:lstStyle/>
+          <a:p>
+            <a:fld id="{85BE2706-9A15-4246-83E1-02ACE4745362}" type="slidenum">
+              <a:rPr lang="de-DE" smtClean="0"/>
+              <a:t>34</a:t>
+            </a:fld>
+            <a:endParaRPr lang="de-DE"/>
+          </a:p>
+        </p:txBody>
+      </p:sp>
+    </p:spTree>
+    <p:extLst>
+      <p:ext uri="{BB962C8B-B14F-4D97-AF65-F5344CB8AC3E}">
+        <p14:creationId xmlns:p14="http://schemas.microsoft.com/office/powerpoint/2010/main" val="308703837"/>
+      </p:ext>
+    </p:extLst>
+  </p:cSld>
+  <p:clrMapOvr>
+    <a:masterClrMapping/>
+  </p:clrMapOvr>
+</p:notes>
+</file>
+
+<file path=ppt/notesSlides/notesSlide32.xml><?xml version="1.0" encoding="utf-8"?>
+<p:notes xmlns:a="http://schemas.openxmlformats.org/drawingml/2006/main" xmlns:r="http://schemas.openxmlformats.org/officeDocument/2006/relationships" xmlns:p="http://schemas.openxmlformats.org/presentationml/2006/main">
+  <p:cSld>
+    <p:spTree>
+      <p:nvGrpSpPr>
+        <p:cNvPr id="1" name=""/>
+        <p:cNvGrpSpPr/>
+        <p:nvPr/>
+      </p:nvGrpSpPr>
+      <p:grpSpPr>
+        <a:xfrm>
+          <a:off x="0" y="0"/>
+          <a:ext cx="0" cy="0"/>
+          <a:chOff x="0" y="0"/>
+          <a:chExt cx="0" cy="0"/>
+        </a:xfrm>
+      </p:grpSpPr>
+      <p:sp>
+        <p:nvSpPr>
+          <p:cNvPr id="2" name="Folienbildplatzhalter 1"/>
+          <p:cNvSpPr>
+            <a:spLocks noGrp="1" noRot="1" noChangeAspect="1"/>
+          </p:cNvSpPr>
+          <p:nvPr>
+            <p:ph type="sldImg"/>
+          </p:nvPr>
+        </p:nvSpPr>
+        <p:spPr/>
+      </p:sp>
+      <p:sp>
+        <p:nvSpPr>
+          <p:cNvPr id="3" name="Notizenplatzhalter 2"/>
+          <p:cNvSpPr>
+            <a:spLocks noGrp="1"/>
+          </p:cNvSpPr>
+          <p:nvPr>
+            <p:ph type="body" idx="1"/>
+          </p:nvPr>
+        </p:nvSpPr>
+        <p:spPr/>
+        <p:txBody>
+          <a:bodyPr/>
+          <a:lstStyle/>
+          <a:p>
+            <a:r>
+              <a:rPr lang="de-DE" dirty="0"/>
+              <a:t>Auch hier können die verschiedenen Moments einfach im Circuit zusammengeführt werden.</a:t>
+            </a:r>
+          </a:p>
+          <a:p>
+            <a:endParaRPr lang="de-DE" dirty="0"/>
+          </a:p>
+          <a:p>
+            <a:r>
+              <a:rPr lang="de-DE" dirty="0"/>
+              <a:t>Danach erfolgt wieder die Ausgabe des Schaltkreises.</a:t>
+            </a:r>
+          </a:p>
+        </p:txBody>
+      </p:sp>
+      <p:sp>
+        <p:nvSpPr>
+          <p:cNvPr id="4" name="Foliennummernplatzhalter 3"/>
+          <p:cNvSpPr>
+            <a:spLocks noGrp="1"/>
+          </p:cNvSpPr>
+          <p:nvPr>
+            <p:ph type="sldNum" sz="quarter" idx="5"/>
+          </p:nvPr>
+        </p:nvSpPr>
+        <p:spPr/>
+        <p:txBody>
+          <a:bodyPr/>
+          <a:lstStyle/>
+          <a:p>
+            <a:fld id="{85BE2706-9A15-4246-83E1-02ACE4745362}" type="slidenum">
+              <a:rPr lang="de-DE" smtClean="0"/>
+              <a:t>35</a:t>
+            </a:fld>
+            <a:endParaRPr lang="de-DE"/>
+          </a:p>
+        </p:txBody>
+      </p:sp>
+    </p:spTree>
+    <p:extLst>
+      <p:ext uri="{BB962C8B-B14F-4D97-AF65-F5344CB8AC3E}">
+        <p14:creationId xmlns:p14="http://schemas.microsoft.com/office/powerpoint/2010/main" val="521936658"/>
+      </p:ext>
+    </p:extLst>
+  </p:cSld>
+  <p:clrMapOvr>
+    <a:masterClrMapping/>
+  </p:clrMapOvr>
+</p:notes>
+</file>
+
+<file path=ppt/notesSlides/notesSlide33.xml><?xml version="1.0" encoding="utf-8"?>
+<p:notes xmlns:a="http://schemas.openxmlformats.org/drawingml/2006/main" xmlns:r="http://schemas.openxmlformats.org/officeDocument/2006/relationships" xmlns:p="http://schemas.openxmlformats.org/presentationml/2006/main">
+  <p:cSld>
+    <p:spTree>
+      <p:nvGrpSpPr>
+        <p:cNvPr id="1" name=""/>
+        <p:cNvGrpSpPr/>
+        <p:nvPr/>
+      </p:nvGrpSpPr>
+      <p:grpSpPr>
+        <a:xfrm>
+          <a:off x="0" y="0"/>
+          <a:ext cx="0" cy="0"/>
+          <a:chOff x="0" y="0"/>
+          <a:chExt cx="0" cy="0"/>
+        </a:xfrm>
+      </p:grpSpPr>
+      <p:sp>
+        <p:nvSpPr>
+          <p:cNvPr id="2" name="Folienbildplatzhalter 1"/>
+          <p:cNvSpPr>
+            <a:spLocks noGrp="1" noRot="1" noChangeAspect="1"/>
+          </p:cNvSpPr>
+          <p:nvPr>
+            <p:ph type="sldImg"/>
+          </p:nvPr>
+        </p:nvSpPr>
+        <p:spPr/>
+      </p:sp>
+      <p:sp>
+        <p:nvSpPr>
+          <p:cNvPr id="3" name="Notizenplatzhalter 2"/>
+          <p:cNvSpPr>
+            <a:spLocks noGrp="1"/>
+          </p:cNvSpPr>
+          <p:nvPr>
+            <p:ph type="body" idx="1"/>
+          </p:nvPr>
+        </p:nvSpPr>
+        <p:spPr/>
+        <p:txBody>
+          <a:bodyPr/>
+          <a:lstStyle/>
+          <a:p>
+            <a:r>
+              <a:rPr lang="de-DE" dirty="0"/>
+              <a:t>Diese Folie zeigt die Ausgabe des Schaltkreises für die DJ-Algorithmus am Beispiel von einer balancierten Funktion in Form von CNOT.</a:t>
+            </a:r>
+          </a:p>
+        </p:txBody>
+      </p:sp>
+      <p:sp>
+        <p:nvSpPr>
+          <p:cNvPr id="4" name="Foliennummernplatzhalter 3"/>
+          <p:cNvSpPr>
+            <a:spLocks noGrp="1"/>
+          </p:cNvSpPr>
+          <p:nvPr>
+            <p:ph type="sldNum" sz="quarter" idx="5"/>
+          </p:nvPr>
+        </p:nvSpPr>
+        <p:spPr/>
+        <p:txBody>
+          <a:bodyPr/>
+          <a:lstStyle/>
+          <a:p>
+            <a:fld id="{85BE2706-9A15-4246-83E1-02ACE4745362}" type="slidenum">
+              <a:rPr lang="de-DE" smtClean="0"/>
+              <a:t>36</a:t>
+            </a:fld>
+            <a:endParaRPr lang="de-DE"/>
+          </a:p>
+        </p:txBody>
+      </p:sp>
+    </p:spTree>
+    <p:extLst>
+      <p:ext uri="{BB962C8B-B14F-4D97-AF65-F5344CB8AC3E}">
+        <p14:creationId xmlns:p14="http://schemas.microsoft.com/office/powerpoint/2010/main" val="3353741118"/>
+      </p:ext>
+    </p:extLst>
+  </p:cSld>
+  <p:clrMapOvr>
+    <a:masterClrMapping/>
+  </p:clrMapOvr>
+</p:notes>
+</file>
+
+<file path=ppt/notesSlides/notesSlide34.xml><?xml version="1.0" encoding="utf-8"?>
+<p:notes xmlns:a="http://schemas.openxmlformats.org/drawingml/2006/main" xmlns:r="http://schemas.openxmlformats.org/officeDocument/2006/relationships" xmlns:p="http://schemas.openxmlformats.org/presentationml/2006/main">
+  <p:cSld>
+    <p:spTree>
+      <p:nvGrpSpPr>
+        <p:cNvPr id="1" name=""/>
+        <p:cNvGrpSpPr/>
+        <p:nvPr/>
+      </p:nvGrpSpPr>
+      <p:grpSpPr>
+        <a:xfrm>
+          <a:off x="0" y="0"/>
+          <a:ext cx="0" cy="0"/>
+          <a:chOff x="0" y="0"/>
+          <a:chExt cx="0" cy="0"/>
+        </a:xfrm>
+      </p:grpSpPr>
+      <p:sp>
+        <p:nvSpPr>
+          <p:cNvPr id="2" name="Folienbildplatzhalter 1"/>
+          <p:cNvSpPr>
+            <a:spLocks noGrp="1" noRot="1" noChangeAspect="1"/>
+          </p:cNvSpPr>
+          <p:nvPr>
+            <p:ph type="sldImg"/>
+          </p:nvPr>
+        </p:nvSpPr>
+        <p:spPr/>
+      </p:sp>
+      <p:sp>
+        <p:nvSpPr>
+          <p:cNvPr id="3" name="Notizenplatzhalter 2"/>
+          <p:cNvSpPr>
+            <a:spLocks noGrp="1"/>
+          </p:cNvSpPr>
+          <p:nvPr>
+            <p:ph type="body" idx="1"/>
+          </p:nvPr>
+        </p:nvSpPr>
+        <p:spPr/>
+        <p:txBody>
+          <a:bodyPr/>
+          <a:lstStyle/>
+          <a:p>
+            <a:r>
+              <a:rPr lang="de-DE" dirty="0"/>
+              <a:t>Das dazu gehörige </a:t>
+            </a:r>
+            <a:r>
+              <a:rPr lang="de-DE" dirty="0" err="1"/>
+              <a:t>Histogram</a:t>
+            </a:r>
+            <a:r>
+              <a:rPr lang="de-DE" dirty="0"/>
+              <a:t> zeigt auch hier eine 100%-Verteilung des erwarteten Wertes bei 5 </a:t>
+            </a:r>
+            <a:r>
+              <a:rPr lang="de-DE" dirty="0" err="1"/>
+              <a:t>Qubits</a:t>
+            </a:r>
+            <a:r>
+              <a:rPr lang="de-DE" dirty="0"/>
+              <a:t>.</a:t>
+            </a:r>
+          </a:p>
+        </p:txBody>
+      </p:sp>
+      <p:sp>
+        <p:nvSpPr>
+          <p:cNvPr id="4" name="Foliennummernplatzhalter 3"/>
+          <p:cNvSpPr>
+            <a:spLocks noGrp="1"/>
+          </p:cNvSpPr>
+          <p:nvPr>
+            <p:ph type="sldNum" sz="quarter" idx="5"/>
+          </p:nvPr>
+        </p:nvSpPr>
+        <p:spPr/>
+        <p:txBody>
+          <a:bodyPr/>
+          <a:lstStyle/>
+          <a:p>
+            <a:fld id="{85BE2706-9A15-4246-83E1-02ACE4745362}" type="slidenum">
+              <a:rPr lang="de-DE" smtClean="0"/>
+              <a:t>37</a:t>
+            </a:fld>
+            <a:endParaRPr lang="de-DE"/>
+          </a:p>
+        </p:txBody>
+      </p:sp>
+    </p:spTree>
+    <p:extLst>
+      <p:ext uri="{BB962C8B-B14F-4D97-AF65-F5344CB8AC3E}">
+        <p14:creationId xmlns:p14="http://schemas.microsoft.com/office/powerpoint/2010/main" val="1285639726"/>
+      </p:ext>
+    </p:extLst>
+  </p:cSld>
+  <p:clrMapOvr>
+    <a:masterClrMapping/>
+  </p:clrMapOvr>
+</p:notes>
+</file>
+
+<file path=ppt/notesSlides/notesSlide35.xml><?xml version="1.0" encoding="utf-8"?>
+<p:notes xmlns:a="http://schemas.openxmlformats.org/drawingml/2006/main" xmlns:r="http://schemas.openxmlformats.org/officeDocument/2006/relationships" xmlns:p="http://schemas.openxmlformats.org/presentationml/2006/main">
+  <p:cSld>
+    <p:spTree>
+      <p:nvGrpSpPr>
+        <p:cNvPr id="1" name=""/>
+        <p:cNvGrpSpPr/>
+        <p:nvPr/>
+      </p:nvGrpSpPr>
+      <p:grpSpPr>
+        <a:xfrm>
+          <a:off x="0" y="0"/>
+          <a:ext cx="0" cy="0"/>
+          <a:chOff x="0" y="0"/>
+          <a:chExt cx="0" cy="0"/>
+        </a:xfrm>
+      </p:grpSpPr>
+      <p:sp>
+        <p:nvSpPr>
+          <p:cNvPr id="2" name="Folienbildplatzhalter 1"/>
+          <p:cNvSpPr>
+            <a:spLocks noGrp="1" noRot="1" noChangeAspect="1"/>
+          </p:cNvSpPr>
+          <p:nvPr>
+            <p:ph type="sldImg"/>
+          </p:nvPr>
+        </p:nvSpPr>
+        <p:spPr/>
+      </p:sp>
+      <p:sp>
+        <p:nvSpPr>
+          <p:cNvPr id="3" name="Notizenplatzhalter 2"/>
+          <p:cNvSpPr>
+            <a:spLocks noGrp="1"/>
+          </p:cNvSpPr>
+          <p:nvPr>
+            <p:ph type="body" idx="1"/>
+          </p:nvPr>
+        </p:nvSpPr>
+        <p:spPr/>
+        <p:txBody>
+          <a:bodyPr/>
+          <a:lstStyle/>
+          <a:p>
+            <a:endParaRPr lang="de-DE" dirty="0"/>
+          </a:p>
+        </p:txBody>
+      </p:sp>
+      <p:sp>
+        <p:nvSpPr>
+          <p:cNvPr id="4" name="Foliennummernplatzhalter 3"/>
+          <p:cNvSpPr>
+            <a:spLocks noGrp="1"/>
+          </p:cNvSpPr>
+          <p:nvPr>
+            <p:ph type="sldNum" sz="quarter" idx="5"/>
+          </p:nvPr>
+        </p:nvSpPr>
+        <p:spPr/>
+        <p:txBody>
+          <a:bodyPr/>
+          <a:lstStyle/>
+          <a:p>
+            <a:fld id="{85BE2706-9A15-4246-83E1-02ACE4745362}" type="slidenum">
+              <a:rPr lang="de-DE" smtClean="0"/>
+              <a:t>38</a:t>
+            </a:fld>
+            <a:endParaRPr lang="de-DE"/>
+          </a:p>
+        </p:txBody>
+      </p:sp>
+    </p:spTree>
+    <p:extLst>
+      <p:ext uri="{BB962C8B-B14F-4D97-AF65-F5344CB8AC3E}">
+        <p14:creationId xmlns:p14="http://schemas.microsoft.com/office/powerpoint/2010/main" val="2854241462"/>
+      </p:ext>
+    </p:extLst>
+  </p:cSld>
+  <p:clrMapOvr>
+    <a:masterClrMapping/>
+  </p:clrMapOvr>
+</p:notes>
+</file>
+
+<file path=ppt/notesSlides/notesSlide36.xml><?xml version="1.0" encoding="utf-8"?>
+<p:notes xmlns:a="http://schemas.openxmlformats.org/drawingml/2006/main" xmlns:r="http://schemas.openxmlformats.org/officeDocument/2006/relationships" xmlns:p="http://schemas.openxmlformats.org/presentationml/2006/main">
+  <p:cSld>
+    <p:spTree>
+      <p:nvGrpSpPr>
+        <p:cNvPr id="1" name=""/>
+        <p:cNvGrpSpPr/>
+        <p:nvPr/>
+      </p:nvGrpSpPr>
+      <p:grpSpPr>
+        <a:xfrm>
+          <a:off x="0" y="0"/>
+          <a:ext cx="0" cy="0"/>
+          <a:chOff x="0" y="0"/>
+          <a:chExt cx="0" cy="0"/>
+        </a:xfrm>
+      </p:grpSpPr>
+      <p:sp>
+        <p:nvSpPr>
+          <p:cNvPr id="2" name="Folienbildplatzhalter 1"/>
+          <p:cNvSpPr>
+            <a:spLocks noGrp="1" noRot="1" noChangeAspect="1"/>
+          </p:cNvSpPr>
+          <p:nvPr>
+            <p:ph type="sldImg"/>
+          </p:nvPr>
+        </p:nvSpPr>
+        <p:spPr/>
+      </p:sp>
+      <p:sp>
+        <p:nvSpPr>
+          <p:cNvPr id="3" name="Notizenplatzhalter 2"/>
+          <p:cNvSpPr>
+            <a:spLocks noGrp="1"/>
+          </p:cNvSpPr>
+          <p:nvPr>
+            <p:ph type="body" idx="1"/>
+          </p:nvPr>
+        </p:nvSpPr>
+        <p:spPr/>
+        <p:txBody>
+          <a:bodyPr/>
+          <a:lstStyle/>
+          <a:p>
+            <a:r>
+              <a:rPr lang="de-DE" dirty="0"/>
+              <a:t>Alle Informationen über </a:t>
+            </a:r>
+            <a:r>
+              <a:rPr lang="de-DE" dirty="0" err="1"/>
+              <a:t>Cirq</a:t>
+            </a:r>
+            <a:r>
+              <a:rPr lang="de-DE" dirty="0"/>
+              <a:t> stammen aus der Dokumentation der Bibliothek.</a:t>
+            </a:r>
+          </a:p>
+          <a:p>
+            <a:endParaRPr lang="de-DE" dirty="0"/>
+          </a:p>
+          <a:p>
+            <a:r>
+              <a:rPr lang="de-DE" dirty="0"/>
+              <a:t>Die mit [2] gekennzeichneten Bilder stammen aus dem Skript von Prof. Dr. Jörg </a:t>
+            </a:r>
+            <a:r>
+              <a:rPr lang="de-DE" dirty="0" err="1"/>
+              <a:t>Hettel</a:t>
+            </a:r>
+            <a:r>
+              <a:rPr lang="de-DE" dirty="0"/>
+              <a:t> – Quantum Computing and Information, Kapitel Quantum </a:t>
+            </a:r>
+            <a:r>
+              <a:rPr lang="de-DE" dirty="0" err="1"/>
+              <a:t>Algorithms</a:t>
+            </a:r>
+            <a:r>
+              <a:rPr lang="de-DE" dirty="0"/>
+              <a:t>.</a:t>
+            </a:r>
+          </a:p>
+        </p:txBody>
+      </p:sp>
+      <p:sp>
+        <p:nvSpPr>
+          <p:cNvPr id="4" name="Foliennummernplatzhalter 3"/>
+          <p:cNvSpPr>
+            <a:spLocks noGrp="1"/>
+          </p:cNvSpPr>
+          <p:nvPr>
+            <p:ph type="sldNum" sz="quarter" idx="5"/>
+          </p:nvPr>
+        </p:nvSpPr>
+        <p:spPr/>
+        <p:txBody>
+          <a:bodyPr/>
+          <a:lstStyle/>
+          <a:p>
+            <a:fld id="{85BE2706-9A15-4246-83E1-02ACE4745362}" type="slidenum">
+              <a:rPr lang="de-DE" smtClean="0"/>
+              <a:t>39</a:t>
+            </a:fld>
+            <a:endParaRPr lang="de-DE"/>
+          </a:p>
+        </p:txBody>
+      </p:sp>
+    </p:spTree>
+    <p:extLst>
+      <p:ext uri="{BB962C8B-B14F-4D97-AF65-F5344CB8AC3E}">
+        <p14:creationId xmlns:p14="http://schemas.microsoft.com/office/powerpoint/2010/main" val="2321840780"/>
+      </p:ext>
+    </p:extLst>
+  </p:cSld>
+  <p:clrMapOvr>
+    <a:masterClrMapping/>
+  </p:clrMapOvr>
+</p:notes>
+</file>
+
+<file path=ppt/notesSlides/notesSlide4.xml><?xml version="1.0" encoding="utf-8"?>
+<p:notes xmlns:a="http://schemas.openxmlformats.org/drawingml/2006/main" xmlns:r="http://schemas.openxmlformats.org/officeDocument/2006/relationships" xmlns:p="http://schemas.openxmlformats.org/presentationml/2006/main">
+  <p:cSld>
+    <p:spTree>
+      <p:nvGrpSpPr>
+        <p:cNvPr id="1" name=""/>
+        <p:cNvGrpSpPr/>
+        <p:nvPr/>
+      </p:nvGrpSpPr>
+      <p:grpSpPr>
+        <a:xfrm>
+          <a:off x="0" y="0"/>
+          <a:ext cx="0" cy="0"/>
+          <a:chOff x="0" y="0"/>
+          <a:chExt cx="0" cy="0"/>
+        </a:xfrm>
+      </p:grpSpPr>
+      <p:sp>
+        <p:nvSpPr>
+          <p:cNvPr id="2" name="Folienbildplatzhalter 1"/>
+          <p:cNvSpPr>
+            <a:spLocks noGrp="1" noRot="1" noChangeAspect="1"/>
+          </p:cNvSpPr>
+          <p:nvPr>
+            <p:ph type="sldImg"/>
+          </p:nvPr>
+        </p:nvSpPr>
+        <p:spPr/>
+      </p:sp>
+      <p:sp>
+        <p:nvSpPr>
+          <p:cNvPr id="3" name="Notizenplatzhalter 2"/>
+          <p:cNvSpPr>
+            <a:spLocks noGrp="1"/>
+          </p:cNvSpPr>
+          <p:nvPr>
+            <p:ph type="body" idx="1"/>
+          </p:nvPr>
+        </p:nvSpPr>
+        <p:spPr/>
+        <p:txBody>
+          <a:bodyPr/>
+          <a:lstStyle/>
+          <a:p>
+            <a:r>
+              <a:rPr lang="de-DE" dirty="0"/>
+              <a:t>Da </a:t>
+            </a:r>
+            <a:r>
+              <a:rPr lang="de-DE" dirty="0" err="1"/>
+              <a:t>Cirq</a:t>
+            </a:r>
+            <a:r>
+              <a:rPr lang="de-DE" dirty="0"/>
+              <a:t> sehr ähnlich zu </a:t>
+            </a:r>
+            <a:r>
+              <a:rPr lang="de-DE" dirty="0" err="1"/>
+              <a:t>IBM‘s</a:t>
+            </a:r>
+            <a:r>
+              <a:rPr lang="de-DE" dirty="0"/>
+              <a:t> </a:t>
+            </a:r>
+            <a:r>
+              <a:rPr lang="de-DE" dirty="0" err="1"/>
+              <a:t>Qiskit</a:t>
+            </a:r>
+            <a:r>
+              <a:rPr lang="de-DE" dirty="0"/>
+              <a:t> ist, wird der der Aufbau des Schaltkreises zuerst mit </a:t>
+            </a:r>
+            <a:r>
+              <a:rPr lang="de-DE" dirty="0" err="1"/>
+              <a:t>Qiskit</a:t>
+            </a:r>
+            <a:r>
+              <a:rPr lang="de-DE" dirty="0"/>
+              <a:t> gezeigt.</a:t>
+            </a:r>
+          </a:p>
+          <a:p>
+            <a:endParaRPr lang="de-DE" dirty="0"/>
+          </a:p>
+          <a:p>
+            <a:r>
+              <a:rPr lang="de-DE" dirty="0"/>
+              <a:t>Es wird ein neuer </a:t>
+            </a:r>
+            <a:r>
+              <a:rPr lang="de-DE" dirty="0" err="1"/>
+              <a:t>QuantumCircuit</a:t>
+            </a:r>
+            <a:r>
+              <a:rPr lang="de-DE" dirty="0"/>
+              <a:t> erstellt. Der erste Parameter gibt die Anzahl der </a:t>
+            </a:r>
+            <a:r>
+              <a:rPr lang="de-DE" dirty="0" err="1"/>
+              <a:t>Qubits</a:t>
+            </a:r>
+            <a:r>
+              <a:rPr lang="de-DE" dirty="0"/>
+              <a:t> an. Der zweite Parameter die Anzahl der klassischen Bits, auf die die Messung später dargestellt wird.</a:t>
+            </a:r>
+          </a:p>
+          <a:p>
+            <a:endParaRPr lang="de-DE" dirty="0"/>
+          </a:p>
+          <a:p>
+            <a:r>
+              <a:rPr lang="de-DE" dirty="0"/>
+              <a:t>Für das NOT-Gatter genügt der Einsatz der Methode x(). Als Parameter wird der Index des gewünschten </a:t>
+            </a:r>
+            <a:r>
+              <a:rPr lang="de-DE" dirty="0" err="1"/>
+              <a:t>Qubits</a:t>
+            </a:r>
+            <a:r>
+              <a:rPr lang="de-DE" dirty="0"/>
+              <a:t> angegeben.</a:t>
+            </a:r>
+          </a:p>
+          <a:p>
+            <a:endParaRPr lang="de-DE" dirty="0"/>
+          </a:p>
+          <a:p>
+            <a:r>
+              <a:rPr lang="de-DE" dirty="0"/>
+              <a:t>Für das </a:t>
+            </a:r>
+            <a:r>
+              <a:rPr lang="de-DE" dirty="0" err="1"/>
+              <a:t>Measure</a:t>
+            </a:r>
+            <a:r>
+              <a:rPr lang="de-DE" dirty="0"/>
+              <a:t>-Gatter wird die Methode </a:t>
+            </a:r>
+            <a:r>
+              <a:rPr lang="de-DE" dirty="0" err="1"/>
+              <a:t>measure</a:t>
+            </a:r>
+            <a:r>
+              <a:rPr lang="de-DE" dirty="0"/>
+              <a:t>() aufgerufen. Als ersten Parameter wird ein Array mit den Indizes der gewünschten </a:t>
+            </a:r>
+            <a:r>
+              <a:rPr lang="de-DE" dirty="0" err="1"/>
+              <a:t>Qubits</a:t>
+            </a:r>
+            <a:r>
+              <a:rPr lang="de-DE" dirty="0"/>
+              <a:t> angegeben, auf die das Gatter angewandt werden soll. Der zweite Parameter ist ein Array mit den Indizes der </a:t>
+            </a:r>
+            <a:r>
+              <a:rPr lang="de-DE" dirty="0" err="1"/>
+              <a:t>kalssischen</a:t>
+            </a:r>
+            <a:r>
+              <a:rPr lang="de-DE" dirty="0"/>
+              <a:t> Bits, auf denen die Messung ausgegeben werden soll.</a:t>
+            </a:r>
+          </a:p>
+          <a:p>
+            <a:endParaRPr lang="de-DE" dirty="0"/>
+          </a:p>
+          <a:p>
+            <a:r>
+              <a:rPr lang="de-DE" dirty="0"/>
+              <a:t>Im Anschluss wird über die Methode </a:t>
+            </a:r>
+            <a:r>
+              <a:rPr lang="de-DE" dirty="0" err="1"/>
+              <a:t>draw</a:t>
+            </a:r>
+            <a:r>
+              <a:rPr lang="de-DE" dirty="0"/>
+              <a:t>() unser Schaltkreis gezeichnet.</a:t>
+            </a:r>
+          </a:p>
+        </p:txBody>
+      </p:sp>
+      <p:sp>
+        <p:nvSpPr>
+          <p:cNvPr id="4" name="Foliennummernplatzhalter 3"/>
+          <p:cNvSpPr>
+            <a:spLocks noGrp="1"/>
+          </p:cNvSpPr>
+          <p:nvPr>
+            <p:ph type="sldNum" sz="quarter" idx="5"/>
+          </p:nvPr>
+        </p:nvSpPr>
+        <p:spPr/>
+        <p:txBody>
+          <a:bodyPr/>
+          <a:lstStyle/>
+          <a:p>
+            <a:fld id="{85BE2706-9A15-4246-83E1-02ACE4745362}" type="slidenum">
+              <a:rPr lang="de-DE" smtClean="0"/>
+              <a:t>6</a:t>
+            </a:fld>
+            <a:endParaRPr lang="de-DE"/>
+          </a:p>
+        </p:txBody>
+      </p:sp>
+    </p:spTree>
+    <p:extLst>
+      <p:ext uri="{BB962C8B-B14F-4D97-AF65-F5344CB8AC3E}">
+        <p14:creationId xmlns:p14="http://schemas.microsoft.com/office/powerpoint/2010/main" val="2615337843"/>
+      </p:ext>
+    </p:extLst>
+  </p:cSld>
+  <p:clrMapOvr>
+    <a:masterClrMapping/>
+  </p:clrMapOvr>
+</p:notes>
+</file>
+
+<file path=ppt/notesSlides/notesSlide5.xml><?xml version="1.0" encoding="utf-8"?>
+<p:notes xmlns:a="http://schemas.openxmlformats.org/drawingml/2006/main" xmlns:r="http://schemas.openxmlformats.org/officeDocument/2006/relationships" xmlns:p="http://schemas.openxmlformats.org/presentationml/2006/main">
+  <p:cSld>
+    <p:spTree>
+      <p:nvGrpSpPr>
+        <p:cNvPr id="1" name=""/>
+        <p:cNvGrpSpPr/>
+        <p:nvPr/>
+      </p:nvGrpSpPr>
+      <p:grpSpPr>
+        <a:xfrm>
+          <a:off x="0" y="0"/>
+          <a:ext cx="0" cy="0"/>
+          <a:chOff x="0" y="0"/>
+          <a:chExt cx="0" cy="0"/>
+        </a:xfrm>
+      </p:grpSpPr>
+      <p:sp>
+        <p:nvSpPr>
+          <p:cNvPr id="2" name="Folienbildplatzhalter 1"/>
+          <p:cNvSpPr>
+            <a:spLocks noGrp="1" noRot="1" noChangeAspect="1"/>
+          </p:cNvSpPr>
+          <p:nvPr>
+            <p:ph type="sldImg"/>
+          </p:nvPr>
+        </p:nvSpPr>
+        <p:spPr/>
+      </p:sp>
+      <p:sp>
+        <p:nvSpPr>
+          <p:cNvPr id="3" name="Notizenplatzhalter 2"/>
+          <p:cNvSpPr>
+            <a:spLocks noGrp="1"/>
+          </p:cNvSpPr>
+          <p:nvPr>
+            <p:ph type="body" idx="1"/>
+          </p:nvPr>
+        </p:nvSpPr>
+        <p:spPr/>
+        <p:txBody>
+          <a:bodyPr/>
+          <a:lstStyle/>
+          <a:p>
+            <a:r>
+              <a:rPr lang="de-DE" dirty="0"/>
+              <a:t>Diese Folie stellt die Zeichnung des Schaltkreises in </a:t>
+            </a:r>
+            <a:r>
+              <a:rPr lang="de-DE" dirty="0" err="1"/>
+              <a:t>Qiskit</a:t>
+            </a:r>
+            <a:r>
+              <a:rPr lang="de-DE" dirty="0"/>
+              <a:t> dar. Verglichen wird mit der Darstellung die wir aus der VL kennen.</a:t>
+            </a:r>
+          </a:p>
+        </p:txBody>
+      </p:sp>
+      <p:sp>
+        <p:nvSpPr>
+          <p:cNvPr id="4" name="Foliennummernplatzhalter 3"/>
+          <p:cNvSpPr>
+            <a:spLocks noGrp="1"/>
+          </p:cNvSpPr>
+          <p:nvPr>
+            <p:ph type="sldNum" sz="quarter" idx="5"/>
+          </p:nvPr>
+        </p:nvSpPr>
+        <p:spPr/>
+        <p:txBody>
+          <a:bodyPr/>
+          <a:lstStyle/>
+          <a:p>
+            <a:fld id="{85BE2706-9A15-4246-83E1-02ACE4745362}" type="slidenum">
+              <a:rPr lang="de-DE" smtClean="0"/>
+              <a:t>7</a:t>
+            </a:fld>
+            <a:endParaRPr lang="de-DE"/>
+          </a:p>
+        </p:txBody>
+      </p:sp>
+    </p:spTree>
+    <p:extLst>
+      <p:ext uri="{BB962C8B-B14F-4D97-AF65-F5344CB8AC3E}">
+        <p14:creationId xmlns:p14="http://schemas.microsoft.com/office/powerpoint/2010/main" val="638350751"/>
+      </p:ext>
+    </p:extLst>
+  </p:cSld>
+  <p:clrMapOvr>
+    <a:masterClrMapping/>
+  </p:clrMapOvr>
+</p:notes>
+</file>
+
+<file path=ppt/notesSlides/notesSlide6.xml><?xml version="1.0" encoding="utf-8"?>
+<p:notes xmlns:a="http://schemas.openxmlformats.org/drawingml/2006/main" xmlns:r="http://schemas.openxmlformats.org/officeDocument/2006/relationships" xmlns:p="http://schemas.openxmlformats.org/presentationml/2006/main">
+  <p:cSld>
+    <p:spTree>
+      <p:nvGrpSpPr>
+        <p:cNvPr id="1" name=""/>
+        <p:cNvGrpSpPr/>
+        <p:nvPr/>
+      </p:nvGrpSpPr>
+      <p:grpSpPr>
+        <a:xfrm>
+          <a:off x="0" y="0"/>
+          <a:ext cx="0" cy="0"/>
+          <a:chOff x="0" y="0"/>
+          <a:chExt cx="0" cy="0"/>
+        </a:xfrm>
+      </p:grpSpPr>
+      <p:sp>
+        <p:nvSpPr>
+          <p:cNvPr id="2" name="Folienbildplatzhalter 1"/>
+          <p:cNvSpPr>
+            <a:spLocks noGrp="1" noRot="1" noChangeAspect="1"/>
+          </p:cNvSpPr>
+          <p:nvPr>
+            <p:ph type="sldImg"/>
+          </p:nvPr>
+        </p:nvSpPr>
+        <p:spPr/>
+      </p:sp>
+      <p:sp>
+        <p:nvSpPr>
+          <p:cNvPr id="3" name="Notizenplatzhalter 2"/>
+          <p:cNvSpPr>
+            <a:spLocks noGrp="1"/>
+          </p:cNvSpPr>
+          <p:nvPr>
+            <p:ph type="body" idx="1"/>
+          </p:nvPr>
+        </p:nvSpPr>
+        <p:spPr/>
+        <p:txBody>
+          <a:bodyPr/>
+          <a:lstStyle/>
+          <a:p>
+            <a:r>
+              <a:rPr lang="de-DE" dirty="0"/>
+              <a:t>Der gleiche Schaltkreis wird nun mit </a:t>
+            </a:r>
+            <a:r>
+              <a:rPr lang="de-DE" dirty="0" err="1"/>
+              <a:t>Cirq</a:t>
+            </a:r>
+            <a:r>
+              <a:rPr lang="de-DE" dirty="0"/>
+              <a:t> gebaut.</a:t>
+            </a:r>
+          </a:p>
+          <a:p>
+            <a:endParaRPr lang="de-DE" dirty="0"/>
+          </a:p>
+          <a:p>
+            <a:r>
+              <a:rPr lang="de-DE" dirty="0"/>
+              <a:t>In </a:t>
+            </a:r>
+            <a:r>
+              <a:rPr lang="de-DE" dirty="0" err="1"/>
+              <a:t>Cirq</a:t>
+            </a:r>
+            <a:r>
+              <a:rPr lang="de-DE" dirty="0"/>
+              <a:t> können die </a:t>
+            </a:r>
+            <a:r>
+              <a:rPr lang="de-DE" dirty="0" err="1"/>
+              <a:t>Qubits</a:t>
+            </a:r>
+            <a:r>
+              <a:rPr lang="de-DE" dirty="0"/>
+              <a:t> über </a:t>
+            </a:r>
+            <a:r>
+              <a:rPr lang="de-DE" dirty="0" err="1"/>
+              <a:t>LineQubit</a:t>
+            </a:r>
+            <a:r>
+              <a:rPr lang="de-DE" dirty="0"/>
+              <a:t>() einzeln erstellt werden. Der Parameter gibt die Position im Schaltkreis an.</a:t>
+            </a:r>
+          </a:p>
+          <a:p>
+            <a:endParaRPr lang="de-DE" dirty="0"/>
+          </a:p>
+          <a:p>
+            <a:r>
+              <a:rPr lang="de-DE" dirty="0"/>
+              <a:t>Im Anschluss wird zuerst der eigentliche Schaltkreis erstellt.</a:t>
+            </a:r>
+          </a:p>
+          <a:p>
+            <a:endParaRPr lang="de-DE" dirty="0"/>
+          </a:p>
+          <a:p>
+            <a:r>
+              <a:rPr lang="de-DE" dirty="0"/>
+              <a:t>Jetzt können wir mit der Methode </a:t>
+            </a:r>
+            <a:r>
+              <a:rPr lang="de-DE" dirty="0" err="1"/>
+              <a:t>append</a:t>
+            </a:r>
+            <a:r>
+              <a:rPr lang="de-DE" dirty="0"/>
+              <a:t>() unsere gewünschten Gatter hinzufügen.</a:t>
+            </a:r>
+          </a:p>
+          <a:p>
+            <a:endParaRPr lang="de-DE" dirty="0"/>
+          </a:p>
+          <a:p>
+            <a:r>
+              <a:rPr lang="de-DE" dirty="0"/>
+              <a:t>Bei </a:t>
+            </a:r>
+            <a:r>
+              <a:rPr lang="de-DE" dirty="0" err="1"/>
+              <a:t>Cirq</a:t>
+            </a:r>
+            <a:r>
+              <a:rPr lang="de-DE" dirty="0"/>
+              <a:t> ist das NOT-Gatter ein großes X(). Als Parameter wird das gewünschte </a:t>
+            </a:r>
+            <a:r>
+              <a:rPr lang="de-DE" dirty="0" err="1"/>
+              <a:t>Qubit</a:t>
+            </a:r>
+            <a:r>
+              <a:rPr lang="de-DE" dirty="0"/>
+              <a:t> angegeben. Für unsere Messung das Gleiche.</a:t>
+            </a:r>
+          </a:p>
+          <a:p>
+            <a:endParaRPr lang="de-DE" dirty="0"/>
+          </a:p>
+          <a:p>
+            <a:r>
+              <a:rPr lang="de-DE" dirty="0"/>
+              <a:t>Unseren Schaltkreis können wir jetzt über </a:t>
+            </a:r>
+            <a:r>
+              <a:rPr lang="de-DE" dirty="0" err="1"/>
+              <a:t>print</a:t>
+            </a:r>
+            <a:r>
+              <a:rPr lang="de-DE" dirty="0"/>
+              <a:t>() ausgeben.</a:t>
+            </a:r>
+          </a:p>
+        </p:txBody>
+      </p:sp>
+      <p:sp>
+        <p:nvSpPr>
+          <p:cNvPr id="4" name="Foliennummernplatzhalter 3"/>
+          <p:cNvSpPr>
+            <a:spLocks noGrp="1"/>
+          </p:cNvSpPr>
+          <p:nvPr>
+            <p:ph type="sldNum" sz="quarter" idx="5"/>
+          </p:nvPr>
+        </p:nvSpPr>
+        <p:spPr/>
+        <p:txBody>
+          <a:bodyPr/>
+          <a:lstStyle/>
+          <a:p>
+            <a:fld id="{85BE2706-9A15-4246-83E1-02ACE4745362}" type="slidenum">
+              <a:rPr lang="de-DE" smtClean="0"/>
+              <a:t>8</a:t>
+            </a:fld>
+            <a:endParaRPr lang="de-DE"/>
+          </a:p>
+        </p:txBody>
+      </p:sp>
+    </p:spTree>
+    <p:extLst>
+      <p:ext uri="{BB962C8B-B14F-4D97-AF65-F5344CB8AC3E}">
+        <p14:creationId xmlns:p14="http://schemas.microsoft.com/office/powerpoint/2010/main" val="1687914255"/>
+      </p:ext>
+    </p:extLst>
+  </p:cSld>
+  <p:clrMapOvr>
+    <a:masterClrMapping/>
+  </p:clrMapOvr>
+</p:notes>
+</file>
+
+<file path=ppt/notesSlides/notesSlide7.xml><?xml version="1.0" encoding="utf-8"?>
+<p:notes xmlns:a="http://schemas.openxmlformats.org/drawingml/2006/main" xmlns:r="http://schemas.openxmlformats.org/officeDocument/2006/relationships" xmlns:p="http://schemas.openxmlformats.org/presentationml/2006/main">
+  <p:cSld>
+    <p:spTree>
+      <p:nvGrpSpPr>
+        <p:cNvPr id="1" name=""/>
+        <p:cNvGrpSpPr/>
+        <p:nvPr/>
+      </p:nvGrpSpPr>
+      <p:grpSpPr>
+        <a:xfrm>
+          <a:off x="0" y="0"/>
+          <a:ext cx="0" cy="0"/>
+          <a:chOff x="0" y="0"/>
+          <a:chExt cx="0" cy="0"/>
+        </a:xfrm>
+      </p:grpSpPr>
+      <p:sp>
+        <p:nvSpPr>
+          <p:cNvPr id="2" name="Folienbildplatzhalter 1"/>
+          <p:cNvSpPr>
+            <a:spLocks noGrp="1" noRot="1" noChangeAspect="1"/>
+          </p:cNvSpPr>
+          <p:nvPr>
+            <p:ph type="sldImg"/>
+          </p:nvPr>
+        </p:nvSpPr>
+        <p:spPr/>
+      </p:sp>
+      <p:sp>
+        <p:nvSpPr>
+          <p:cNvPr id="3" name="Notizenplatzhalter 2"/>
+          <p:cNvSpPr>
+            <a:spLocks noGrp="1"/>
+          </p:cNvSpPr>
+          <p:nvPr>
+            <p:ph type="body" idx="1"/>
+          </p:nvPr>
+        </p:nvSpPr>
+        <p:spPr/>
+        <p:txBody>
+          <a:bodyPr/>
+          <a:lstStyle/>
+          <a:p>
+            <a:r>
+              <a:rPr lang="de-DE" dirty="0"/>
+              <a:t>Diese Folie stellt die Zeichnung des Schaltkreises in </a:t>
+            </a:r>
+            <a:r>
+              <a:rPr lang="de-DE" dirty="0" err="1"/>
+              <a:t>Cirq</a:t>
+            </a:r>
+            <a:r>
+              <a:rPr lang="de-DE" dirty="0"/>
+              <a:t> dar. Verglichen wird mit der Darstellung die wir aus der VL kennen.</a:t>
+            </a:r>
+          </a:p>
+        </p:txBody>
+      </p:sp>
+      <p:sp>
+        <p:nvSpPr>
+          <p:cNvPr id="4" name="Foliennummernplatzhalter 3"/>
+          <p:cNvSpPr>
+            <a:spLocks noGrp="1"/>
+          </p:cNvSpPr>
+          <p:nvPr>
+            <p:ph type="sldNum" sz="quarter" idx="5"/>
+          </p:nvPr>
+        </p:nvSpPr>
+        <p:spPr/>
+        <p:txBody>
+          <a:bodyPr/>
+          <a:lstStyle/>
+          <a:p>
+            <a:fld id="{85BE2706-9A15-4246-83E1-02ACE4745362}" type="slidenum">
+              <a:rPr lang="de-DE" smtClean="0"/>
+              <a:t>9</a:t>
+            </a:fld>
+            <a:endParaRPr lang="de-DE"/>
+          </a:p>
+        </p:txBody>
+      </p:sp>
+    </p:spTree>
+    <p:extLst>
+      <p:ext uri="{BB962C8B-B14F-4D97-AF65-F5344CB8AC3E}">
+        <p14:creationId xmlns:p14="http://schemas.microsoft.com/office/powerpoint/2010/main" val="3436134091"/>
+      </p:ext>
+    </p:extLst>
+  </p:cSld>
+  <p:clrMapOvr>
+    <a:masterClrMapping/>
+  </p:clrMapOvr>
+</p:notes>
+</file>
+
+<file path=ppt/notesSlides/notesSlide8.xml><?xml version="1.0" encoding="utf-8"?>
+<p:notes xmlns:a="http://schemas.openxmlformats.org/drawingml/2006/main" xmlns:r="http://schemas.openxmlformats.org/officeDocument/2006/relationships" xmlns:p="http://schemas.openxmlformats.org/presentationml/2006/main">
+  <p:cSld>
+    <p:spTree>
+      <p:nvGrpSpPr>
+        <p:cNvPr id="1" name=""/>
+        <p:cNvGrpSpPr/>
+        <p:nvPr/>
+      </p:nvGrpSpPr>
+      <p:grpSpPr>
+        <a:xfrm>
+          <a:off x="0" y="0"/>
+          <a:ext cx="0" cy="0"/>
+          <a:chOff x="0" y="0"/>
+          <a:chExt cx="0" cy="0"/>
+        </a:xfrm>
+      </p:grpSpPr>
+      <p:sp>
+        <p:nvSpPr>
+          <p:cNvPr id="2" name="Folienbildplatzhalter 1"/>
+          <p:cNvSpPr>
+            <a:spLocks noGrp="1" noRot="1" noChangeAspect="1"/>
+          </p:cNvSpPr>
+          <p:nvPr>
+            <p:ph type="sldImg"/>
+          </p:nvPr>
+        </p:nvSpPr>
+        <p:spPr/>
+      </p:sp>
+      <p:sp>
+        <p:nvSpPr>
+          <p:cNvPr id="3" name="Notizenplatzhalter 2"/>
+          <p:cNvSpPr>
+            <a:spLocks noGrp="1"/>
+          </p:cNvSpPr>
+          <p:nvPr>
+            <p:ph type="body" idx="1"/>
+          </p:nvPr>
+        </p:nvSpPr>
+        <p:spPr/>
+        <p:txBody>
+          <a:bodyPr/>
+          <a:lstStyle/>
+          <a:p>
+            <a:r>
+              <a:rPr lang="de-DE" dirty="0"/>
+              <a:t>Der nächste Schaltkreis den wir uns anschauen möchten ist CNOT mit anschließender Messung.</a:t>
+            </a:r>
+          </a:p>
+        </p:txBody>
+      </p:sp>
+      <p:sp>
+        <p:nvSpPr>
+          <p:cNvPr id="4" name="Foliennummernplatzhalter 3"/>
+          <p:cNvSpPr>
+            <a:spLocks noGrp="1"/>
+          </p:cNvSpPr>
+          <p:nvPr>
+            <p:ph type="sldNum" sz="quarter" idx="5"/>
+          </p:nvPr>
+        </p:nvSpPr>
+        <p:spPr/>
+        <p:txBody>
+          <a:bodyPr/>
+          <a:lstStyle/>
+          <a:p>
+            <a:fld id="{85BE2706-9A15-4246-83E1-02ACE4745362}" type="slidenum">
+              <a:rPr lang="de-DE" smtClean="0"/>
+              <a:t>10</a:t>
+            </a:fld>
+            <a:endParaRPr lang="de-DE"/>
+          </a:p>
+        </p:txBody>
+      </p:sp>
+    </p:spTree>
+    <p:extLst>
+      <p:ext uri="{BB962C8B-B14F-4D97-AF65-F5344CB8AC3E}">
+        <p14:creationId xmlns:p14="http://schemas.microsoft.com/office/powerpoint/2010/main" val="3644750475"/>
+      </p:ext>
+    </p:extLst>
+  </p:cSld>
+  <p:clrMapOvr>
+    <a:masterClrMapping/>
+  </p:clrMapOvr>
+</p:notes>
+</file>
+
+<file path=ppt/notesSlides/notesSlide9.xml><?xml version="1.0" encoding="utf-8"?>
+<p:notes xmlns:a="http://schemas.openxmlformats.org/drawingml/2006/main" xmlns:r="http://schemas.openxmlformats.org/officeDocument/2006/relationships" xmlns:p="http://schemas.openxmlformats.org/presentationml/2006/main">
+  <p:cSld>
+    <p:spTree>
+      <p:nvGrpSpPr>
+        <p:cNvPr id="1" name=""/>
+        <p:cNvGrpSpPr/>
+        <p:nvPr/>
+      </p:nvGrpSpPr>
+      <p:grpSpPr>
+        <a:xfrm>
+          <a:off x="0" y="0"/>
+          <a:ext cx="0" cy="0"/>
+          <a:chOff x="0" y="0"/>
+          <a:chExt cx="0" cy="0"/>
+        </a:xfrm>
+      </p:grpSpPr>
+      <p:sp>
+        <p:nvSpPr>
+          <p:cNvPr id="2" name="Folienbildplatzhalter 1"/>
+          <p:cNvSpPr>
+            <a:spLocks noGrp="1" noRot="1" noChangeAspect="1"/>
+          </p:cNvSpPr>
+          <p:nvPr>
+            <p:ph type="sldImg"/>
+          </p:nvPr>
+        </p:nvSpPr>
+        <p:spPr/>
+      </p:sp>
+      <p:sp>
+        <p:nvSpPr>
+          <p:cNvPr id="3" name="Notizenplatzhalter 2"/>
+          <p:cNvSpPr>
+            <a:spLocks noGrp="1"/>
+          </p:cNvSpPr>
+          <p:nvPr>
+            <p:ph type="body" idx="1"/>
+          </p:nvPr>
+        </p:nvSpPr>
+        <p:spPr/>
+        <p:txBody>
+          <a:bodyPr/>
+          <a:lstStyle/>
+          <a:p>
+            <a:r>
+              <a:rPr lang="de-DE" dirty="0"/>
+              <a:t>Die Vorgehensweise in </a:t>
+            </a:r>
+            <a:r>
+              <a:rPr lang="de-DE" dirty="0" err="1"/>
+              <a:t>Qiskit</a:t>
+            </a:r>
+            <a:r>
+              <a:rPr lang="de-DE" dirty="0"/>
+              <a:t> ist dabei fast identisch zu der für den vorherigen Schaltkreis.</a:t>
+            </a:r>
+          </a:p>
+          <a:p>
+            <a:endParaRPr lang="de-DE" dirty="0"/>
+          </a:p>
+          <a:p>
+            <a:r>
+              <a:rPr lang="de-DE" dirty="0"/>
+              <a:t>Allerdings benötigen wir nun zwei </a:t>
+            </a:r>
+            <a:r>
+              <a:rPr lang="de-DE" dirty="0" err="1"/>
+              <a:t>Qubits</a:t>
+            </a:r>
+            <a:r>
+              <a:rPr lang="de-DE" dirty="0"/>
+              <a:t> und nur ein klassisches Bit, da auch nur ein </a:t>
+            </a:r>
+            <a:r>
+              <a:rPr lang="de-DE" dirty="0" err="1"/>
+              <a:t>Qubit</a:t>
+            </a:r>
+            <a:r>
+              <a:rPr lang="de-DE" dirty="0"/>
+              <a:t> gemessen wird.</a:t>
+            </a:r>
+          </a:p>
+          <a:p>
+            <a:endParaRPr lang="de-DE" dirty="0"/>
+          </a:p>
+          <a:p>
+            <a:r>
+              <a:rPr lang="de-DE" dirty="0"/>
+              <a:t>Das CNOT-Gatter sprechen wir über cx() an. Der erste Parameter gibt das sogenannte </a:t>
+            </a:r>
+            <a:r>
+              <a:rPr lang="de-DE" dirty="0" err="1"/>
+              <a:t>controll</a:t>
+            </a:r>
+            <a:r>
+              <a:rPr lang="de-DE" dirty="0"/>
+              <a:t>-bit an, der zweite das sogenannte </a:t>
+            </a:r>
+            <a:r>
+              <a:rPr lang="de-DE" dirty="0" err="1"/>
+              <a:t>target</a:t>
+            </a:r>
+            <a:r>
+              <a:rPr lang="de-DE" dirty="0"/>
+              <a:t>-bit.</a:t>
+            </a:r>
+          </a:p>
+          <a:p>
+            <a:endParaRPr lang="de-DE" dirty="0"/>
+          </a:p>
+          <a:p>
+            <a:r>
+              <a:rPr lang="de-DE" dirty="0"/>
+              <a:t>Anschließend wird nur das </a:t>
+            </a:r>
+            <a:r>
+              <a:rPr lang="de-DE" dirty="0" err="1"/>
+              <a:t>target</a:t>
+            </a:r>
+            <a:r>
+              <a:rPr lang="de-DE" dirty="0"/>
+              <a:t>-bit gemessen.</a:t>
+            </a:r>
+          </a:p>
+          <a:p>
+            <a:endParaRPr lang="de-DE" dirty="0"/>
+          </a:p>
+          <a:p>
+            <a:r>
+              <a:rPr lang="de-DE" dirty="0"/>
+              <a:t>Wir zeichnen wieder unseren Schaltkreis.</a:t>
+            </a:r>
+          </a:p>
+        </p:txBody>
+      </p:sp>
+      <p:sp>
+        <p:nvSpPr>
+          <p:cNvPr id="4" name="Foliennummernplatzhalter 3"/>
+          <p:cNvSpPr>
+            <a:spLocks noGrp="1"/>
+          </p:cNvSpPr>
+          <p:nvPr>
+            <p:ph type="sldNum" sz="quarter" idx="5"/>
+          </p:nvPr>
+        </p:nvSpPr>
+        <p:spPr/>
+        <p:txBody>
+          <a:bodyPr/>
+          <a:lstStyle/>
+          <a:p>
+            <a:fld id="{85BE2706-9A15-4246-83E1-02ACE4745362}" type="slidenum">
+              <a:rPr lang="de-DE" smtClean="0"/>
+              <a:t>11</a:t>
+            </a:fld>
+            <a:endParaRPr lang="de-DE"/>
+          </a:p>
+        </p:txBody>
+      </p:sp>
+    </p:spTree>
+    <p:extLst>
+      <p:ext uri="{BB962C8B-B14F-4D97-AF65-F5344CB8AC3E}">
+        <p14:creationId xmlns:p14="http://schemas.microsoft.com/office/powerpoint/2010/main" val="2304884579"/>
+      </p:ext>
+    </p:extLst>
+  </p:cSld>
+  <p:clrMapOvr>
+    <a:masterClrMapping/>
+  </p:clrMapOvr>
+</p:notes>
+</file>
+
 <file path=ppt/slideLayouts/slideLayout1.xml><?xml version="1.0" encoding="utf-8"?>
 <p:sldLayout xmlns:a="http://schemas.openxmlformats.org/drawingml/2006/main" xmlns:r="http://schemas.openxmlformats.org/officeDocument/2006/relationships" xmlns:p="http://schemas.openxmlformats.org/presentationml/2006/main" type="title" preserve="1">
   <p:cSld name="Titelfolie">
@@ -634,7 +4961,7 @@
           <a:p>
             <a:fld id="{9BECA252-2314-4772-A566-2CE806BA6105}" type="datetime1">
               <a:rPr lang="de-DE" smtClean="0"/>
-              <a:t>15.01.2020</a:t>
+              <a:t>16.01.2020</a:t>
             </a:fld>
             <a:endParaRPr lang="de-DE"/>
           </a:p>
@@ -807,7 +5134,7 @@
           <a:p>
             <a:fld id="{86A15C32-5277-4D18-9237-2D9EFEE70859}" type="datetime1">
               <a:rPr lang="de-DE" smtClean="0"/>
-              <a:t>15.01.2020</a:t>
+              <a:t>16.01.2020</a:t>
             </a:fld>
             <a:endParaRPr lang="de-DE"/>
           </a:p>
@@ -990,7 +5317,7 @@
           <a:p>
             <a:fld id="{E1B1F427-F0A3-4414-B85B-51AB93964579}" type="datetime1">
               <a:rPr lang="de-DE" smtClean="0"/>
-              <a:t>15.01.2020</a:t>
+              <a:t>16.01.2020</a:t>
             </a:fld>
             <a:endParaRPr lang="de-DE"/>
           </a:p>
@@ -1163,7 +5490,7 @@
           <a:p>
             <a:fld id="{1A5288E6-B411-4413-831A-87EED82A659E}" type="datetime1">
               <a:rPr lang="de-DE" smtClean="0"/>
-              <a:t>15.01.2020</a:t>
+              <a:t>16.01.2020</a:t>
             </a:fld>
             <a:endParaRPr lang="de-DE"/>
           </a:p>
@@ -1410,7 +5737,7 @@
           <a:p>
             <a:fld id="{3FD1223F-F55A-4595-9200-43B0DD10A323}" type="datetime1">
               <a:rPr lang="de-DE" smtClean="0"/>
-              <a:t>15.01.2020</a:t>
+              <a:t>16.01.2020</a:t>
             </a:fld>
             <a:endParaRPr lang="de-DE"/>
           </a:p>
@@ -1645,7 +5972,7 @@
           <a:p>
             <a:fld id="{94C448B9-CABA-4FF4-8ACD-34E4AC23D18B}" type="datetime1">
               <a:rPr lang="de-DE" smtClean="0"/>
-              <a:t>15.01.2020</a:t>
+              <a:t>16.01.2020</a:t>
             </a:fld>
             <a:endParaRPr lang="de-DE"/>
           </a:p>
@@ -2015,7 +6342,7 @@
           <a:p>
             <a:fld id="{41C800FC-13D0-4C1D-85D2-CC25D183B7A0}" type="datetime1">
               <a:rPr lang="de-DE" smtClean="0"/>
-              <a:t>15.01.2020</a:t>
+              <a:t>16.01.2020</a:t>
             </a:fld>
             <a:endParaRPr lang="de-DE"/>
           </a:p>
@@ -2136,7 +6463,7 @@
           <a:p>
             <a:fld id="{814DA42B-8F93-438C-B6DF-B557C5B2FA2C}" type="datetime1">
               <a:rPr lang="de-DE" smtClean="0"/>
-              <a:t>15.01.2020</a:t>
+              <a:t>16.01.2020</a:t>
             </a:fld>
             <a:endParaRPr lang="de-DE"/>
           </a:p>
@@ -2234,7 +6561,7 @@
           <a:p>
             <a:fld id="{4A709243-FDF7-420A-BCC0-43CD5A0DD4E7}" type="datetime1">
               <a:rPr lang="de-DE" smtClean="0"/>
-              <a:t>15.01.2020</a:t>
+              <a:t>16.01.2020</a:t>
             </a:fld>
             <a:endParaRPr lang="de-DE"/>
           </a:p>
@@ -2514,7 +6841,7 @@
           <a:p>
             <a:fld id="{ECAEB390-A885-48C8-A4C4-9AB18CB5E27A}" type="datetime1">
               <a:rPr lang="de-DE" smtClean="0"/>
-              <a:t>15.01.2020</a:t>
+              <a:t>16.01.2020</a:t>
             </a:fld>
             <a:endParaRPr lang="de-DE"/>
           </a:p>
@@ -2774,7 +7101,7 @@
           <a:p>
             <a:fld id="{E67FDF4C-C9F5-47FB-B71A-7476FBE97986}" type="datetime1">
               <a:rPr lang="de-DE" smtClean="0"/>
-              <a:t>15.01.2020</a:t>
+              <a:t>16.01.2020</a:t>
             </a:fld>
             <a:endParaRPr lang="de-DE"/>
           </a:p>
@@ -2990,7 +7317,7 @@
           <a:p>
             <a:fld id="{102C861F-47DF-4B94-9718-9495387A8ADE}" type="datetime1">
               <a:rPr lang="de-DE" smtClean="0"/>
-              <a:t>15.01.2020</a:t>
+              <a:t>16.01.2020</a:t>
             </a:fld>
             <a:endParaRPr lang="de-DE"/>
           </a:p>
@@ -3607,7 +7934,7 @@
           <a:p>
             <a:fld id="{1A5288E6-B411-4413-831A-87EED82A659E}" type="datetime1">
               <a:rPr lang="de-DE" smtClean="0"/>
-              <a:t>15.01.2020</a:t>
+              <a:t>16.01.2020</a:t>
             </a:fld>
             <a:endParaRPr lang="de-DE"/>
           </a:p>
@@ -3685,7 +8012,7 @@
           <p:nvPr/>
         </p:nvPicPr>
         <p:blipFill>
-          <a:blip r:embed="rId2">
+          <a:blip r:embed="rId3">
             <a:extLst>
               <a:ext uri="{28A0092B-C50C-407E-A947-70E740481C1C}">
                 <a14:useLocalDpi xmlns:a14="http://schemas.microsoft.com/office/drawing/2010/main" val="0"/>
@@ -3827,7 +8154,7 @@
           <a:p>
             <a:fld id="{1A5288E6-B411-4413-831A-87EED82A659E}" type="datetime1">
               <a:rPr lang="de-DE" smtClean="0"/>
-              <a:t>15.01.2020</a:t>
+              <a:t>16.01.2020</a:t>
             </a:fld>
             <a:endParaRPr lang="de-DE"/>
           </a:p>
@@ -4541,7 +8868,7 @@
           <a:p>
             <a:fld id="{1A5288E6-B411-4413-831A-87EED82A659E}" type="datetime1">
               <a:rPr lang="de-DE" smtClean="0"/>
-              <a:t>15.01.2020</a:t>
+              <a:t>16.01.2020</a:t>
             </a:fld>
             <a:endParaRPr lang="de-DE"/>
           </a:p>
@@ -4619,7 +8946,7 @@
           <p:nvPr/>
         </p:nvPicPr>
         <p:blipFill>
-          <a:blip r:embed="rId2">
+          <a:blip r:embed="rId3">
             <a:extLst>
               <a:ext uri="{28A0092B-C50C-407E-A947-70E740481C1C}">
                 <a14:useLocalDpi xmlns:a14="http://schemas.microsoft.com/office/drawing/2010/main" val="0"/>
@@ -4655,7 +8982,7 @@
           <p:nvPr/>
         </p:nvPicPr>
         <p:blipFill>
-          <a:blip r:embed="rId3">
+          <a:blip r:embed="rId4">
             <a:extLst>
               <a:ext uri="{28A0092B-C50C-407E-A947-70E740481C1C}">
                 <a14:useLocalDpi xmlns:a14="http://schemas.microsoft.com/office/drawing/2010/main" val="0"/>
@@ -4762,7 +9089,7 @@
           <a:p>
             <a:fld id="{1A5288E6-B411-4413-831A-87EED82A659E}" type="datetime1">
               <a:rPr lang="de-DE" smtClean="0"/>
-              <a:t>15.01.2020</a:t>
+              <a:t>16.01.2020</a:t>
             </a:fld>
             <a:endParaRPr lang="de-DE"/>
           </a:p>
@@ -5638,7 +9965,7 @@
           <a:p>
             <a:fld id="{1A5288E6-B411-4413-831A-87EED82A659E}" type="datetime1">
               <a:rPr lang="de-DE" smtClean="0"/>
-              <a:t>15.01.2020</a:t>
+              <a:t>16.01.2020</a:t>
             </a:fld>
             <a:endParaRPr lang="de-DE"/>
           </a:p>
@@ -5716,7 +10043,7 @@
           <p:nvPr/>
         </p:nvPicPr>
         <p:blipFill>
-          <a:blip r:embed="rId2">
+          <a:blip r:embed="rId3">
             <a:extLst>
               <a:ext uri="{28A0092B-C50C-407E-A947-70E740481C1C}">
                 <a14:useLocalDpi xmlns:a14="http://schemas.microsoft.com/office/drawing/2010/main" val="0"/>
@@ -5752,7 +10079,7 @@
           <p:nvPr/>
         </p:nvPicPr>
         <p:blipFill>
-          <a:blip r:embed="rId3">
+          <a:blip r:embed="rId4">
             <a:extLst>
               <a:ext uri="{28A0092B-C50C-407E-A947-70E740481C1C}">
                 <a14:useLocalDpi xmlns:a14="http://schemas.microsoft.com/office/drawing/2010/main" val="0"/>
@@ -5855,7 +10182,7 @@
           <a:p>
             <a:fld id="{1A5288E6-B411-4413-831A-87EED82A659E}" type="datetime1">
               <a:rPr lang="de-DE" smtClean="0"/>
-              <a:t>15.01.2020</a:t>
+              <a:t>16.01.2020</a:t>
             </a:fld>
             <a:endParaRPr lang="de-DE"/>
           </a:p>
@@ -5933,7 +10260,7 @@
           <p:nvPr/>
         </p:nvPicPr>
         <p:blipFill>
-          <a:blip r:embed="rId2">
+          <a:blip r:embed="rId3">
             <a:extLst>
               <a:ext uri="{28A0092B-C50C-407E-A947-70E740481C1C}">
                 <a14:useLocalDpi xmlns:a14="http://schemas.microsoft.com/office/drawing/2010/main" val="0"/>
@@ -6079,7 +10406,7 @@
           <a:p>
             <a:fld id="{1A5288E6-B411-4413-831A-87EED82A659E}" type="datetime1">
               <a:rPr lang="de-DE" smtClean="0"/>
-              <a:t>15.01.2020</a:t>
+              <a:t>16.01.2020</a:t>
             </a:fld>
             <a:endParaRPr lang="de-DE"/>
           </a:p>
@@ -6825,7 +11152,7 @@
           <a:p>
             <a:fld id="{1A5288E6-B411-4413-831A-87EED82A659E}" type="datetime1">
               <a:rPr lang="de-DE" smtClean="0"/>
-              <a:t>15.01.2020</a:t>
+              <a:t>16.01.2020</a:t>
             </a:fld>
             <a:endParaRPr lang="de-DE"/>
           </a:p>
@@ -6903,7 +11230,7 @@
           <p:nvPr/>
         </p:nvPicPr>
         <p:blipFill>
-          <a:blip r:embed="rId2">
+          <a:blip r:embed="rId3">
             <a:extLst>
               <a:ext uri="{28A0092B-C50C-407E-A947-70E740481C1C}">
                 <a14:useLocalDpi xmlns:a14="http://schemas.microsoft.com/office/drawing/2010/main" val="0"/>
@@ -6939,7 +11266,7 @@
           <p:nvPr/>
         </p:nvPicPr>
         <p:blipFill>
-          <a:blip r:embed="rId3">
+          <a:blip r:embed="rId4">
             <a:extLst>
               <a:ext uri="{28A0092B-C50C-407E-A947-70E740481C1C}">
                 <a14:useLocalDpi xmlns:a14="http://schemas.microsoft.com/office/drawing/2010/main" val="0"/>
@@ -7050,7 +11377,7 @@
           <a:p>
             <a:fld id="{1A5288E6-B411-4413-831A-87EED82A659E}" type="datetime1">
               <a:rPr lang="de-DE" smtClean="0"/>
-              <a:t>15.01.2020</a:t>
+              <a:t>16.01.2020</a:t>
             </a:fld>
             <a:endParaRPr lang="de-DE"/>
           </a:p>
@@ -7367,7 +11694,7 @@
           <p:nvPr/>
         </p:nvPicPr>
         <p:blipFill>
-          <a:blip r:embed="rId2">
+          <a:blip r:embed="rId3">
             <a:extLst>
               <a:ext uri="{28A0092B-C50C-407E-A947-70E740481C1C}">
                 <a14:useLocalDpi xmlns:a14="http://schemas.microsoft.com/office/drawing/2010/main" val="0"/>
@@ -7647,7 +11974,7 @@
           <a:p>
             <a:fld id="{1A5288E6-B411-4413-831A-87EED82A659E}" type="datetime1">
               <a:rPr lang="de-DE" smtClean="0"/>
-              <a:t>15.01.2020</a:t>
+              <a:t>16.01.2020</a:t>
             </a:fld>
             <a:endParaRPr lang="de-DE"/>
           </a:p>
@@ -7791,7 +12118,7 @@
           <p:nvPr/>
         </p:nvPicPr>
         <p:blipFill>
-          <a:blip r:embed="rId2">
+          <a:blip r:embed="rId3">
             <a:extLst>
               <a:ext uri="{28A0092B-C50C-407E-A947-70E740481C1C}">
                 <a14:useLocalDpi xmlns:a14="http://schemas.microsoft.com/office/drawing/2010/main" val="0"/>
@@ -8094,7 +12421,7 @@
           <a:p>
             <a:fld id="{1A5288E6-B411-4413-831A-87EED82A659E}" type="datetime1">
               <a:rPr lang="de-DE" smtClean="0"/>
-              <a:t>15.01.2020</a:t>
+              <a:t>16.01.2020</a:t>
             </a:fld>
             <a:endParaRPr lang="de-DE"/>
           </a:p>
@@ -8518,7 +12845,7 @@
           <a:p>
             <a:fld id="{1A5288E6-B411-4413-831A-87EED82A659E}" type="datetime1">
               <a:rPr lang="de-DE" smtClean="0"/>
-              <a:t>15.01.2020</a:t>
+              <a:t>16.01.2020</a:t>
             </a:fld>
             <a:endParaRPr lang="de-DE"/>
           </a:p>
@@ -8596,7 +12923,7 @@
           <p:nvPr/>
         </p:nvPicPr>
         <p:blipFill>
-          <a:blip r:embed="rId2">
+          <a:blip r:embed="rId3">
             <a:extLst>
               <a:ext uri="{28A0092B-C50C-407E-A947-70E740481C1C}">
                 <a14:useLocalDpi xmlns:a14="http://schemas.microsoft.com/office/drawing/2010/main" val="0"/>
@@ -8738,7 +13065,7 @@
           <a:p>
             <a:fld id="{1A5288E6-B411-4413-831A-87EED82A659E}" type="datetime1">
               <a:rPr lang="de-DE" smtClean="0"/>
-              <a:t>15.01.2020</a:t>
+              <a:t>16.01.2020</a:t>
             </a:fld>
             <a:endParaRPr lang="de-DE"/>
           </a:p>
@@ -10127,7 +14454,7 @@
           <a:p>
             <a:fld id="{1A5288E6-B411-4413-831A-87EED82A659E}" type="datetime1">
               <a:rPr lang="de-DE" smtClean="0"/>
-              <a:t>15.01.2020</a:t>
+              <a:t>16.01.2020</a:t>
             </a:fld>
             <a:endParaRPr lang="de-DE"/>
           </a:p>
@@ -11037,7 +15364,7 @@
           <a:p>
             <a:fld id="{1A5288E6-B411-4413-831A-87EED82A659E}" type="datetime1">
               <a:rPr lang="de-DE" smtClean="0"/>
-              <a:t>15.01.2020</a:t>
+              <a:t>16.01.2020</a:t>
             </a:fld>
             <a:endParaRPr lang="de-DE"/>
           </a:p>
@@ -12151,7 +16478,7 @@
           <a:p>
             <a:fld id="{1A5288E6-B411-4413-831A-87EED82A659E}" type="datetime1">
               <a:rPr lang="de-DE" smtClean="0"/>
-              <a:t>15.01.2020</a:t>
+              <a:t>16.01.2020</a:t>
             </a:fld>
             <a:endParaRPr lang="de-DE"/>
           </a:p>
@@ -12823,7 +17150,7 @@
           <a:p>
             <a:fld id="{1A5288E6-B411-4413-831A-87EED82A659E}" type="datetime1">
               <a:rPr lang="de-DE" smtClean="0"/>
-              <a:t>15.01.2020</a:t>
+              <a:t>16.01.2020</a:t>
             </a:fld>
             <a:endParaRPr lang="de-DE"/>
           </a:p>
@@ -13826,7 +18153,7 @@
           <a:p>
             <a:fld id="{1A5288E6-B411-4413-831A-87EED82A659E}" type="datetime1">
               <a:rPr lang="de-DE" smtClean="0"/>
-              <a:t>15.01.2020</a:t>
+              <a:t>16.01.2020</a:t>
             </a:fld>
             <a:endParaRPr lang="de-DE"/>
           </a:p>
@@ -14447,7 +18774,7 @@
           <a:p>
             <a:fld id="{1A5288E6-B411-4413-831A-87EED82A659E}" type="datetime1">
               <a:rPr lang="de-DE" smtClean="0"/>
-              <a:t>15.01.2020</a:t>
+              <a:t>16.01.2020</a:t>
             </a:fld>
             <a:endParaRPr lang="de-DE"/>
           </a:p>
@@ -15440,7 +19767,7 @@
           <a:p>
             <a:fld id="{1A5288E6-B411-4413-831A-87EED82A659E}" type="datetime1">
               <a:rPr lang="de-DE" smtClean="0"/>
-              <a:t>15.01.2020</a:t>
+              <a:t>16.01.2020</a:t>
             </a:fld>
             <a:endParaRPr lang="de-DE"/>
           </a:p>
@@ -16482,7 +20809,7 @@
           <a:p>
             <a:fld id="{1A5288E6-B411-4413-831A-87EED82A659E}" type="datetime1">
               <a:rPr lang="de-DE" smtClean="0"/>
-              <a:t>15.01.2020</a:t>
+              <a:t>16.01.2020</a:t>
             </a:fld>
             <a:endParaRPr lang="de-DE"/>
           </a:p>
@@ -17144,7 +21471,7 @@
           <a:p>
             <a:fld id="{1A5288E6-B411-4413-831A-87EED82A659E}" type="datetime1">
               <a:rPr lang="de-DE" smtClean="0"/>
-              <a:t>15.01.2020</a:t>
+              <a:t>16.01.2020</a:t>
             </a:fld>
             <a:endParaRPr lang="de-DE"/>
           </a:p>
@@ -17645,7 +21972,7 @@
           <a:p>
             <a:fld id="{1A5288E6-B411-4413-831A-87EED82A659E}" type="datetime1">
               <a:rPr lang="de-DE" smtClean="0"/>
-              <a:t>15.01.2020</a:t>
+              <a:t>16.01.2020</a:t>
             </a:fld>
             <a:endParaRPr lang="de-DE"/>
           </a:p>
@@ -17723,7 +22050,7 @@
           <p:nvPr/>
         </p:nvPicPr>
         <p:blipFill>
-          <a:blip r:embed="rId2">
+          <a:blip r:embed="rId3">
             <a:extLst>
               <a:ext uri="{28A0092B-C50C-407E-A947-70E740481C1C}">
                 <a14:useLocalDpi xmlns:a14="http://schemas.microsoft.com/office/drawing/2010/main" val="0"/>
@@ -18655,14 +22982,19 @@
         </p:spPr>
         <p:txBody>
           <a:bodyPr>
-            <a:normAutofit fontScale="90000"/>
+            <a:normAutofit/>
           </a:bodyPr>
           <a:lstStyle/>
           <a:p>
             <a:r>
               <a:rPr lang="de-DE" dirty="0"/>
-              <a:t>Deutsch Algorithmus – Schaltkreis</a:t>
-            </a:r>
+              <a:t>Deutsch Algorithmus – </a:t>
+            </a:r>
+            <a:r>
+              <a:rPr lang="de-DE" dirty="0" err="1"/>
+              <a:t>Histogram</a:t>
+            </a:r>
+            <a:endParaRPr lang="de-DE" dirty="0"/>
           </a:p>
         </p:txBody>
       </p:sp>
@@ -18689,7 +23021,7 @@
           <a:p>
             <a:fld id="{1A5288E6-B411-4413-831A-87EED82A659E}" type="datetime1">
               <a:rPr lang="de-DE" smtClean="0"/>
-              <a:t>15.01.2020</a:t>
+              <a:t>16.01.2020</a:t>
             </a:fld>
             <a:endParaRPr lang="de-DE"/>
           </a:p>
@@ -18932,7 +23264,7 @@
           <p:nvPr/>
         </p:nvPicPr>
         <p:blipFill>
-          <a:blip r:embed="rId2">
+          <a:blip r:embed="rId3">
             <a:extLst>
               <a:ext uri="{28A0092B-C50C-407E-A947-70E740481C1C}">
                 <a14:useLocalDpi xmlns:a14="http://schemas.microsoft.com/office/drawing/2010/main" val="0"/>
@@ -19172,7 +23504,7 @@
           <a:p>
             <a:fld id="{1A5288E6-B411-4413-831A-87EED82A659E}" type="datetime1">
               <a:rPr lang="de-DE" smtClean="0"/>
-              <a:t>15.01.2020</a:t>
+              <a:t>16.01.2020</a:t>
             </a:fld>
             <a:endParaRPr lang="de-DE"/>
           </a:p>
@@ -20612,7 +24944,7 @@
           <a:p>
             <a:fld id="{1A5288E6-B411-4413-831A-87EED82A659E}" type="datetime1">
               <a:rPr lang="de-DE" smtClean="0"/>
-              <a:t>15.01.2020</a:t>
+              <a:t>16.01.2020</a:t>
             </a:fld>
             <a:endParaRPr lang="de-DE"/>
           </a:p>
@@ -21643,7 +25975,7 @@
           <a:p>
             <a:fld id="{1A5288E6-B411-4413-831A-87EED82A659E}" type="datetime1">
               <a:rPr lang="de-DE" smtClean="0"/>
-              <a:t>15.01.2020</a:t>
+              <a:t>16.01.2020</a:t>
             </a:fld>
             <a:endParaRPr lang="de-DE"/>
           </a:p>
@@ -22678,7 +27010,7 @@
           <a:p>
             <a:fld id="{1A5288E6-B411-4413-831A-87EED82A659E}" type="datetime1">
               <a:rPr lang="de-DE" smtClean="0"/>
-              <a:t>15.01.2020</a:t>
+              <a:t>16.01.2020</a:t>
             </a:fld>
             <a:endParaRPr lang="de-DE"/>
           </a:p>
@@ -23276,7 +27608,7 @@
           <a:p>
             <a:fld id="{1A5288E6-B411-4413-831A-87EED82A659E}" type="datetime1">
               <a:rPr lang="de-DE" smtClean="0"/>
-              <a:t>15.01.2020</a:t>
+              <a:t>16.01.2020</a:t>
             </a:fld>
             <a:endParaRPr lang="de-DE"/>
           </a:p>
@@ -23354,7 +27686,7 @@
           <p:nvPr/>
         </p:nvPicPr>
         <p:blipFill>
-          <a:blip r:embed="rId2">
+          <a:blip r:embed="rId3">
             <a:extLst>
               <a:ext uri="{28A0092B-C50C-407E-A947-70E740481C1C}">
                 <a14:useLocalDpi xmlns:a14="http://schemas.microsoft.com/office/drawing/2010/main" val="0"/>
@@ -23424,7 +27756,7 @@
         <p:spPr>
           <a:xfrm>
             <a:off x="628650" y="1291001"/>
-            <a:ext cx="6216033" cy="691671"/>
+            <a:ext cx="5576841" cy="691671"/>
           </a:xfrm>
         </p:spPr>
         <p:txBody>
@@ -23435,8 +27767,13 @@
           <a:p>
             <a:r>
               <a:rPr lang="de-DE" dirty="0"/>
-              <a:t>Quellen</a:t>
-            </a:r>
+              <a:t>Deutsch Algorithmus – </a:t>
+            </a:r>
+            <a:r>
+              <a:rPr lang="de-DE" dirty="0" err="1"/>
+              <a:t>Histogram</a:t>
+            </a:r>
+            <a:endParaRPr lang="de-DE" dirty="0"/>
           </a:p>
         </p:txBody>
       </p:sp>
@@ -23463,7 +27800,7 @@
           <a:p>
             <a:fld id="{1A5288E6-B411-4413-831A-87EED82A659E}" type="datetime1">
               <a:rPr lang="de-DE" smtClean="0"/>
-              <a:t>15.01.2020</a:t>
+              <a:t>16.01.2020</a:t>
             </a:fld>
             <a:endParaRPr lang="de-DE"/>
           </a:p>
@@ -23526,221 +27863,46 @@
           </a:p>
         </p:txBody>
       </p:sp>
-      <p:sp>
-        <p:nvSpPr>
-          <p:cNvPr id="8" name="Titel 1">
+      <p:pic>
+        <p:nvPicPr>
+          <p:cNvPr id="7" name="Grafik 6">
             <a:extLst>
               <a:ext uri="{FF2B5EF4-FFF2-40B4-BE49-F238E27FC236}">
-                <a16:creationId xmlns:a16="http://schemas.microsoft.com/office/drawing/2014/main" id="{9E7A7F06-78B1-4B43-AE8C-398300522111}"/>
+                <a16:creationId xmlns:a16="http://schemas.microsoft.com/office/drawing/2014/main" id="{97156A01-377B-4AA7-9AA4-57B33C8EE77D}"/>
               </a:ext>
             </a:extLst>
           </p:cNvPr>
-          <p:cNvSpPr txBox="1">
-            <a:spLocks/>
-          </p:cNvSpPr>
+          <p:cNvPicPr>
+            <a:picLocks noChangeAspect="1"/>
+          </p:cNvPicPr>
           <p:nvPr/>
-        </p:nvSpPr>
+        </p:nvPicPr>
+        <p:blipFill>
+          <a:blip r:embed="rId3">
+            <a:extLst>
+              <a:ext uri="{28A0092B-C50C-407E-A947-70E740481C1C}">
+                <a14:useLocalDpi xmlns:a14="http://schemas.microsoft.com/office/drawing/2010/main" val="0"/>
+              </a:ext>
+            </a:extLst>
+          </a:blip>
+          <a:stretch>
+            <a:fillRect/>
+          </a:stretch>
+        </p:blipFill>
         <p:spPr>
           <a:xfrm>
-            <a:off x="628650" y="2737329"/>
-            <a:ext cx="7886700" cy="691671"/>
+            <a:off x="729466" y="2185593"/>
+            <a:ext cx="5728484" cy="3967836"/>
           </a:xfrm>
           <a:prstGeom prst="rect">
             <a:avLst/>
           </a:prstGeom>
         </p:spPr>
-        <p:txBody>
-          <a:bodyPr vert="horz" lIns="91440" tIns="45720" rIns="91440" bIns="45720" rtlCol="0" anchor="ctr">
-            <a:normAutofit fontScale="55000" lnSpcReduction="20000"/>
-          </a:bodyPr>
-          <a:lstStyle>
-            <a:lvl1pPr algn="l" defTabSz="914400" rtl="0" eaLnBrk="1" latinLnBrk="0" hangingPunct="1">
-              <a:lnSpc>
-                <a:spcPct val="90000"/>
-              </a:lnSpc>
-              <a:spcBef>
-                <a:spcPct val="0"/>
-              </a:spcBef>
-              <a:buNone/>
-              <a:defRPr sz="3200" b="1" kern="1200">
-                <a:solidFill>
-                  <a:schemeClr val="accent1"/>
-                </a:solidFill>
-                <a:latin typeface="+mj-lt"/>
-                <a:ea typeface="+mj-ea"/>
-                <a:cs typeface="+mj-cs"/>
-              </a:defRPr>
-            </a:lvl1pPr>
-          </a:lstStyle>
-          <a:p>
-            <a:r>
-              <a:rPr lang="de-DE" b="0" dirty="0">
-                <a:solidFill>
-                  <a:schemeClr val="tx1"/>
-                </a:solidFill>
-              </a:rPr>
-              <a:t>Literatur:</a:t>
-            </a:r>
-          </a:p>
-          <a:p>
-            <a:endParaRPr lang="de-DE" b="0" dirty="0">
-              <a:solidFill>
-                <a:schemeClr val="tx1"/>
-              </a:solidFill>
-            </a:endParaRPr>
-          </a:p>
-          <a:p>
-            <a:r>
-              <a:rPr lang="de-DE" b="0" dirty="0">
-                <a:solidFill>
-                  <a:schemeClr val="tx1"/>
-                </a:solidFill>
-              </a:rPr>
-              <a:t>[1] – </a:t>
-            </a:r>
-            <a:r>
-              <a:rPr lang="de-DE" b="0" dirty="0" err="1">
-                <a:solidFill>
-                  <a:schemeClr val="tx1"/>
-                </a:solidFill>
-              </a:rPr>
-              <a:t>Cirq</a:t>
-            </a:r>
-            <a:r>
-              <a:rPr lang="de-DE" b="0" dirty="0">
-                <a:solidFill>
-                  <a:schemeClr val="tx1"/>
-                </a:solidFill>
-              </a:rPr>
-              <a:t> </a:t>
-            </a:r>
-            <a:r>
-              <a:rPr lang="de-DE" b="0" dirty="0" err="1">
-                <a:solidFill>
-                  <a:schemeClr val="tx1"/>
-                </a:solidFill>
-              </a:rPr>
-              <a:t>Documentation</a:t>
-            </a:r>
-            <a:r>
-              <a:rPr lang="de-DE" b="0" dirty="0">
-                <a:solidFill>
-                  <a:schemeClr val="tx1"/>
-                </a:solidFill>
-              </a:rPr>
-              <a:t>, url: https://cirq.readthedocs.io/en/stable/</a:t>
-            </a:r>
-          </a:p>
-        </p:txBody>
-      </p:sp>
-      <p:sp>
-        <p:nvSpPr>
-          <p:cNvPr id="9" name="Titel 1">
-            <a:extLst>
-              <a:ext uri="{FF2B5EF4-FFF2-40B4-BE49-F238E27FC236}">
-                <a16:creationId xmlns:a16="http://schemas.microsoft.com/office/drawing/2014/main" id="{99EDDA16-42A1-4D3F-A2B2-A644B59419B0}"/>
-              </a:ext>
-            </a:extLst>
-          </p:cNvPr>
-          <p:cNvSpPr txBox="1">
-            <a:spLocks/>
-          </p:cNvSpPr>
-          <p:nvPr/>
-        </p:nvSpPr>
-        <p:spPr>
-          <a:xfrm>
-            <a:off x="628650" y="3968327"/>
-            <a:ext cx="7886700" cy="691671"/>
-          </a:xfrm>
-          <a:prstGeom prst="rect">
-            <a:avLst/>
-          </a:prstGeom>
-        </p:spPr>
-        <p:txBody>
-          <a:bodyPr vert="horz" lIns="91440" tIns="45720" rIns="91440" bIns="45720" rtlCol="0" anchor="ctr">
-            <a:noAutofit/>
-          </a:bodyPr>
-          <a:lstStyle>
-            <a:lvl1pPr algn="l" defTabSz="914400" rtl="0" eaLnBrk="1" latinLnBrk="0" hangingPunct="1">
-              <a:lnSpc>
-                <a:spcPct val="90000"/>
-              </a:lnSpc>
-              <a:spcBef>
-                <a:spcPct val="0"/>
-              </a:spcBef>
-              <a:buNone/>
-              <a:defRPr sz="3200" b="1" kern="1200">
-                <a:solidFill>
-                  <a:schemeClr val="accent1"/>
-                </a:solidFill>
-                <a:latin typeface="+mj-lt"/>
-                <a:ea typeface="+mj-ea"/>
-                <a:cs typeface="+mj-cs"/>
-              </a:defRPr>
-            </a:lvl1pPr>
-          </a:lstStyle>
-          <a:p>
-            <a:r>
-              <a:rPr lang="de-DE" sz="1600" b="0" dirty="0">
-                <a:solidFill>
-                  <a:schemeClr val="tx1"/>
-                </a:solidFill>
-              </a:rPr>
-              <a:t>Bilder:</a:t>
-            </a:r>
-          </a:p>
-          <a:p>
-            <a:endParaRPr lang="de-DE" sz="1600" b="0" dirty="0">
-              <a:solidFill>
-                <a:schemeClr val="tx1"/>
-              </a:solidFill>
-            </a:endParaRPr>
-          </a:p>
-          <a:p>
-            <a:r>
-              <a:rPr lang="de-DE" sz="1600" b="0" dirty="0">
-                <a:solidFill>
-                  <a:schemeClr val="tx1"/>
-                </a:solidFill>
-              </a:rPr>
-              <a:t>[2] – Prof. Dr. Jörg </a:t>
-            </a:r>
-            <a:r>
-              <a:rPr lang="de-DE" sz="1600" b="0" dirty="0" err="1">
-                <a:solidFill>
-                  <a:schemeClr val="tx1"/>
-                </a:solidFill>
-              </a:rPr>
-              <a:t>Hettel</a:t>
-            </a:r>
-            <a:r>
-              <a:rPr lang="de-DE" sz="1600" b="0" dirty="0">
-                <a:solidFill>
-                  <a:schemeClr val="tx1"/>
-                </a:solidFill>
-              </a:rPr>
-              <a:t>, </a:t>
-            </a:r>
-            <a:r>
-              <a:rPr lang="en-US" sz="1600" b="0" dirty="0">
-                <a:solidFill>
-                  <a:schemeClr val="tx1"/>
-                </a:solidFill>
-              </a:rPr>
-              <a:t>Quantum Computing and Information An Introduction for Computer Scientists – Quantum Algorithms</a:t>
-            </a:r>
-            <a:endParaRPr lang="de-DE" sz="1600" b="0" dirty="0">
-              <a:solidFill>
-                <a:schemeClr val="tx1"/>
-              </a:solidFill>
-            </a:endParaRPr>
-          </a:p>
-        </p:txBody>
-      </p:sp>
+      </p:pic>
     </p:spTree>
     <p:extLst>
       <p:ext uri="{BB962C8B-B14F-4D97-AF65-F5344CB8AC3E}">
-        <p14:creationId xmlns:p14="http://schemas.microsoft.com/office/powerpoint/2010/main" val="3043203587"/>
+        <p14:creationId xmlns:p14="http://schemas.microsoft.com/office/powerpoint/2010/main" val="1846633341"/>
       </p:ext>
     </p:extLst>
   </p:cSld>
@@ -23769,6 +27931,45 @@
       </p:grpSpPr>
       <p:sp>
         <p:nvSpPr>
+          <p:cNvPr id="2" name="Titel 1">
+            <a:extLst>
+              <a:ext uri="{FF2B5EF4-FFF2-40B4-BE49-F238E27FC236}">
+                <a16:creationId xmlns:a16="http://schemas.microsoft.com/office/drawing/2014/main" id="{AA5B1063-F17A-46BD-9ED6-72F47046AA10}"/>
+              </a:ext>
+            </a:extLst>
+          </p:cNvPr>
+          <p:cNvSpPr>
+            <a:spLocks noGrp="1"/>
+          </p:cNvSpPr>
+          <p:nvPr>
+            <p:ph type="title"/>
+          </p:nvPr>
+        </p:nvSpPr>
+        <p:spPr>
+          <a:xfrm>
+            <a:off x="628650" y="1291001"/>
+            <a:ext cx="6216033" cy="691671"/>
+          </a:xfrm>
+        </p:spPr>
+        <p:txBody>
+          <a:bodyPr>
+            <a:normAutofit/>
+          </a:bodyPr>
+          <a:lstStyle/>
+          <a:p>
+            <a:r>
+              <a:rPr lang="de-DE" dirty="0" err="1"/>
+              <a:t>Git</a:t>
+            </a:r>
+            <a:r>
+              <a:rPr lang="de-DE" dirty="0"/>
+              <a:t>-Repository</a:t>
+            </a:r>
+          </a:p>
+        </p:txBody>
+      </p:sp>
+      <p:sp>
+        <p:nvSpPr>
           <p:cNvPr id="4" name="Datumsplatzhalter 3">
             <a:extLst>
               <a:ext uri="{FF2B5EF4-FFF2-40B4-BE49-F238E27FC236}">
@@ -23790,7 +27991,7 @@
           <a:p>
             <a:fld id="{1A5288E6-B411-4413-831A-87EED82A659E}" type="datetime1">
               <a:rPr lang="de-DE" smtClean="0"/>
-              <a:t>15.01.2020</a:t>
+              <a:t>16.01.2020</a:t>
             </a:fld>
             <a:endParaRPr lang="de-DE"/>
           </a:p>
@@ -23855,35 +28056,91 @@
       </p:sp>
       <p:sp>
         <p:nvSpPr>
-          <p:cNvPr id="8" name="Titel 7">
+          <p:cNvPr id="8" name="Titel 1">
             <a:extLst>
               <a:ext uri="{FF2B5EF4-FFF2-40B4-BE49-F238E27FC236}">
-                <a16:creationId xmlns:a16="http://schemas.microsoft.com/office/drawing/2014/main" id="{6B784B99-2B3E-493F-85AE-3884BE200BC7}"/>
+                <a16:creationId xmlns:a16="http://schemas.microsoft.com/office/drawing/2014/main" id="{9E7A7F06-78B1-4B43-AE8C-398300522111}"/>
               </a:ext>
             </a:extLst>
           </p:cNvPr>
-          <p:cNvSpPr>
-            <a:spLocks noGrp="1"/>
-          </p:cNvSpPr>
-          <p:nvPr>
-            <p:ph type="title"/>
-          </p:nvPr>
+          <p:cNvSpPr txBox="1">
+            <a:spLocks/>
+          </p:cNvSpPr>
+          <p:nvPr/>
         </p:nvSpPr>
         <p:spPr>
           <a:xfrm>
-            <a:off x="3168496" y="3083164"/>
-            <a:ext cx="2807008" cy="691671"/>
+            <a:off x="628650" y="2737329"/>
+            <a:ext cx="7886700" cy="1124666"/>
           </a:xfrm>
+          <a:prstGeom prst="rect">
+            <a:avLst/>
+          </a:prstGeom>
         </p:spPr>
         <p:txBody>
-          <a:bodyPr>
-            <a:noAutofit/>
+          <a:bodyPr vert="horz" lIns="91440" tIns="45720" rIns="91440" bIns="45720" rtlCol="0" anchor="ctr">
+            <a:normAutofit fontScale="70000" lnSpcReduction="20000"/>
           </a:bodyPr>
-          <a:lstStyle/>
-          <a:p>
-            <a:r>
-              <a:rPr lang="de-DE" sz="6000" dirty="0"/>
-              <a:t>Fragen?</a:t>
+          <a:lstStyle>
+            <a:lvl1pPr algn="l" defTabSz="914400" rtl="0" eaLnBrk="1" latinLnBrk="0" hangingPunct="1">
+              <a:lnSpc>
+                <a:spcPct val="90000"/>
+              </a:lnSpc>
+              <a:spcBef>
+                <a:spcPct val="0"/>
+              </a:spcBef>
+              <a:buNone/>
+              <a:defRPr sz="3200" b="1" kern="1200">
+                <a:solidFill>
+                  <a:schemeClr val="accent1"/>
+                </a:solidFill>
+                <a:latin typeface="+mj-lt"/>
+                <a:ea typeface="+mj-ea"/>
+                <a:cs typeface="+mj-cs"/>
+              </a:defRPr>
+            </a:lvl1pPr>
+          </a:lstStyle>
+          <a:p>
+            <a:r>
+              <a:rPr lang="de-DE" b="0" dirty="0">
+                <a:solidFill>
+                  <a:schemeClr val="tx1"/>
+                </a:solidFill>
+              </a:rPr>
+              <a:t>Die hier gezeigte Implementierung und die gesamte Präsentation befindet sich in einem </a:t>
+            </a:r>
+            <a:r>
+              <a:rPr lang="de-DE" b="0" dirty="0" err="1">
+                <a:solidFill>
+                  <a:schemeClr val="tx1"/>
+                </a:solidFill>
+              </a:rPr>
+              <a:t>Git</a:t>
+            </a:r>
+            <a:r>
+              <a:rPr lang="de-DE" b="0" dirty="0">
+                <a:solidFill>
+                  <a:schemeClr val="tx1"/>
+                </a:solidFill>
+              </a:rPr>
+              <a:t>-Repository unter dem folgenden Link:</a:t>
+            </a:r>
+          </a:p>
+          <a:p>
+            <a:endParaRPr lang="de-DE" b="0" dirty="0">
+              <a:solidFill>
+                <a:schemeClr val="tx1"/>
+              </a:solidFill>
+            </a:endParaRPr>
+          </a:p>
+          <a:p>
+            <a:r>
+              <a:rPr lang="de-DE" b="0" dirty="0">
+                <a:solidFill>
+                  <a:schemeClr val="tx1"/>
+                </a:solidFill>
+              </a:rPr>
+              <a:t>https://github.com/erxn91/quantum_computing</a:t>
             </a:r>
           </a:p>
         </p:txBody>
@@ -23891,7 +28148,369 @@
     </p:spTree>
     <p:extLst>
       <p:ext uri="{BB962C8B-B14F-4D97-AF65-F5344CB8AC3E}">
-        <p14:creationId xmlns:p14="http://schemas.microsoft.com/office/powerpoint/2010/main" val="1091414024"/>
+        <p14:creationId xmlns:p14="http://schemas.microsoft.com/office/powerpoint/2010/main" val="3043203587"/>
+      </p:ext>
+    </p:extLst>
+  </p:cSld>
+  <p:clrMapOvr>
+    <a:masterClrMapping/>
+  </p:clrMapOvr>
+</p:sld>
+</file>
+
+<file path=ppt/slides/slide39.xml><?xml version="1.0" encoding="utf-8"?>
+<p:sld xmlns:a="http://schemas.openxmlformats.org/drawingml/2006/main" xmlns:r="http://schemas.openxmlformats.org/officeDocument/2006/relationships" xmlns:p="http://schemas.openxmlformats.org/presentationml/2006/main">
+  <p:cSld>
+    <p:spTree>
+      <p:nvGrpSpPr>
+        <p:cNvPr id="1" name=""/>
+        <p:cNvGrpSpPr/>
+        <p:nvPr/>
+      </p:nvGrpSpPr>
+      <p:grpSpPr>
+        <a:xfrm>
+          <a:off x="0" y="0"/>
+          <a:ext cx="0" cy="0"/>
+          <a:chOff x="0" y="0"/>
+          <a:chExt cx="0" cy="0"/>
+        </a:xfrm>
+      </p:grpSpPr>
+      <p:sp>
+        <p:nvSpPr>
+          <p:cNvPr id="2" name="Titel 1">
+            <a:extLst>
+              <a:ext uri="{FF2B5EF4-FFF2-40B4-BE49-F238E27FC236}">
+                <a16:creationId xmlns:a16="http://schemas.microsoft.com/office/drawing/2014/main" id="{AA5B1063-F17A-46BD-9ED6-72F47046AA10}"/>
+              </a:ext>
+            </a:extLst>
+          </p:cNvPr>
+          <p:cNvSpPr>
+            <a:spLocks noGrp="1"/>
+          </p:cNvSpPr>
+          <p:nvPr>
+            <p:ph type="title"/>
+          </p:nvPr>
+        </p:nvSpPr>
+        <p:spPr>
+          <a:xfrm>
+            <a:off x="628650" y="1291001"/>
+            <a:ext cx="6216033" cy="691671"/>
+          </a:xfrm>
+        </p:spPr>
+        <p:txBody>
+          <a:bodyPr>
+            <a:normAutofit/>
+          </a:bodyPr>
+          <a:lstStyle/>
+          <a:p>
+            <a:r>
+              <a:rPr lang="de-DE" dirty="0"/>
+              <a:t>Quellen</a:t>
+            </a:r>
+          </a:p>
+        </p:txBody>
+      </p:sp>
+      <p:sp>
+        <p:nvSpPr>
+          <p:cNvPr id="4" name="Datumsplatzhalter 3">
+            <a:extLst>
+              <a:ext uri="{FF2B5EF4-FFF2-40B4-BE49-F238E27FC236}">
+                <a16:creationId xmlns:a16="http://schemas.microsoft.com/office/drawing/2014/main" id="{65922633-E468-4FF6-A50C-A8E16FF781A4}"/>
+              </a:ext>
+            </a:extLst>
+          </p:cNvPr>
+          <p:cNvSpPr>
+            <a:spLocks noGrp="1"/>
+          </p:cNvSpPr>
+          <p:nvPr>
+            <p:ph type="dt" sz="half" idx="10"/>
+          </p:nvPr>
+        </p:nvSpPr>
+        <p:spPr/>
+        <p:txBody>
+          <a:bodyPr/>
+          <a:lstStyle/>
+          <a:p>
+            <a:fld id="{1A5288E6-B411-4413-831A-87EED82A659E}" type="datetime1">
+              <a:rPr lang="de-DE" smtClean="0"/>
+              <a:t>16.01.2020</a:t>
+            </a:fld>
+            <a:endParaRPr lang="de-DE"/>
+          </a:p>
+        </p:txBody>
+      </p:sp>
+      <p:sp>
+        <p:nvSpPr>
+          <p:cNvPr id="5" name="Fußzeilenplatzhalter 4">
+            <a:extLst>
+              <a:ext uri="{FF2B5EF4-FFF2-40B4-BE49-F238E27FC236}">
+                <a16:creationId xmlns:a16="http://schemas.microsoft.com/office/drawing/2014/main" id="{BC4F37D9-9605-4CDF-B340-01F9110754D7}"/>
+              </a:ext>
+            </a:extLst>
+          </p:cNvPr>
+          <p:cNvSpPr>
+            <a:spLocks noGrp="1"/>
+          </p:cNvSpPr>
+          <p:nvPr>
+            <p:ph type="ftr" sz="quarter" idx="11"/>
+          </p:nvPr>
+        </p:nvSpPr>
+        <p:spPr/>
+        <p:txBody>
+          <a:bodyPr/>
+          <a:lstStyle/>
+          <a:p>
+            <a:r>
+              <a:rPr lang="de-DE"/>
+              <a:t>Eric Brunk - Quantum Computing</a:t>
+            </a:r>
+          </a:p>
+        </p:txBody>
+      </p:sp>
+      <p:sp>
+        <p:nvSpPr>
+          <p:cNvPr id="6" name="Foliennummernplatzhalter 5">
+            <a:extLst>
+              <a:ext uri="{FF2B5EF4-FFF2-40B4-BE49-F238E27FC236}">
+                <a16:creationId xmlns:a16="http://schemas.microsoft.com/office/drawing/2014/main" id="{4EB7531D-03A9-4770-BA1F-A6792D5278EE}"/>
+              </a:ext>
+            </a:extLst>
+          </p:cNvPr>
+          <p:cNvSpPr>
+            <a:spLocks noGrp="1"/>
+          </p:cNvSpPr>
+          <p:nvPr>
+            <p:ph type="sldNum" sz="quarter" idx="12"/>
+          </p:nvPr>
+        </p:nvSpPr>
+        <p:spPr/>
+        <p:txBody>
+          <a:bodyPr/>
+          <a:lstStyle/>
+          <a:p>
+            <a:fld id="{EC0A2310-4CBE-4B3B-8C88-D717286D0414}" type="slidenum">
+              <a:rPr lang="de-DE" smtClean="0"/>
+              <a:t>39</a:t>
+            </a:fld>
+            <a:endParaRPr lang="de-DE"/>
+          </a:p>
+        </p:txBody>
+      </p:sp>
+      <p:sp>
+        <p:nvSpPr>
+          <p:cNvPr id="8" name="Titel 1">
+            <a:extLst>
+              <a:ext uri="{FF2B5EF4-FFF2-40B4-BE49-F238E27FC236}">
+                <a16:creationId xmlns:a16="http://schemas.microsoft.com/office/drawing/2014/main" id="{9E7A7F06-78B1-4B43-AE8C-398300522111}"/>
+              </a:ext>
+            </a:extLst>
+          </p:cNvPr>
+          <p:cNvSpPr txBox="1">
+            <a:spLocks/>
+          </p:cNvSpPr>
+          <p:nvPr/>
+        </p:nvSpPr>
+        <p:spPr>
+          <a:xfrm>
+            <a:off x="628650" y="2737329"/>
+            <a:ext cx="7886700" cy="691671"/>
+          </a:xfrm>
+          <a:prstGeom prst="rect">
+            <a:avLst/>
+          </a:prstGeom>
+        </p:spPr>
+        <p:txBody>
+          <a:bodyPr vert="horz" lIns="91440" tIns="45720" rIns="91440" bIns="45720" rtlCol="0" anchor="ctr">
+            <a:normAutofit fontScale="55000" lnSpcReduction="20000"/>
+          </a:bodyPr>
+          <a:lstStyle>
+            <a:lvl1pPr algn="l" defTabSz="914400" rtl="0" eaLnBrk="1" latinLnBrk="0" hangingPunct="1">
+              <a:lnSpc>
+                <a:spcPct val="90000"/>
+              </a:lnSpc>
+              <a:spcBef>
+                <a:spcPct val="0"/>
+              </a:spcBef>
+              <a:buNone/>
+              <a:defRPr sz="3200" b="1" kern="1200">
+                <a:solidFill>
+                  <a:schemeClr val="accent1"/>
+                </a:solidFill>
+                <a:latin typeface="+mj-lt"/>
+                <a:ea typeface="+mj-ea"/>
+                <a:cs typeface="+mj-cs"/>
+              </a:defRPr>
+            </a:lvl1pPr>
+          </a:lstStyle>
+          <a:p>
+            <a:r>
+              <a:rPr lang="de-DE" b="0" dirty="0">
+                <a:solidFill>
+                  <a:schemeClr val="tx1"/>
+                </a:solidFill>
+              </a:rPr>
+              <a:t>Literatur:</a:t>
+            </a:r>
+          </a:p>
+          <a:p>
+            <a:endParaRPr lang="de-DE" b="0" dirty="0">
+              <a:solidFill>
+                <a:schemeClr val="tx1"/>
+              </a:solidFill>
+            </a:endParaRPr>
+          </a:p>
+          <a:p>
+            <a:r>
+              <a:rPr lang="de-DE" b="0" dirty="0">
+                <a:solidFill>
+                  <a:schemeClr val="tx1"/>
+                </a:solidFill>
+              </a:rPr>
+              <a:t>[1] – </a:t>
+            </a:r>
+            <a:r>
+              <a:rPr lang="de-DE" b="0" dirty="0" err="1">
+                <a:solidFill>
+                  <a:schemeClr val="tx1"/>
+                </a:solidFill>
+              </a:rPr>
+              <a:t>Cirq</a:t>
+            </a:r>
+            <a:r>
+              <a:rPr lang="de-DE" b="0" dirty="0">
+                <a:solidFill>
+                  <a:schemeClr val="tx1"/>
+                </a:solidFill>
+              </a:rPr>
+              <a:t> </a:t>
+            </a:r>
+            <a:r>
+              <a:rPr lang="de-DE" b="0" dirty="0" err="1">
+                <a:solidFill>
+                  <a:schemeClr val="tx1"/>
+                </a:solidFill>
+              </a:rPr>
+              <a:t>Documentation</a:t>
+            </a:r>
+            <a:r>
+              <a:rPr lang="de-DE" b="0" dirty="0">
+                <a:solidFill>
+                  <a:schemeClr val="tx1"/>
+                </a:solidFill>
+              </a:rPr>
+              <a:t>, url: https://cirq.readthedocs.io/en/stable/</a:t>
+            </a:r>
+          </a:p>
+        </p:txBody>
+      </p:sp>
+      <p:sp>
+        <p:nvSpPr>
+          <p:cNvPr id="9" name="Titel 1">
+            <a:extLst>
+              <a:ext uri="{FF2B5EF4-FFF2-40B4-BE49-F238E27FC236}">
+                <a16:creationId xmlns:a16="http://schemas.microsoft.com/office/drawing/2014/main" id="{99EDDA16-42A1-4D3F-A2B2-A644B59419B0}"/>
+              </a:ext>
+            </a:extLst>
+          </p:cNvPr>
+          <p:cNvSpPr txBox="1">
+            <a:spLocks/>
+          </p:cNvSpPr>
+          <p:nvPr/>
+        </p:nvSpPr>
+        <p:spPr>
+          <a:xfrm>
+            <a:off x="628650" y="3968327"/>
+            <a:ext cx="7886700" cy="691671"/>
+          </a:xfrm>
+          <a:prstGeom prst="rect">
+            <a:avLst/>
+          </a:prstGeom>
+        </p:spPr>
+        <p:txBody>
+          <a:bodyPr vert="horz" lIns="91440" tIns="45720" rIns="91440" bIns="45720" rtlCol="0" anchor="ctr">
+            <a:noAutofit/>
+          </a:bodyPr>
+          <a:lstStyle>
+            <a:lvl1pPr algn="l" defTabSz="914400" rtl="0" eaLnBrk="1" latinLnBrk="0" hangingPunct="1">
+              <a:lnSpc>
+                <a:spcPct val="90000"/>
+              </a:lnSpc>
+              <a:spcBef>
+                <a:spcPct val="0"/>
+              </a:spcBef>
+              <a:buNone/>
+              <a:defRPr sz="3200" b="1" kern="1200">
+                <a:solidFill>
+                  <a:schemeClr val="accent1"/>
+                </a:solidFill>
+                <a:latin typeface="+mj-lt"/>
+                <a:ea typeface="+mj-ea"/>
+                <a:cs typeface="+mj-cs"/>
+              </a:defRPr>
+            </a:lvl1pPr>
+          </a:lstStyle>
+          <a:p>
+            <a:r>
+              <a:rPr lang="de-DE" sz="1600" b="0" dirty="0">
+                <a:solidFill>
+                  <a:schemeClr val="tx1"/>
+                </a:solidFill>
+              </a:rPr>
+              <a:t>Bilder:</a:t>
+            </a:r>
+          </a:p>
+          <a:p>
+            <a:endParaRPr lang="de-DE" sz="1600" b="0" dirty="0">
+              <a:solidFill>
+                <a:schemeClr val="tx1"/>
+              </a:solidFill>
+            </a:endParaRPr>
+          </a:p>
+          <a:p>
+            <a:r>
+              <a:rPr lang="de-DE" sz="1600" b="0" dirty="0">
+                <a:solidFill>
+                  <a:schemeClr val="tx1"/>
+                </a:solidFill>
+              </a:rPr>
+              <a:t>[2] – Prof. Dr. Jörg </a:t>
+            </a:r>
+            <a:r>
+              <a:rPr lang="de-DE" sz="1600" b="0" dirty="0" err="1">
+                <a:solidFill>
+                  <a:schemeClr val="tx1"/>
+                </a:solidFill>
+              </a:rPr>
+              <a:t>Hettel</a:t>
+            </a:r>
+            <a:r>
+              <a:rPr lang="de-DE" sz="1600" b="0" dirty="0">
+                <a:solidFill>
+                  <a:schemeClr val="tx1"/>
+                </a:solidFill>
+              </a:rPr>
+              <a:t>, </a:t>
+            </a:r>
+            <a:r>
+              <a:rPr lang="en-US" sz="1600" b="0" dirty="0">
+                <a:solidFill>
+                  <a:schemeClr val="tx1"/>
+                </a:solidFill>
+              </a:rPr>
+              <a:t>Quantum Computing and Information An Introduction for Computer Scientists – Quantum Algorithms</a:t>
+            </a:r>
+            <a:endParaRPr lang="de-DE" sz="1600" b="0" dirty="0">
+              <a:solidFill>
+                <a:schemeClr val="tx1"/>
+              </a:solidFill>
+            </a:endParaRPr>
+          </a:p>
+        </p:txBody>
+      </p:sp>
+    </p:spTree>
+    <p:extLst>
+      <p:ext uri="{BB962C8B-B14F-4D97-AF65-F5344CB8AC3E}">
+        <p14:creationId xmlns:p14="http://schemas.microsoft.com/office/powerpoint/2010/main" val="2260643106"/>
       </p:ext>
     </p:extLst>
   </p:cSld>
@@ -23974,7 +28593,7 @@
           <a:p>
             <a:fld id="{1A5288E6-B411-4413-831A-87EED82A659E}" type="datetime1">
               <a:rPr lang="de-DE" smtClean="0"/>
-              <a:t>15.01.2020</a:t>
+              <a:t>16.01.2020</a:t>
             </a:fld>
             <a:endParaRPr lang="de-DE"/>
           </a:p>
@@ -24388,6 +29007,157 @@
 </p:sld>
 </file>
 
+<file path=ppt/slides/slide40.xml><?xml version="1.0" encoding="utf-8"?>
+<p:sld xmlns:a="http://schemas.openxmlformats.org/drawingml/2006/main" xmlns:r="http://schemas.openxmlformats.org/officeDocument/2006/relationships" xmlns:p="http://schemas.openxmlformats.org/presentationml/2006/main">
+  <p:cSld>
+    <p:spTree>
+      <p:nvGrpSpPr>
+        <p:cNvPr id="1" name=""/>
+        <p:cNvGrpSpPr/>
+        <p:nvPr/>
+      </p:nvGrpSpPr>
+      <p:grpSpPr>
+        <a:xfrm>
+          <a:off x="0" y="0"/>
+          <a:ext cx="0" cy="0"/>
+          <a:chOff x="0" y="0"/>
+          <a:chExt cx="0" cy="0"/>
+        </a:xfrm>
+      </p:grpSpPr>
+      <p:sp>
+        <p:nvSpPr>
+          <p:cNvPr id="4" name="Datumsplatzhalter 3">
+            <a:extLst>
+              <a:ext uri="{FF2B5EF4-FFF2-40B4-BE49-F238E27FC236}">
+                <a16:creationId xmlns:a16="http://schemas.microsoft.com/office/drawing/2014/main" id="{65922633-E468-4FF6-A50C-A8E16FF781A4}"/>
+              </a:ext>
+            </a:extLst>
+          </p:cNvPr>
+          <p:cNvSpPr>
+            <a:spLocks noGrp="1"/>
+          </p:cNvSpPr>
+          <p:nvPr>
+            <p:ph type="dt" sz="half" idx="10"/>
+          </p:nvPr>
+        </p:nvSpPr>
+        <p:spPr/>
+        <p:txBody>
+          <a:bodyPr/>
+          <a:lstStyle/>
+          <a:p>
+            <a:fld id="{1A5288E6-B411-4413-831A-87EED82A659E}" type="datetime1">
+              <a:rPr lang="de-DE" smtClean="0"/>
+              <a:t>16.01.2020</a:t>
+            </a:fld>
+            <a:endParaRPr lang="de-DE"/>
+          </a:p>
+        </p:txBody>
+      </p:sp>
+      <p:sp>
+        <p:nvSpPr>
+          <p:cNvPr id="5" name="Fußzeilenplatzhalter 4">
+            <a:extLst>
+              <a:ext uri="{FF2B5EF4-FFF2-40B4-BE49-F238E27FC236}">
+                <a16:creationId xmlns:a16="http://schemas.microsoft.com/office/drawing/2014/main" id="{BC4F37D9-9605-4CDF-B340-01F9110754D7}"/>
+              </a:ext>
+            </a:extLst>
+          </p:cNvPr>
+          <p:cNvSpPr>
+            <a:spLocks noGrp="1"/>
+          </p:cNvSpPr>
+          <p:nvPr>
+            <p:ph type="ftr" sz="quarter" idx="11"/>
+          </p:nvPr>
+        </p:nvSpPr>
+        <p:spPr/>
+        <p:txBody>
+          <a:bodyPr/>
+          <a:lstStyle/>
+          <a:p>
+            <a:r>
+              <a:rPr lang="de-DE"/>
+              <a:t>Eric Brunk - Quantum Computing</a:t>
+            </a:r>
+          </a:p>
+        </p:txBody>
+      </p:sp>
+      <p:sp>
+        <p:nvSpPr>
+          <p:cNvPr id="6" name="Foliennummernplatzhalter 5">
+            <a:extLst>
+              <a:ext uri="{FF2B5EF4-FFF2-40B4-BE49-F238E27FC236}">
+                <a16:creationId xmlns:a16="http://schemas.microsoft.com/office/drawing/2014/main" id="{4EB7531D-03A9-4770-BA1F-A6792D5278EE}"/>
+              </a:ext>
+            </a:extLst>
+          </p:cNvPr>
+          <p:cNvSpPr>
+            <a:spLocks noGrp="1"/>
+          </p:cNvSpPr>
+          <p:nvPr>
+            <p:ph type="sldNum" sz="quarter" idx="12"/>
+          </p:nvPr>
+        </p:nvSpPr>
+        <p:spPr/>
+        <p:txBody>
+          <a:bodyPr/>
+          <a:lstStyle/>
+          <a:p>
+            <a:fld id="{EC0A2310-4CBE-4B3B-8C88-D717286D0414}" type="slidenum">
+              <a:rPr lang="de-DE" smtClean="0"/>
+              <a:t>40</a:t>
+            </a:fld>
+            <a:endParaRPr lang="de-DE"/>
+          </a:p>
+        </p:txBody>
+      </p:sp>
+      <p:sp>
+        <p:nvSpPr>
+          <p:cNvPr id="8" name="Titel 7">
+            <a:extLst>
+              <a:ext uri="{FF2B5EF4-FFF2-40B4-BE49-F238E27FC236}">
+                <a16:creationId xmlns:a16="http://schemas.microsoft.com/office/drawing/2014/main" id="{6B784B99-2B3E-493F-85AE-3884BE200BC7}"/>
+              </a:ext>
+            </a:extLst>
+          </p:cNvPr>
+          <p:cNvSpPr>
+            <a:spLocks noGrp="1"/>
+          </p:cNvSpPr>
+          <p:nvPr>
+            <p:ph type="title"/>
+          </p:nvPr>
+        </p:nvSpPr>
+        <p:spPr>
+          <a:xfrm>
+            <a:off x="3168496" y="3083164"/>
+            <a:ext cx="2807008" cy="691671"/>
+          </a:xfrm>
+        </p:spPr>
+        <p:txBody>
+          <a:bodyPr>
+            <a:noAutofit/>
+          </a:bodyPr>
+          <a:lstStyle/>
+          <a:p>
+            <a:r>
+              <a:rPr lang="de-DE" sz="6000" dirty="0"/>
+              <a:t>Fragen?</a:t>
+            </a:r>
+          </a:p>
+        </p:txBody>
+      </p:sp>
+    </p:spTree>
+    <p:extLst>
+      <p:ext uri="{BB962C8B-B14F-4D97-AF65-F5344CB8AC3E}">
+        <p14:creationId xmlns:p14="http://schemas.microsoft.com/office/powerpoint/2010/main" val="1091414024"/>
+      </p:ext>
+    </p:extLst>
+  </p:cSld>
+  <p:clrMapOvr>
+    <a:masterClrMapping/>
+  </p:clrMapOvr>
+</p:sld>
+</file>
+
 <file path=ppt/slides/slide5.xml><?xml version="1.0" encoding="utf-8"?>
 <p:sld xmlns:a="http://schemas.openxmlformats.org/drawingml/2006/main" xmlns:r="http://schemas.openxmlformats.org/officeDocument/2006/relationships" xmlns:p="http://schemas.openxmlformats.org/presentationml/2006/main">
   <p:cSld>
@@ -24456,7 +29226,7 @@
           <a:p>
             <a:fld id="{1A5288E6-B411-4413-831A-87EED82A659E}" type="datetime1">
               <a:rPr lang="de-DE" smtClean="0"/>
-              <a:t>15.01.2020</a:t>
+              <a:t>16.01.2020</a:t>
             </a:fld>
             <a:endParaRPr lang="de-DE"/>
           </a:p>
@@ -24534,7 +29304,7 @@
           <p:nvPr/>
         </p:nvPicPr>
         <p:blipFill>
-          <a:blip r:embed="rId2">
+          <a:blip r:embed="rId3">
             <a:extLst>
               <a:ext uri="{28A0092B-C50C-407E-A947-70E740481C1C}">
                 <a14:useLocalDpi xmlns:a14="http://schemas.microsoft.com/office/drawing/2010/main" val="0"/>
@@ -24676,7 +29446,7 @@
           <a:p>
             <a:fld id="{1A5288E6-B411-4413-831A-87EED82A659E}" type="datetime1">
               <a:rPr lang="de-DE" smtClean="0"/>
-              <a:t>15.01.2020</a:t>
+              <a:t>16.01.2020</a:t>
             </a:fld>
             <a:endParaRPr lang="de-DE"/>
           </a:p>
@@ -25370,7 +30140,7 @@
           <a:p>
             <a:fld id="{1A5288E6-B411-4413-831A-87EED82A659E}" type="datetime1">
               <a:rPr lang="de-DE" smtClean="0"/>
-              <a:t>15.01.2020</a:t>
+              <a:t>16.01.2020</a:t>
             </a:fld>
             <a:endParaRPr lang="de-DE"/>
           </a:p>
@@ -25448,7 +30218,7 @@
           <p:nvPr/>
         </p:nvPicPr>
         <p:blipFill>
-          <a:blip r:embed="rId2">
+          <a:blip r:embed="rId3">
             <a:extLst>
               <a:ext uri="{28A0092B-C50C-407E-A947-70E740481C1C}">
                 <a14:useLocalDpi xmlns:a14="http://schemas.microsoft.com/office/drawing/2010/main" val="0"/>
@@ -25484,7 +30254,7 @@
           <p:nvPr/>
         </p:nvPicPr>
         <p:blipFill>
-          <a:blip r:embed="rId3">
+          <a:blip r:embed="rId4">
             <a:extLst>
               <a:ext uri="{28A0092B-C50C-407E-A947-70E740481C1C}">
                 <a14:useLocalDpi xmlns:a14="http://schemas.microsoft.com/office/drawing/2010/main" val="0"/>
@@ -25591,7 +30361,7 @@
           <a:p>
             <a:fld id="{1A5288E6-B411-4413-831A-87EED82A659E}" type="datetime1">
               <a:rPr lang="de-DE" smtClean="0"/>
-              <a:t>15.01.2020</a:t>
+              <a:t>16.01.2020</a:t>
             </a:fld>
             <a:endParaRPr lang="de-DE"/>
           </a:p>
@@ -26375,7 +31145,7 @@
           <a:p>
             <a:fld id="{1A5288E6-B411-4413-831A-87EED82A659E}" type="datetime1">
               <a:rPr lang="de-DE" smtClean="0"/>
-              <a:t>15.01.2020</a:t>
+              <a:t>16.01.2020</a:t>
             </a:fld>
             <a:endParaRPr lang="de-DE"/>
           </a:p>
@@ -26453,7 +31223,7 @@
           <p:nvPr/>
         </p:nvPicPr>
         <p:blipFill>
-          <a:blip r:embed="rId2">
+          <a:blip r:embed="rId3">
             <a:extLst>
               <a:ext uri="{28A0092B-C50C-407E-A947-70E740481C1C}">
                 <a14:useLocalDpi xmlns:a14="http://schemas.microsoft.com/office/drawing/2010/main" val="0"/>
@@ -26489,7 +31259,7 @@
           <p:nvPr/>
         </p:nvPicPr>
         <p:blipFill>
-          <a:blip r:embed="rId3">
+          <a:blip r:embed="rId4">
             <a:extLst>
               <a:ext uri="{28A0092B-C50C-407E-A947-70E740481C1C}">
                 <a14:useLocalDpi xmlns:a14="http://schemas.microsoft.com/office/drawing/2010/main" val="0"/>
